--- a/Day 4/Slides/5. Input and Output with Streams and Files/input-and-output-with-streams-and-files-slides.pptx
+++ b/Day 4/Slides/5. Input and Output with Streams and Files/input-and-output-with-streams-and-files-slides.pptx
@@ -5,55 +5,55 @@
     <p:sldMasterId id="2147483648" r:id="rId1"/>
   </p:sldMasterIdLst>
   <p:notesMasterIdLst>
-    <p:notesMasterId r:id="rId49"/>
+    <p:notesMasterId r:id="rId48"/>
   </p:notesMasterIdLst>
   <p:sldIdLst>
-    <p:sldId id="256" r:id="rId3"/>
-    <p:sldId id="257" r:id="rId4"/>
-    <p:sldId id="258" r:id="rId5"/>
-    <p:sldId id="259" r:id="rId6"/>
-    <p:sldId id="260" r:id="rId7"/>
-    <p:sldId id="261" r:id="rId8"/>
-    <p:sldId id="262" r:id="rId9"/>
-    <p:sldId id="263" r:id="rId10"/>
-    <p:sldId id="264" r:id="rId11"/>
-    <p:sldId id="265" r:id="rId12"/>
-    <p:sldId id="266" r:id="rId13"/>
-    <p:sldId id="267" r:id="rId14"/>
-    <p:sldId id="268" r:id="rId15"/>
-    <p:sldId id="269" r:id="rId16"/>
-    <p:sldId id="270" r:id="rId17"/>
-    <p:sldId id="271" r:id="rId18"/>
-    <p:sldId id="272" r:id="rId19"/>
-    <p:sldId id="273" r:id="rId20"/>
-    <p:sldId id="274" r:id="rId21"/>
-    <p:sldId id="275" r:id="rId22"/>
-    <p:sldId id="276" r:id="rId23"/>
-    <p:sldId id="277" r:id="rId24"/>
-    <p:sldId id="278" r:id="rId25"/>
-    <p:sldId id="279" r:id="rId26"/>
-    <p:sldId id="280" r:id="rId27"/>
-    <p:sldId id="281" r:id="rId28"/>
-    <p:sldId id="282" r:id="rId29"/>
-    <p:sldId id="283" r:id="rId30"/>
-    <p:sldId id="284" r:id="rId31"/>
-    <p:sldId id="285" r:id="rId32"/>
-    <p:sldId id="286" r:id="rId33"/>
-    <p:sldId id="287" r:id="rId34"/>
-    <p:sldId id="288" r:id="rId35"/>
-    <p:sldId id="289" r:id="rId36"/>
-    <p:sldId id="290" r:id="rId37"/>
-    <p:sldId id="291" r:id="rId38"/>
-    <p:sldId id="292" r:id="rId39"/>
-    <p:sldId id="293" r:id="rId40"/>
-    <p:sldId id="294" r:id="rId41"/>
-    <p:sldId id="295" r:id="rId42"/>
-    <p:sldId id="296" r:id="rId43"/>
-    <p:sldId id="297" r:id="rId44"/>
-    <p:sldId id="298" r:id="rId45"/>
-    <p:sldId id="299" r:id="rId46"/>
-    <p:sldId id="300" r:id="rId47"/>
-    <p:sldId id="301" r:id="rId48"/>
+    <p:sldId id="256" r:id="rId2"/>
+    <p:sldId id="257" r:id="rId3"/>
+    <p:sldId id="258" r:id="rId4"/>
+    <p:sldId id="259" r:id="rId5"/>
+    <p:sldId id="260" r:id="rId6"/>
+    <p:sldId id="261" r:id="rId7"/>
+    <p:sldId id="262" r:id="rId8"/>
+    <p:sldId id="263" r:id="rId9"/>
+    <p:sldId id="264" r:id="rId10"/>
+    <p:sldId id="265" r:id="rId11"/>
+    <p:sldId id="266" r:id="rId12"/>
+    <p:sldId id="267" r:id="rId13"/>
+    <p:sldId id="268" r:id="rId14"/>
+    <p:sldId id="269" r:id="rId15"/>
+    <p:sldId id="270" r:id="rId16"/>
+    <p:sldId id="271" r:id="rId17"/>
+    <p:sldId id="272" r:id="rId18"/>
+    <p:sldId id="273" r:id="rId19"/>
+    <p:sldId id="274" r:id="rId20"/>
+    <p:sldId id="275" r:id="rId21"/>
+    <p:sldId id="276" r:id="rId22"/>
+    <p:sldId id="277" r:id="rId23"/>
+    <p:sldId id="278" r:id="rId24"/>
+    <p:sldId id="279" r:id="rId25"/>
+    <p:sldId id="280" r:id="rId26"/>
+    <p:sldId id="281" r:id="rId27"/>
+    <p:sldId id="282" r:id="rId28"/>
+    <p:sldId id="283" r:id="rId29"/>
+    <p:sldId id="284" r:id="rId30"/>
+    <p:sldId id="285" r:id="rId31"/>
+    <p:sldId id="286" r:id="rId32"/>
+    <p:sldId id="287" r:id="rId33"/>
+    <p:sldId id="288" r:id="rId34"/>
+    <p:sldId id="289" r:id="rId35"/>
+    <p:sldId id="290" r:id="rId36"/>
+    <p:sldId id="291" r:id="rId37"/>
+    <p:sldId id="292" r:id="rId38"/>
+    <p:sldId id="293" r:id="rId39"/>
+    <p:sldId id="294" r:id="rId40"/>
+    <p:sldId id="295" r:id="rId41"/>
+    <p:sldId id="296" r:id="rId42"/>
+    <p:sldId id="297" r:id="rId43"/>
+    <p:sldId id="298" r:id="rId44"/>
+    <p:sldId id="299" r:id="rId45"/>
+    <p:sldId id="300" r:id="rId46"/>
+    <p:sldId id="301" r:id="rId47"/>
   </p:sldIdLst>
   <p:sldSz cx="12192000" cy="6858000"/>
   <p:notesSz cx="12192000" cy="6858000"/>
@@ -149,6 +149,22 @@
       </a:defRPr>
     </a:lvl9pPr>
   </p:defaultTextStyle>
+  <p:extLst>
+    <p:ext uri="{EFAFB233-063F-42B5-8137-9DF3F51BA10A}">
+      <p15:sldGuideLst xmlns:p15="http://schemas.microsoft.com/office/powerpoint/2012/main">
+        <p15:guide id="1" orient="horz" pos="2880">
+          <p15:clr>
+            <a:srgbClr val="A4A3A4"/>
+          </p15:clr>
+        </p15:guide>
+        <p15:guide id="2" pos="2160">
+          <p15:clr>
+            <a:srgbClr val="A4A3A4"/>
+          </p15:clr>
+        </p15:guide>
+      </p15:sldGuideLst>
+    </p:ext>
+  </p:extLst>
 </p:presentation>
 </file>
 
@@ -234,6 +250,7 @@
           <a:p>
             <a:fld id="{3EFD42F7-718C-4B98-AAEC-167E6DDD60A7}" type="datetimeFigureOut">
               <a:rPr lang="en-US" smtClean="0"/>
+              <a:t>6/26/2024</a:t>
             </a:fld>
             <a:endParaRPr lang="en-US"/>
           </a:p>
@@ -297,42 +314,37 @@
           <a:p>
             <a:pPr lvl="0"/>
             <a:r>
-              <a:rPr lang="en-US" smtClean="0"/>
+              <a:rPr lang="en-US"/>
               <a:t>Click to edit Master text styles</a:t>
             </a:r>
-            <a:endParaRPr lang="en-US" smtClean="0"/>
           </a:p>
           <a:p>
             <a:pPr lvl="1"/>
             <a:r>
-              <a:rPr lang="en-US" smtClean="0"/>
+              <a:rPr lang="en-US"/>
               <a:t>Second level</a:t>
             </a:r>
-            <a:endParaRPr lang="en-US" smtClean="0"/>
           </a:p>
           <a:p>
             <a:pPr lvl="2"/>
             <a:r>
-              <a:rPr lang="en-US" smtClean="0"/>
+              <a:rPr lang="en-US"/>
               <a:t>Third level</a:t>
             </a:r>
-            <a:endParaRPr lang="en-US" smtClean="0"/>
           </a:p>
           <a:p>
             <a:pPr lvl="3"/>
             <a:r>
-              <a:rPr lang="en-US" smtClean="0"/>
+              <a:rPr lang="en-US"/>
               <a:t>Fourth level</a:t>
             </a:r>
-            <a:endParaRPr lang="en-US" smtClean="0"/>
           </a:p>
           <a:p>
             <a:pPr lvl="4"/>
             <a:r>
-              <a:rPr lang="en-US" smtClean="0"/>
+              <a:rPr lang="en-US"/>
               <a:t>Fifth level</a:t>
             </a:r>
-            <a:endParaRPr lang="en-US"/>
           </a:p>
         </p:txBody>
       </p:sp>
@@ -396,6 +408,7 @@
           <a:p>
             <a:fld id="{21B2AA4F-B828-4D7C-AFD3-893933DAFCB4}" type="slidenum">
               <a:rPr lang="en-US" smtClean="0"/>
+              <a:t>‹#›</a:t>
             </a:fld>
             <a:endParaRPr lang="en-US"/>
           </a:p>
@@ -544,7 +557,9 @@
               <a:defRPr/>
             </a:lvl1pPr>
           </a:lstStyle>
-          <a:p/>
+          <a:p>
+            <a:endParaRPr/>
+          </a:p>
         </p:txBody>
       </p:sp>
       <p:sp>
@@ -575,7 +590,9 @@
               <a:defRPr/>
             </a:lvl1pPr>
           </a:lstStyle>
-          <a:p/>
+          <a:p>
+            <a:endParaRPr/>
+          </a:p>
         </p:txBody>
       </p:sp>
       <p:sp>
@@ -602,7 +619,9 @@
               </a:defRPr>
             </a:lvl1pPr>
           </a:lstStyle>
-          <a:p/>
+          <a:p>
+            <a:endParaRPr/>
+          </a:p>
         </p:txBody>
       </p:sp>
       <p:sp>
@@ -632,6 +651,7 @@
           <a:p>
             <a:fld id="{1D8BD707-D9CF-40AE-B4C6-C98DA3205C09}" type="datetimeFigureOut">
               <a:rPr lang="en-US"/>
+              <a:t>6/26/2024</a:t>
             </a:fld>
             <a:endParaRPr lang="en-US"/>
           </a:p>
@@ -664,6 +684,7 @@
           <a:p>
             <a:fld id="{B6F15528-21DE-4FAA-801E-634DDDAF4B2B}" type="slidenum">
               <a:rPr/>
+              <a:t>‹#›</a:t>
             </a:fld>
             <a:endParaRPr/>
           </a:p>
@@ -679,7 +700,7 @@
 </file>
 
 <file path=ppt/slideLayouts/slideLayout2.xml><?xml version="1.0" encoding="utf-8"?>
-<p:sldLayout xmlns:a="http://schemas.openxmlformats.org/drawingml/2006/main" xmlns:r="http://schemas.openxmlformats.org/officeDocument/2006/relationships" xmlns:p="http://schemas.openxmlformats.org/presentationml/2006/main" type="obj" preserve="1" showMasterSp="0">
+<p:sldLayout xmlns:a="http://schemas.openxmlformats.org/drawingml/2006/main" xmlns:r="http://schemas.openxmlformats.org/officeDocument/2006/relationships" xmlns:p="http://schemas.openxmlformats.org/presentationml/2006/main" showMasterSp="0" type="obj" preserve="1">
   <p:cSld name="Title and Content">
     <p:bg>
       <p:bgPr>
@@ -840,7 +861,9 @@
         <p:txBody>
           <a:bodyPr wrap="square" lIns="0" tIns="0" rIns="0" bIns="0" rtlCol="0"/>
           <a:lstStyle/>
-          <a:p/>
+          <a:p>
+            <a:endParaRPr/>
+          </a:p>
         </p:txBody>
       </p:sp>
       <p:sp>
@@ -938,7 +961,9 @@
         <p:txBody>
           <a:bodyPr wrap="square" lIns="0" tIns="0" rIns="0" bIns="0" rtlCol="0"/>
           <a:lstStyle/>
-          <a:p/>
+          <a:p>
+            <a:endParaRPr/>
+          </a:p>
         </p:txBody>
       </p:sp>
       <p:sp>
@@ -965,7 +990,9 @@
               </a:defRPr>
             </a:lvl1pPr>
           </a:lstStyle>
-          <a:p/>
+          <a:p>
+            <a:endParaRPr/>
+          </a:p>
         </p:txBody>
       </p:sp>
       <p:sp>
@@ -986,7 +1013,9 @@
               <a:defRPr/>
             </a:lvl1pPr>
           </a:lstStyle>
-          <a:p/>
+          <a:p>
+            <a:endParaRPr/>
+          </a:p>
         </p:txBody>
       </p:sp>
       <p:sp>
@@ -1013,7 +1042,9 @@
               </a:defRPr>
             </a:lvl1pPr>
           </a:lstStyle>
-          <a:p/>
+          <a:p>
+            <a:endParaRPr/>
+          </a:p>
         </p:txBody>
       </p:sp>
       <p:sp>
@@ -1043,6 +1074,7 @@
           <a:p>
             <a:fld id="{1D8BD707-D9CF-40AE-B4C6-C98DA3205C09}" type="datetimeFigureOut">
               <a:rPr lang="en-US"/>
+              <a:t>6/26/2024</a:t>
             </a:fld>
             <a:endParaRPr lang="en-US"/>
           </a:p>
@@ -1075,6 +1107,7 @@
           <a:p>
             <a:fld id="{B6F15528-21DE-4FAA-801E-634DDDAF4B2B}" type="slidenum">
               <a:rPr/>
+              <a:t>‹#›</a:t>
             </a:fld>
             <a:endParaRPr/>
           </a:p>
@@ -1130,7 +1163,9 @@
               </a:defRPr>
             </a:lvl1pPr>
           </a:lstStyle>
-          <a:p/>
+          <a:p>
+            <a:endParaRPr/>
+          </a:p>
         </p:txBody>
       </p:sp>
       <p:sp>
@@ -1161,7 +1196,9 @@
               <a:defRPr/>
             </a:lvl1pPr>
           </a:lstStyle>
-          <a:p/>
+          <a:p>
+            <a:endParaRPr/>
+          </a:p>
         </p:txBody>
       </p:sp>
       <p:sp>
@@ -1192,7 +1229,9 @@
               <a:defRPr/>
             </a:lvl1pPr>
           </a:lstStyle>
-          <a:p/>
+          <a:p>
+            <a:endParaRPr/>
+          </a:p>
         </p:txBody>
       </p:sp>
       <p:sp>
@@ -1219,7 +1258,9 @@
               </a:defRPr>
             </a:lvl1pPr>
           </a:lstStyle>
-          <a:p/>
+          <a:p>
+            <a:endParaRPr/>
+          </a:p>
         </p:txBody>
       </p:sp>
       <p:sp>
@@ -1249,6 +1290,7 @@
           <a:p>
             <a:fld id="{1D8BD707-D9CF-40AE-B4C6-C98DA3205C09}" type="datetimeFigureOut">
               <a:rPr lang="en-US"/>
+              <a:t>6/26/2024</a:t>
             </a:fld>
             <a:endParaRPr lang="en-US"/>
           </a:p>
@@ -1281,6 +1323,7 @@
           <a:p>
             <a:fld id="{B6F15528-21DE-4FAA-801E-634DDDAF4B2B}" type="slidenum">
               <a:rPr/>
+              <a:t>‹#›</a:t>
             </a:fld>
             <a:endParaRPr/>
           </a:p>
@@ -1336,7 +1379,9 @@
               </a:defRPr>
             </a:lvl1pPr>
           </a:lstStyle>
-          <a:p/>
+          <a:p>
+            <a:endParaRPr/>
+          </a:p>
         </p:txBody>
       </p:sp>
       <p:sp>
@@ -1363,7 +1408,9 @@
               </a:defRPr>
             </a:lvl1pPr>
           </a:lstStyle>
-          <a:p/>
+          <a:p>
+            <a:endParaRPr/>
+          </a:p>
         </p:txBody>
       </p:sp>
       <p:sp>
@@ -1393,6 +1440,7 @@
           <a:p>
             <a:fld id="{1D8BD707-D9CF-40AE-B4C6-C98DA3205C09}" type="datetimeFigureOut">
               <a:rPr lang="en-US"/>
+              <a:t>6/26/2024</a:t>
             </a:fld>
             <a:endParaRPr lang="en-US"/>
           </a:p>
@@ -1425,6 +1473,7 @@
           <a:p>
             <a:fld id="{B6F15528-21DE-4FAA-801E-634DDDAF4B2B}" type="slidenum">
               <a:rPr/>
+              <a:t>‹#›</a:t>
             </a:fld>
             <a:endParaRPr/>
           </a:p>
@@ -1480,7 +1529,9 @@
               </a:defRPr>
             </a:lvl1pPr>
           </a:lstStyle>
-          <a:p/>
+          <a:p>
+            <a:endParaRPr/>
+          </a:p>
         </p:txBody>
       </p:sp>
       <p:sp>
@@ -1510,6 +1561,7 @@
           <a:p>
             <a:fld id="{1D8BD707-D9CF-40AE-B4C6-C98DA3205C09}" type="datetimeFigureOut">
               <a:rPr lang="en-US"/>
+              <a:t>6/26/2024</a:t>
             </a:fld>
             <a:endParaRPr lang="en-US"/>
           </a:p>
@@ -1542,6 +1594,7 @@
           <a:p>
             <a:fld id="{B6F15528-21DE-4FAA-801E-634DDDAF4B2B}" type="slidenum">
               <a:rPr/>
+              <a:t>‹#›</a:t>
             </a:fld>
             <a:endParaRPr/>
           </a:p>
@@ -1615,7 +1668,9 @@
               </a:defRPr>
             </a:lvl1pPr>
           </a:lstStyle>
-          <a:p/>
+          <a:p>
+            <a:endParaRPr/>
+          </a:p>
         </p:txBody>
       </p:sp>
       <p:sp>
@@ -1646,7 +1701,9 @@
               <a:defRPr/>
             </a:lvl1pPr>
           </a:lstStyle>
-          <a:p/>
+          <a:p>
+            <a:endParaRPr/>
+          </a:p>
         </p:txBody>
       </p:sp>
       <p:sp>
@@ -1683,7 +1740,9 @@
               </a:defRPr>
             </a:lvl1pPr>
           </a:lstStyle>
-          <a:p/>
+          <a:p>
+            <a:endParaRPr/>
+          </a:p>
         </p:txBody>
       </p:sp>
       <p:sp>
@@ -1723,6 +1782,7 @@
           <a:p>
             <a:fld id="{1D8BD707-D9CF-40AE-B4C6-C98DA3205C09}" type="datetimeFigureOut">
               <a:rPr lang="en-US"/>
+              <a:t>6/26/2024</a:t>
             </a:fld>
             <a:endParaRPr lang="en-US"/>
           </a:p>
@@ -1765,6 +1825,7 @@
           <a:p>
             <a:fld id="{B6F15528-21DE-4FAA-801E-634DDDAF4B2B}" type="slidenum">
               <a:rPr/>
+              <a:t>‹#›</a:t>
             </a:fld>
             <a:endParaRPr/>
           </a:p>
@@ -1949,7 +2010,7 @@
           <p:nvPr/>
         </p:nvPicPr>
         <p:blipFill>
-          <a:blip r:embed="rId1" cstate="print"/>
+          <a:blip r:embed="rId2" cstate="print"/>
           <a:stretch>
             <a:fillRect/>
           </a:stretch>
@@ -1985,7 +2046,7 @@
             <p:nvPr/>
           </p:nvPicPr>
           <p:blipFill>
-            <a:blip r:embed="rId2" cstate="print"/>
+            <a:blip r:embed="rId3" cstate="print"/>
             <a:stretch>
               <a:fillRect/>
             </a:stretch>
@@ -2007,7 +2068,7 @@
             <p:nvPr/>
           </p:nvPicPr>
           <p:blipFill>
-            <a:blip r:embed="rId3" cstate="print"/>
+            <a:blip r:embed="rId4" cstate="print"/>
             <a:stretch>
               <a:fillRect/>
             </a:stretch>
@@ -2036,9 +2097,11 @@
         <p:spPr/>
         <p:txBody>
           <a:bodyPr/>
+          <a:lstStyle/>
           <a:p>
             <a:fld id="{B6F15528-21DE-4FAA-801E-634DDDAF4B2B}" type="slidenum">
               <a:rPr/>
+              <a:t>1</a:t>
             </a:fld>
             <a:endParaRPr/>
           </a:p>
@@ -2106,7 +2169,6 @@
               <a:rPr spc="-5" dirty="0"/>
               <a:t>01101110</a:t>
             </a:r>
-            <a:endParaRPr spc="-5" dirty="0"/>
           </a:p>
         </p:txBody>
       </p:sp>
@@ -2131,7 +2193,7 @@
             <p:nvPr/>
           </p:nvPicPr>
           <p:blipFill>
-            <a:blip r:embed="rId1" cstate="print"/>
+            <a:blip r:embed="rId2" cstate="print"/>
             <a:stretch>
               <a:fillRect/>
             </a:stretch>
@@ -2200,7 +2262,9 @@
           <p:txBody>
             <a:bodyPr wrap="square" lIns="0" tIns="0" rIns="0" bIns="0" rtlCol="0"/>
             <a:lstStyle/>
-            <a:p/>
+            <a:p>
+              <a:endParaRPr/>
+            </a:p>
           </p:txBody>
         </p:sp>
         <p:pic>
@@ -2210,7 +2274,7 @@
             <p:nvPr/>
           </p:nvPicPr>
           <p:blipFill>
-            <a:blip r:embed="rId2" cstate="print"/>
+            <a:blip r:embed="rId3" cstate="print"/>
             <a:stretch>
               <a:fillRect/>
             </a:stretch>
@@ -2236,7 +2300,7 @@
         </p:nvGraphicFramePr>
         <p:xfrm>
           <a:off x="7531607" y="2762757"/>
-          <a:ext cx="3413125" cy="1125220"/>
+          <a:ext cx="3394075" cy="1112517"/>
         </p:xfrm>
         <a:graphic>
           <a:graphicData uri="http://schemas.openxmlformats.org/drawingml/2006/table">
@@ -2245,7 +2309,13 @@
                 <a:tableStyleId>{2D5ABB26-0587-4C30-8999-92F81FD0307C}</a:tableStyleId>
               </a:tblPr>
               <a:tblGrid>
-                <a:gridCol w="3394075"/>
+                <a:gridCol w="3394075">
+                  <a:extLst>
+                    <a:ext uri="{9D8B030D-6E8A-4147-A177-3AD203B41FA5}">
+                      <a16:colId xmlns:a16="http://schemas.microsoft.com/office/drawing/2014/main" val="20000"/>
+                    </a:ext>
+                  </a:extLst>
+                </a:gridCol>
               </a:tblGrid>
               <a:tr h="370839">
                 <a:tc>
@@ -2307,6 +2377,11 @@
                     </a:solidFill>
                   </a:tcPr>
                 </a:tc>
+                <a:extLst>
+                  <a:ext uri="{0D108BD9-81ED-4DB2-BD59-A6C34878D82A}">
+                    <a16:rowId xmlns:a16="http://schemas.microsoft.com/office/drawing/2014/main" val="10000"/>
+                  </a:ext>
+                </a:extLst>
               </a:tr>
               <a:tr h="370839">
                 <a:tc>
@@ -2388,6 +2463,11 @@
                     </a:solidFill>
                   </a:tcPr>
                 </a:tc>
+                <a:extLst>
+                  <a:ext uri="{0D108BD9-81ED-4DB2-BD59-A6C34878D82A}">
+                    <a16:rowId xmlns:a16="http://schemas.microsoft.com/office/drawing/2014/main" val="10001"/>
+                  </a:ext>
+                </a:extLst>
               </a:tr>
               <a:tr h="370839">
                 <a:tc>
@@ -2486,6 +2566,11 @@
                     </a:solidFill>
                   </a:tcPr>
                 </a:tc>
+                <a:extLst>
+                  <a:ext uri="{0D108BD9-81ED-4DB2-BD59-A6C34878D82A}">
+                    <a16:rowId xmlns:a16="http://schemas.microsoft.com/office/drawing/2014/main" val="10002"/>
+                  </a:ext>
+                </a:extLst>
               </a:tr>
             </a:tbl>
           </a:graphicData>
@@ -2501,7 +2586,7 @@
         </p:nvGraphicFramePr>
         <p:xfrm>
           <a:off x="3468878" y="2756789"/>
-          <a:ext cx="3416300" cy="1125220"/>
+          <a:ext cx="3397250" cy="1112518"/>
         </p:xfrm>
         <a:graphic>
           <a:graphicData uri="http://schemas.openxmlformats.org/drawingml/2006/table">
@@ -2510,7 +2595,13 @@
                 <a:tableStyleId>{2D5ABB26-0587-4C30-8999-92F81FD0307C}</a:tableStyleId>
               </a:tblPr>
               <a:tblGrid>
-                <a:gridCol w="3397250"/>
+                <a:gridCol w="3397250">
+                  <a:extLst>
+                    <a:ext uri="{9D8B030D-6E8A-4147-A177-3AD203B41FA5}">
+                      <a16:colId xmlns:a16="http://schemas.microsoft.com/office/drawing/2014/main" val="20000"/>
+                    </a:ext>
+                  </a:extLst>
+                </a:gridCol>
               </a:tblGrid>
               <a:tr h="370839">
                 <a:tc>
@@ -2572,6 +2663,11 @@
                     </a:solidFill>
                   </a:tcPr>
                 </a:tc>
+                <a:extLst>
+                  <a:ext uri="{0D108BD9-81ED-4DB2-BD59-A6C34878D82A}">
+                    <a16:rowId xmlns:a16="http://schemas.microsoft.com/office/drawing/2014/main" val="10000"/>
+                  </a:ext>
+                </a:extLst>
               </a:tr>
               <a:tr h="370840">
                 <a:tc>
@@ -2653,6 +2749,11 @@
                     </a:solidFill>
                   </a:tcPr>
                 </a:tc>
+                <a:extLst>
+                  <a:ext uri="{0D108BD9-81ED-4DB2-BD59-A6C34878D82A}">
+                    <a16:rowId xmlns:a16="http://schemas.microsoft.com/office/drawing/2014/main" val="10001"/>
+                  </a:ext>
+                </a:extLst>
               </a:tr>
               <a:tr h="370839">
                 <a:tc>
@@ -2754,6 +2855,11 @@
                     </a:solidFill>
                   </a:tcPr>
                 </a:tc>
+                <a:extLst>
+                  <a:ext uri="{0D108BD9-81ED-4DB2-BD59-A6C34878D82A}">
+                    <a16:rowId xmlns:a16="http://schemas.microsoft.com/office/drawing/2014/main" val="10002"/>
+                  </a:ext>
+                </a:extLst>
               </a:tr>
             </a:tbl>
           </a:graphicData>
@@ -2772,9 +2878,11 @@
         <p:spPr/>
         <p:txBody>
           <a:bodyPr/>
+          <a:lstStyle/>
           <a:p>
             <a:fld id="{B6F15528-21DE-4FAA-801E-634DDDAF4B2B}" type="slidenum">
               <a:rPr/>
+              <a:t>10</a:t>
             </a:fld>
             <a:endParaRPr/>
           </a:p>
@@ -2850,31 +2958,11 @@
         <p:txBody>
           <a:bodyPr wrap="square" lIns="0" tIns="0" rIns="0" bIns="0" rtlCol="0"/>
           <a:lstStyle/>
-          <a:p/>
+          <a:p>
+            <a:endParaRPr/>
+          </a:p>
         </p:txBody>
       </p:sp>
-      <p:pic>
-        <p:nvPicPr>
-          <p:cNvPr id="3" name="object 3"/>
-          <p:cNvPicPr/>
-          <p:nvPr/>
-        </p:nvPicPr>
-        <p:blipFill>
-          <a:blip r:embed="rId1" cstate="print"/>
-          <a:stretch>
-            <a:fillRect/>
-          </a:stretch>
-        </p:blipFill>
-        <p:spPr>
-          <a:xfrm>
-            <a:off x="11496293" y="6184734"/>
-            <a:ext cx="449821" cy="449821"/>
-          </a:xfrm>
-          <a:prstGeom prst="rect">
-            <a:avLst/>
-          </a:prstGeom>
-        </p:spPr>
-      </p:pic>
       <p:sp>
         <p:nvSpPr>
           <p:cNvPr id="4" name="object 4"/>
@@ -3707,9 +3795,11 @@
         <p:spPr/>
         <p:txBody>
           <a:bodyPr/>
+          <a:lstStyle/>
           <a:p>
             <a:fld id="{B6F15528-21DE-4FAA-801E-634DDDAF4B2B}" type="slidenum">
               <a:rPr/>
+              <a:t>11</a:t>
             </a:fld>
             <a:endParaRPr/>
           </a:p>
@@ -3785,31 +3875,11 @@
         <p:txBody>
           <a:bodyPr wrap="square" lIns="0" tIns="0" rIns="0" bIns="0" rtlCol="0"/>
           <a:lstStyle/>
-          <a:p/>
+          <a:p>
+            <a:endParaRPr/>
+          </a:p>
         </p:txBody>
       </p:sp>
-      <p:pic>
-        <p:nvPicPr>
-          <p:cNvPr id="3" name="object 3"/>
-          <p:cNvPicPr/>
-          <p:nvPr/>
-        </p:nvPicPr>
-        <p:blipFill>
-          <a:blip r:embed="rId1" cstate="print"/>
-          <a:stretch>
-            <a:fillRect/>
-          </a:stretch>
-        </p:blipFill>
-        <p:spPr>
-          <a:xfrm>
-            <a:off x="11496293" y="6184734"/>
-            <a:ext cx="449821" cy="449821"/>
-          </a:xfrm>
-          <a:prstGeom prst="rect">
-            <a:avLst/>
-          </a:prstGeom>
-        </p:spPr>
-      </p:pic>
       <p:sp>
         <p:nvSpPr>
           <p:cNvPr id="4" name="object 4"/>
@@ -4732,9 +4802,11 @@
         <p:spPr/>
         <p:txBody>
           <a:bodyPr/>
+          <a:lstStyle/>
           <a:p>
             <a:fld id="{B6F15528-21DE-4FAA-801E-634DDDAF4B2B}" type="slidenum">
               <a:rPr/>
+              <a:t>12</a:t>
             </a:fld>
             <a:endParaRPr/>
           </a:p>
@@ -4802,7 +4874,6 @@
               <a:rPr spc="-5" dirty="0"/>
               <a:t>01101110</a:t>
             </a:r>
-            <a:endParaRPr spc="-5" dirty="0"/>
           </a:p>
         </p:txBody>
       </p:sp>
@@ -4827,7 +4898,7 @@
             <p:nvPr/>
           </p:nvPicPr>
           <p:blipFill>
-            <a:blip r:embed="rId1" cstate="print"/>
+            <a:blip r:embed="rId2" cstate="print"/>
             <a:stretch>
               <a:fillRect/>
             </a:stretch>
@@ -4896,7 +4967,9 @@
           <p:txBody>
             <a:bodyPr wrap="square" lIns="0" tIns="0" rIns="0" bIns="0" rtlCol="0"/>
             <a:lstStyle/>
-            <a:p/>
+            <a:p>
+              <a:endParaRPr/>
+            </a:p>
           </p:txBody>
         </p:sp>
         <p:pic>
@@ -4906,7 +4979,7 @@
             <p:nvPr/>
           </p:nvPicPr>
           <p:blipFill>
-            <a:blip r:embed="rId2" cstate="print"/>
+            <a:blip r:embed="rId3" cstate="print"/>
             <a:stretch>
               <a:fillRect/>
             </a:stretch>
@@ -4943,7 +5016,7 @@
             <p:nvPr/>
           </p:nvPicPr>
           <p:blipFill>
-            <a:blip r:embed="rId1" cstate="print"/>
+            <a:blip r:embed="rId2" cstate="print"/>
             <a:stretch>
               <a:fillRect/>
             </a:stretch>
@@ -5012,7 +5085,9 @@
           <p:txBody>
             <a:bodyPr wrap="square" lIns="0" tIns="0" rIns="0" bIns="0" rtlCol="0"/>
             <a:lstStyle/>
-            <a:p/>
+            <a:p>
+              <a:endParaRPr/>
+            </a:p>
           </p:txBody>
         </p:sp>
         <p:pic>
@@ -5022,7 +5097,7 @@
             <p:nvPr/>
           </p:nvPicPr>
           <p:blipFill>
-            <a:blip r:embed="rId3" cstate="print"/>
+            <a:blip r:embed="rId4" cstate="print"/>
             <a:stretch>
               <a:fillRect/>
             </a:stretch>
@@ -5048,7 +5123,7 @@
         </p:nvGraphicFramePr>
         <p:xfrm>
           <a:off x="7531607" y="2762757"/>
-          <a:ext cx="3413125" cy="1125220"/>
+          <a:ext cx="3394075" cy="1112517"/>
         </p:xfrm>
         <a:graphic>
           <a:graphicData uri="http://schemas.openxmlformats.org/drawingml/2006/table">
@@ -5057,7 +5132,13 @@
                 <a:tableStyleId>{2D5ABB26-0587-4C30-8999-92F81FD0307C}</a:tableStyleId>
               </a:tblPr>
               <a:tblGrid>
-                <a:gridCol w="3394075"/>
+                <a:gridCol w="3394075">
+                  <a:extLst>
+                    <a:ext uri="{9D8B030D-6E8A-4147-A177-3AD203B41FA5}">
+                      <a16:colId xmlns:a16="http://schemas.microsoft.com/office/drawing/2014/main" val="20000"/>
+                    </a:ext>
+                  </a:extLst>
+                </a:gridCol>
               </a:tblGrid>
               <a:tr h="370839">
                 <a:tc>
@@ -5119,6 +5200,11 @@
                     </a:solidFill>
                   </a:tcPr>
                 </a:tc>
+                <a:extLst>
+                  <a:ext uri="{0D108BD9-81ED-4DB2-BD59-A6C34878D82A}">
+                    <a16:rowId xmlns:a16="http://schemas.microsoft.com/office/drawing/2014/main" val="10000"/>
+                  </a:ext>
+                </a:extLst>
               </a:tr>
               <a:tr h="370839">
                 <a:tc>
@@ -5200,6 +5286,11 @@
                     </a:solidFill>
                   </a:tcPr>
                 </a:tc>
+                <a:extLst>
+                  <a:ext uri="{0D108BD9-81ED-4DB2-BD59-A6C34878D82A}">
+                    <a16:rowId xmlns:a16="http://schemas.microsoft.com/office/drawing/2014/main" val="10001"/>
+                  </a:ext>
+                </a:extLst>
               </a:tr>
               <a:tr h="370839">
                 <a:tc>
@@ -5298,6 +5389,11 @@
                     </a:solidFill>
                   </a:tcPr>
                 </a:tc>
+                <a:extLst>
+                  <a:ext uri="{0D108BD9-81ED-4DB2-BD59-A6C34878D82A}">
+                    <a16:rowId xmlns:a16="http://schemas.microsoft.com/office/drawing/2014/main" val="10002"/>
+                  </a:ext>
+                </a:extLst>
               </a:tr>
             </a:tbl>
           </a:graphicData>
@@ -5313,7 +5409,7 @@
         </p:nvGraphicFramePr>
         <p:xfrm>
           <a:off x="3468878" y="2756789"/>
-          <a:ext cx="3416300" cy="1125220"/>
+          <a:ext cx="3397250" cy="1112518"/>
         </p:xfrm>
         <a:graphic>
           <a:graphicData uri="http://schemas.openxmlformats.org/drawingml/2006/table">
@@ -5322,7 +5418,13 @@
                 <a:tableStyleId>{2D5ABB26-0587-4C30-8999-92F81FD0307C}</a:tableStyleId>
               </a:tblPr>
               <a:tblGrid>
-                <a:gridCol w="3397250"/>
+                <a:gridCol w="3397250">
+                  <a:extLst>
+                    <a:ext uri="{9D8B030D-6E8A-4147-A177-3AD203B41FA5}">
+                      <a16:colId xmlns:a16="http://schemas.microsoft.com/office/drawing/2014/main" val="20000"/>
+                    </a:ext>
+                  </a:extLst>
+                </a:gridCol>
               </a:tblGrid>
               <a:tr h="370839">
                 <a:tc>
@@ -5384,6 +5486,11 @@
                     </a:solidFill>
                   </a:tcPr>
                 </a:tc>
+                <a:extLst>
+                  <a:ext uri="{0D108BD9-81ED-4DB2-BD59-A6C34878D82A}">
+                    <a16:rowId xmlns:a16="http://schemas.microsoft.com/office/drawing/2014/main" val="10000"/>
+                  </a:ext>
+                </a:extLst>
               </a:tr>
               <a:tr h="370840">
                 <a:tc>
@@ -5465,6 +5572,11 @@
                     </a:solidFill>
                   </a:tcPr>
                 </a:tc>
+                <a:extLst>
+                  <a:ext uri="{0D108BD9-81ED-4DB2-BD59-A6C34878D82A}">
+                    <a16:rowId xmlns:a16="http://schemas.microsoft.com/office/drawing/2014/main" val="10001"/>
+                  </a:ext>
+                </a:extLst>
               </a:tr>
               <a:tr h="370839">
                 <a:tc>
@@ -5566,6 +5678,11 @@
                     </a:solidFill>
                   </a:tcPr>
                 </a:tc>
+                <a:extLst>
+                  <a:ext uri="{0D108BD9-81ED-4DB2-BD59-A6C34878D82A}">
+                    <a16:rowId xmlns:a16="http://schemas.microsoft.com/office/drawing/2014/main" val="10002"/>
+                  </a:ext>
+                </a:extLst>
               </a:tr>
             </a:tbl>
           </a:graphicData>
@@ -5581,7 +5698,7 @@
         </p:nvGraphicFramePr>
         <p:xfrm>
           <a:off x="3473830" y="4727575"/>
-          <a:ext cx="3411854" cy="1125855"/>
+          <a:ext cx="3392170" cy="1112544"/>
         </p:xfrm>
         <a:graphic>
           <a:graphicData uri="http://schemas.openxmlformats.org/drawingml/2006/table">
@@ -5590,7 +5707,13 @@
                 <a:tableStyleId>{2D5ABB26-0587-4C30-8999-92F81FD0307C}</a:tableStyleId>
               </a:tblPr>
               <a:tblGrid>
-                <a:gridCol w="3392170"/>
+                <a:gridCol w="3392170">
+                  <a:extLst>
+                    <a:ext uri="{9D8B030D-6E8A-4147-A177-3AD203B41FA5}">
+                      <a16:colId xmlns:a16="http://schemas.microsoft.com/office/drawing/2014/main" val="20000"/>
+                    </a:ext>
+                  </a:extLst>
+                </a:gridCol>
               </a:tblGrid>
               <a:tr h="370839">
                 <a:tc>
@@ -5652,6 +5775,11 @@
                     </a:solidFill>
                   </a:tcPr>
                 </a:tc>
+                <a:extLst>
+                  <a:ext uri="{0D108BD9-81ED-4DB2-BD59-A6C34878D82A}">
+                    <a16:rowId xmlns:a16="http://schemas.microsoft.com/office/drawing/2014/main" val="10000"/>
+                  </a:ext>
+                </a:extLst>
               </a:tr>
               <a:tr h="370840">
                 <a:tc>
@@ -5753,6 +5881,11 @@
                     </a:solidFill>
                   </a:tcPr>
                 </a:tc>
+                <a:extLst>
+                  <a:ext uri="{0D108BD9-81ED-4DB2-BD59-A6C34878D82A}">
+                    <a16:rowId xmlns:a16="http://schemas.microsoft.com/office/drawing/2014/main" val="10001"/>
+                  </a:ext>
+                </a:extLst>
               </a:tr>
               <a:tr h="370865">
                 <a:tc>
@@ -5854,6 +5987,11 @@
                     </a:solidFill>
                   </a:tcPr>
                 </a:tc>
+                <a:extLst>
+                  <a:ext uri="{0D108BD9-81ED-4DB2-BD59-A6C34878D82A}">
+                    <a16:rowId xmlns:a16="http://schemas.microsoft.com/office/drawing/2014/main" val="10002"/>
+                  </a:ext>
+                </a:extLst>
               </a:tr>
             </a:tbl>
           </a:graphicData>
@@ -5872,9 +6010,11 @@
         <p:spPr/>
         <p:txBody>
           <a:bodyPr/>
+          <a:lstStyle/>
           <a:p>
             <a:fld id="{B6F15528-21DE-4FAA-801E-634DDDAF4B2B}" type="slidenum">
               <a:rPr/>
+              <a:t>13</a:t>
             </a:fld>
             <a:endParaRPr/>
           </a:p>
@@ -5950,31 +6090,11 @@
         <p:txBody>
           <a:bodyPr wrap="square" lIns="0" tIns="0" rIns="0" bIns="0" rtlCol="0"/>
           <a:lstStyle/>
-          <a:p/>
+          <a:p>
+            <a:endParaRPr/>
+          </a:p>
         </p:txBody>
       </p:sp>
-      <p:pic>
-        <p:nvPicPr>
-          <p:cNvPr id="3" name="object 3"/>
-          <p:cNvPicPr/>
-          <p:nvPr/>
-        </p:nvPicPr>
-        <p:blipFill>
-          <a:blip r:embed="rId1" cstate="print"/>
-          <a:stretch>
-            <a:fillRect/>
-          </a:stretch>
-        </p:blipFill>
-        <p:spPr>
-          <a:xfrm>
-            <a:off x="11496293" y="6184734"/>
-            <a:ext cx="449821" cy="449821"/>
-          </a:xfrm>
-          <a:prstGeom prst="rect">
-            <a:avLst/>
-          </a:prstGeom>
-        </p:spPr>
-      </p:pic>
       <p:sp>
         <p:nvSpPr>
           <p:cNvPr id="4" name="object 4"/>
@@ -6491,9 +6611,11 @@
         <p:spPr/>
         <p:txBody>
           <a:bodyPr/>
+          <a:lstStyle/>
           <a:p>
             <a:fld id="{B6F15528-21DE-4FAA-801E-634DDDAF4B2B}" type="slidenum">
               <a:rPr/>
+              <a:t>14</a:t>
             </a:fld>
             <a:endParaRPr/>
           </a:p>
@@ -6561,7 +6683,6 @@
               <a:rPr spc="-5" dirty="0"/>
               <a:t>01101110</a:t>
             </a:r>
-            <a:endParaRPr spc="-5" dirty="0"/>
           </a:p>
         </p:txBody>
       </p:sp>
@@ -6586,7 +6707,7 @@
             <p:nvPr/>
           </p:nvPicPr>
           <p:blipFill>
-            <a:blip r:embed="rId1" cstate="print"/>
+            <a:blip r:embed="rId2" cstate="print"/>
             <a:stretch>
               <a:fillRect/>
             </a:stretch>
@@ -6655,7 +6776,9 @@
           <p:txBody>
             <a:bodyPr wrap="square" lIns="0" tIns="0" rIns="0" bIns="0" rtlCol="0"/>
             <a:lstStyle/>
-            <a:p/>
+            <a:p>
+              <a:endParaRPr/>
+            </a:p>
           </p:txBody>
         </p:sp>
         <p:pic>
@@ -6665,7 +6788,7 @@
             <p:nvPr/>
           </p:nvPicPr>
           <p:blipFill>
-            <a:blip r:embed="rId2" cstate="print"/>
+            <a:blip r:embed="rId3" cstate="print"/>
             <a:stretch>
               <a:fillRect/>
             </a:stretch>
@@ -6702,7 +6825,7 @@
             <p:nvPr/>
           </p:nvPicPr>
           <p:blipFill>
-            <a:blip r:embed="rId1" cstate="print"/>
+            <a:blip r:embed="rId2" cstate="print"/>
             <a:stretch>
               <a:fillRect/>
             </a:stretch>
@@ -6771,7 +6894,9 @@
           <p:txBody>
             <a:bodyPr wrap="square" lIns="0" tIns="0" rIns="0" bIns="0" rtlCol="0"/>
             <a:lstStyle/>
-            <a:p/>
+            <a:p>
+              <a:endParaRPr/>
+            </a:p>
           </p:txBody>
         </p:sp>
         <p:pic>
@@ -6781,7 +6906,7 @@
             <p:nvPr/>
           </p:nvPicPr>
           <p:blipFill>
-            <a:blip r:embed="rId3" cstate="print"/>
+            <a:blip r:embed="rId4" cstate="print"/>
             <a:stretch>
               <a:fillRect/>
             </a:stretch>
@@ -6807,7 +6932,7 @@
         </p:nvGraphicFramePr>
         <p:xfrm>
           <a:off x="7531607" y="2762757"/>
-          <a:ext cx="3413125" cy="1125220"/>
+          <a:ext cx="3394075" cy="1112517"/>
         </p:xfrm>
         <a:graphic>
           <a:graphicData uri="http://schemas.openxmlformats.org/drawingml/2006/table">
@@ -6816,7 +6941,13 @@
                 <a:tableStyleId>{2D5ABB26-0587-4C30-8999-92F81FD0307C}</a:tableStyleId>
               </a:tblPr>
               <a:tblGrid>
-                <a:gridCol w="3394075"/>
+                <a:gridCol w="3394075">
+                  <a:extLst>
+                    <a:ext uri="{9D8B030D-6E8A-4147-A177-3AD203B41FA5}">
+                      <a16:colId xmlns:a16="http://schemas.microsoft.com/office/drawing/2014/main" val="20000"/>
+                    </a:ext>
+                  </a:extLst>
+                </a:gridCol>
               </a:tblGrid>
               <a:tr h="370839">
                 <a:tc>
@@ -6878,6 +7009,11 @@
                     </a:solidFill>
                   </a:tcPr>
                 </a:tc>
+                <a:extLst>
+                  <a:ext uri="{0D108BD9-81ED-4DB2-BD59-A6C34878D82A}">
+                    <a16:rowId xmlns:a16="http://schemas.microsoft.com/office/drawing/2014/main" val="10000"/>
+                  </a:ext>
+                </a:extLst>
               </a:tr>
               <a:tr h="370839">
                 <a:tc>
@@ -6959,6 +7095,11 @@
                     </a:solidFill>
                   </a:tcPr>
                 </a:tc>
+                <a:extLst>
+                  <a:ext uri="{0D108BD9-81ED-4DB2-BD59-A6C34878D82A}">
+                    <a16:rowId xmlns:a16="http://schemas.microsoft.com/office/drawing/2014/main" val="10001"/>
+                  </a:ext>
+                </a:extLst>
               </a:tr>
               <a:tr h="370839">
                 <a:tc>
@@ -7057,6 +7198,11 @@
                     </a:solidFill>
                   </a:tcPr>
                 </a:tc>
+                <a:extLst>
+                  <a:ext uri="{0D108BD9-81ED-4DB2-BD59-A6C34878D82A}">
+                    <a16:rowId xmlns:a16="http://schemas.microsoft.com/office/drawing/2014/main" val="10002"/>
+                  </a:ext>
+                </a:extLst>
               </a:tr>
             </a:tbl>
           </a:graphicData>
@@ -7072,7 +7218,7 @@
         </p:nvGraphicFramePr>
         <p:xfrm>
           <a:off x="3468878" y="2756789"/>
-          <a:ext cx="3416300" cy="1125220"/>
+          <a:ext cx="3397250" cy="1112518"/>
         </p:xfrm>
         <a:graphic>
           <a:graphicData uri="http://schemas.openxmlformats.org/drawingml/2006/table">
@@ -7081,7 +7227,13 @@
                 <a:tableStyleId>{2D5ABB26-0587-4C30-8999-92F81FD0307C}</a:tableStyleId>
               </a:tblPr>
               <a:tblGrid>
-                <a:gridCol w="3397250"/>
+                <a:gridCol w="3397250">
+                  <a:extLst>
+                    <a:ext uri="{9D8B030D-6E8A-4147-A177-3AD203B41FA5}">
+                      <a16:colId xmlns:a16="http://schemas.microsoft.com/office/drawing/2014/main" val="20000"/>
+                    </a:ext>
+                  </a:extLst>
+                </a:gridCol>
               </a:tblGrid>
               <a:tr h="370839">
                 <a:tc>
@@ -7143,6 +7295,11 @@
                     </a:solidFill>
                   </a:tcPr>
                 </a:tc>
+                <a:extLst>
+                  <a:ext uri="{0D108BD9-81ED-4DB2-BD59-A6C34878D82A}">
+                    <a16:rowId xmlns:a16="http://schemas.microsoft.com/office/drawing/2014/main" val="10000"/>
+                  </a:ext>
+                </a:extLst>
               </a:tr>
               <a:tr h="370840">
                 <a:tc>
@@ -7224,6 +7381,11 @@
                     </a:solidFill>
                   </a:tcPr>
                 </a:tc>
+                <a:extLst>
+                  <a:ext uri="{0D108BD9-81ED-4DB2-BD59-A6C34878D82A}">
+                    <a16:rowId xmlns:a16="http://schemas.microsoft.com/office/drawing/2014/main" val="10001"/>
+                  </a:ext>
+                </a:extLst>
               </a:tr>
               <a:tr h="370839">
                 <a:tc>
@@ -7325,6 +7487,11 @@
                     </a:solidFill>
                   </a:tcPr>
                 </a:tc>
+                <a:extLst>
+                  <a:ext uri="{0D108BD9-81ED-4DB2-BD59-A6C34878D82A}">
+                    <a16:rowId xmlns:a16="http://schemas.microsoft.com/office/drawing/2014/main" val="10002"/>
+                  </a:ext>
+                </a:extLst>
               </a:tr>
             </a:tbl>
           </a:graphicData>
@@ -7340,7 +7507,7 @@
         </p:nvGraphicFramePr>
         <p:xfrm>
           <a:off x="3473830" y="4727575"/>
-          <a:ext cx="3411854" cy="1125855"/>
+          <a:ext cx="3392170" cy="1112544"/>
         </p:xfrm>
         <a:graphic>
           <a:graphicData uri="http://schemas.openxmlformats.org/drawingml/2006/table">
@@ -7349,7 +7516,13 @@
                 <a:tableStyleId>{2D5ABB26-0587-4C30-8999-92F81FD0307C}</a:tableStyleId>
               </a:tblPr>
               <a:tblGrid>
-                <a:gridCol w="3392170"/>
+                <a:gridCol w="3392170">
+                  <a:extLst>
+                    <a:ext uri="{9D8B030D-6E8A-4147-A177-3AD203B41FA5}">
+                      <a16:colId xmlns:a16="http://schemas.microsoft.com/office/drawing/2014/main" val="20000"/>
+                    </a:ext>
+                  </a:extLst>
+                </a:gridCol>
               </a:tblGrid>
               <a:tr h="370839">
                 <a:tc>
@@ -7411,6 +7584,11 @@
                     </a:solidFill>
                   </a:tcPr>
                 </a:tc>
+                <a:extLst>
+                  <a:ext uri="{0D108BD9-81ED-4DB2-BD59-A6C34878D82A}">
+                    <a16:rowId xmlns:a16="http://schemas.microsoft.com/office/drawing/2014/main" val="10000"/>
+                  </a:ext>
+                </a:extLst>
               </a:tr>
               <a:tr h="370840">
                 <a:tc>
@@ -7512,6 +7690,11 @@
                     </a:solidFill>
                   </a:tcPr>
                 </a:tc>
+                <a:extLst>
+                  <a:ext uri="{0D108BD9-81ED-4DB2-BD59-A6C34878D82A}">
+                    <a16:rowId xmlns:a16="http://schemas.microsoft.com/office/drawing/2014/main" val="10001"/>
+                  </a:ext>
+                </a:extLst>
               </a:tr>
               <a:tr h="370865">
                 <a:tc>
@@ -7613,6 +7796,11 @@
                     </a:solidFill>
                   </a:tcPr>
                 </a:tc>
+                <a:extLst>
+                  <a:ext uri="{0D108BD9-81ED-4DB2-BD59-A6C34878D82A}">
+                    <a16:rowId xmlns:a16="http://schemas.microsoft.com/office/drawing/2014/main" val="10002"/>
+                  </a:ext>
+                </a:extLst>
               </a:tr>
             </a:tbl>
           </a:graphicData>
@@ -7628,7 +7816,7 @@
         </p:nvGraphicFramePr>
         <p:xfrm>
           <a:off x="7531607" y="4727575"/>
-          <a:ext cx="3413125" cy="1496695"/>
+          <a:ext cx="3394075" cy="1483383"/>
         </p:xfrm>
         <a:graphic>
           <a:graphicData uri="http://schemas.openxmlformats.org/drawingml/2006/table">
@@ -7637,7 +7825,13 @@
                 <a:tableStyleId>{2D5ABB26-0587-4C30-8999-92F81FD0307C}</a:tableStyleId>
               </a:tblPr>
               <a:tblGrid>
-                <a:gridCol w="3394075"/>
+                <a:gridCol w="3394075">
+                  <a:extLst>
+                    <a:ext uri="{9D8B030D-6E8A-4147-A177-3AD203B41FA5}">
+                      <a16:colId xmlns:a16="http://schemas.microsoft.com/office/drawing/2014/main" val="20000"/>
+                    </a:ext>
+                  </a:extLst>
+                </a:gridCol>
               </a:tblGrid>
               <a:tr h="370839">
                 <a:tc>
@@ -7699,6 +7893,11 @@
                     </a:solidFill>
                   </a:tcPr>
                 </a:tc>
+                <a:extLst>
+                  <a:ext uri="{0D108BD9-81ED-4DB2-BD59-A6C34878D82A}">
+                    <a16:rowId xmlns:a16="http://schemas.microsoft.com/office/drawing/2014/main" val="10000"/>
+                  </a:ext>
+                </a:extLst>
               </a:tr>
               <a:tr h="370840">
                 <a:tc>
@@ -7800,6 +7999,11 @@
                     </a:solidFill>
                   </a:tcPr>
                 </a:tc>
+                <a:extLst>
+                  <a:ext uri="{0D108BD9-81ED-4DB2-BD59-A6C34878D82A}">
+                    <a16:rowId xmlns:a16="http://schemas.microsoft.com/office/drawing/2014/main" val="10001"/>
+                  </a:ext>
+                </a:extLst>
               </a:tr>
               <a:tr h="370865">
                 <a:tc>
@@ -7901,6 +8105,11 @@
                     </a:solidFill>
                   </a:tcPr>
                 </a:tc>
+                <a:extLst>
+                  <a:ext uri="{0D108BD9-81ED-4DB2-BD59-A6C34878D82A}">
+                    <a16:rowId xmlns:a16="http://schemas.microsoft.com/office/drawing/2014/main" val="10002"/>
+                  </a:ext>
+                </a:extLst>
               </a:tr>
               <a:tr h="370839">
                 <a:tc>
@@ -8002,6 +8211,11 @@
                     </a:solidFill>
                   </a:tcPr>
                 </a:tc>
+                <a:extLst>
+                  <a:ext uri="{0D108BD9-81ED-4DB2-BD59-A6C34878D82A}">
+                    <a16:rowId xmlns:a16="http://schemas.microsoft.com/office/drawing/2014/main" val="10003"/>
+                  </a:ext>
+                </a:extLst>
               </a:tr>
             </a:tbl>
           </a:graphicData>
@@ -8020,9 +8234,11 @@
         <p:spPr/>
         <p:txBody>
           <a:bodyPr/>
+          <a:lstStyle/>
           <a:p>
             <a:fld id="{B6F15528-21DE-4FAA-801E-634DDDAF4B2B}" type="slidenum">
               <a:rPr/>
+              <a:t>15</a:t>
             </a:fld>
             <a:endParaRPr/>
           </a:p>
@@ -8098,31 +8314,11 @@
         <p:txBody>
           <a:bodyPr wrap="square" lIns="0" tIns="0" rIns="0" bIns="0" rtlCol="0"/>
           <a:lstStyle/>
-          <a:p/>
+          <a:p>
+            <a:endParaRPr/>
+          </a:p>
         </p:txBody>
       </p:sp>
-      <p:pic>
-        <p:nvPicPr>
-          <p:cNvPr id="3" name="object 3"/>
-          <p:cNvPicPr/>
-          <p:nvPr/>
-        </p:nvPicPr>
-        <p:blipFill>
-          <a:blip r:embed="rId1" cstate="print"/>
-          <a:stretch>
-            <a:fillRect/>
-          </a:stretch>
-        </p:blipFill>
-        <p:spPr>
-          <a:xfrm>
-            <a:off x="11496293" y="6184734"/>
-            <a:ext cx="449821" cy="449821"/>
-          </a:xfrm>
-          <a:prstGeom prst="rect">
-            <a:avLst/>
-          </a:prstGeom>
-        </p:spPr>
-      </p:pic>
       <p:sp>
         <p:nvSpPr>
           <p:cNvPr id="4" name="object 4"/>
@@ -8795,9 +8991,11 @@
         <p:spPr/>
         <p:txBody>
           <a:bodyPr/>
+          <a:lstStyle/>
           <a:p>
             <a:fld id="{B6F15528-21DE-4FAA-801E-634DDDAF4B2B}" type="slidenum">
               <a:rPr/>
+              <a:t>16</a:t>
             </a:fld>
             <a:endParaRPr/>
           </a:p>
@@ -8849,7 +9047,7 @@
             <p:nvPr/>
           </p:nvPicPr>
           <p:blipFill>
-            <a:blip r:embed="rId1" cstate="print"/>
+            <a:blip r:embed="rId2" cstate="print"/>
             <a:stretch>
               <a:fillRect/>
             </a:stretch>
@@ -8871,7 +9069,7 @@
             <p:nvPr/>
           </p:nvPicPr>
           <p:blipFill>
-            <a:blip r:embed="rId2" cstate="print"/>
+            <a:blip r:embed="rId3" cstate="print"/>
             <a:stretch>
               <a:fillRect/>
             </a:stretch>
@@ -8893,7 +9091,7 @@
             <p:nvPr/>
           </p:nvPicPr>
           <p:blipFill>
-            <a:blip r:embed="rId3" cstate="print"/>
+            <a:blip r:embed="rId4" cstate="print"/>
             <a:stretch>
               <a:fillRect/>
             </a:stretch>
@@ -9016,7 +9214,9 @@
           <p:txBody>
             <a:bodyPr wrap="square" lIns="0" tIns="0" rIns="0" bIns="0" rtlCol="0"/>
             <a:lstStyle/>
-            <a:p/>
+            <a:p>
+              <a:endParaRPr/>
+            </a:p>
           </p:txBody>
         </p:sp>
         <p:pic>
@@ -9026,7 +9226,7 @@
             <p:nvPr/>
           </p:nvPicPr>
           <p:blipFill>
-            <a:blip r:embed="rId4" cstate="print"/>
+            <a:blip r:embed="rId5" cstate="print"/>
             <a:stretch>
               <a:fillRect/>
             </a:stretch>
@@ -9149,7 +9349,9 @@
           <p:txBody>
             <a:bodyPr wrap="square" lIns="0" tIns="0" rIns="0" bIns="0" rtlCol="0"/>
             <a:lstStyle/>
-            <a:p/>
+            <a:p>
+              <a:endParaRPr/>
+            </a:p>
           </p:txBody>
         </p:sp>
         <p:pic>
@@ -9159,7 +9361,7 @@
             <p:nvPr/>
           </p:nvPicPr>
           <p:blipFill>
-            <a:blip r:embed="rId5" cstate="print"/>
+            <a:blip r:embed="rId6" cstate="print"/>
             <a:stretch>
               <a:fillRect/>
             </a:stretch>
@@ -9282,7 +9484,9 @@
           <p:txBody>
             <a:bodyPr wrap="square" lIns="0" tIns="0" rIns="0" bIns="0" rtlCol="0"/>
             <a:lstStyle/>
-            <a:p/>
+            <a:p>
+              <a:endParaRPr/>
+            </a:p>
           </p:txBody>
         </p:sp>
         <p:pic>
@@ -9292,7 +9496,7 @@
             <p:nvPr/>
           </p:nvPicPr>
           <p:blipFill>
-            <a:blip r:embed="rId6" cstate="print"/>
+            <a:blip r:embed="rId7" cstate="print"/>
             <a:stretch>
               <a:fillRect/>
             </a:stretch>
@@ -9415,7 +9619,9 @@
           <p:txBody>
             <a:bodyPr wrap="square" lIns="0" tIns="0" rIns="0" bIns="0" rtlCol="0"/>
             <a:lstStyle/>
-            <a:p/>
+            <a:p>
+              <a:endParaRPr/>
+            </a:p>
           </p:txBody>
         </p:sp>
         <p:pic>
@@ -9425,7 +9631,7 @@
             <p:nvPr/>
           </p:nvPicPr>
           <p:blipFill>
-            <a:blip r:embed="rId7" cstate="print"/>
+            <a:blip r:embed="rId8" cstate="print"/>
             <a:stretch>
               <a:fillRect/>
             </a:stretch>
@@ -9548,7 +9754,9 @@
           <p:txBody>
             <a:bodyPr wrap="square" lIns="0" tIns="0" rIns="0" bIns="0" rtlCol="0"/>
             <a:lstStyle/>
-            <a:p/>
+            <a:p>
+              <a:endParaRPr/>
+            </a:p>
           </p:txBody>
         </p:sp>
         <p:pic>
@@ -9558,7 +9766,7 @@
             <p:nvPr/>
           </p:nvPicPr>
           <p:blipFill>
-            <a:blip r:embed="rId8" cstate="print"/>
+            <a:blip r:embed="rId9" cstate="print"/>
             <a:stretch>
               <a:fillRect/>
             </a:stretch>
@@ -9681,7 +9889,9 @@
           <p:txBody>
             <a:bodyPr wrap="square" lIns="0" tIns="0" rIns="0" bIns="0" rtlCol="0"/>
             <a:lstStyle/>
-            <a:p/>
+            <a:p>
+              <a:endParaRPr/>
+            </a:p>
           </p:txBody>
         </p:sp>
         <p:pic>
@@ -9691,7 +9901,7 @@
             <p:nvPr/>
           </p:nvPicPr>
           <p:blipFill>
-            <a:blip r:embed="rId9" cstate="print"/>
+            <a:blip r:embed="rId10" cstate="print"/>
             <a:stretch>
               <a:fillRect/>
             </a:stretch>
@@ -9814,7 +10024,9 @@
           <p:txBody>
             <a:bodyPr wrap="square" lIns="0" tIns="0" rIns="0" bIns="0" rtlCol="0"/>
             <a:lstStyle/>
-            <a:p/>
+            <a:p>
+              <a:endParaRPr/>
+            </a:p>
           </p:txBody>
         </p:sp>
         <p:pic>
@@ -9824,7 +10036,7 @@
             <p:nvPr/>
           </p:nvPicPr>
           <p:blipFill>
-            <a:blip r:embed="rId10" cstate="print"/>
+            <a:blip r:embed="rId11" cstate="print"/>
             <a:stretch>
               <a:fillRect/>
             </a:stretch>
@@ -9947,7 +10159,9 @@
           <p:txBody>
             <a:bodyPr wrap="square" lIns="0" tIns="0" rIns="0" bIns="0" rtlCol="0"/>
             <a:lstStyle/>
-            <a:p/>
+            <a:p>
+              <a:endParaRPr/>
+            </a:p>
           </p:txBody>
         </p:sp>
         <p:pic>
@@ -9957,7 +10171,7 @@
             <p:nvPr/>
           </p:nvPicPr>
           <p:blipFill>
-            <a:blip r:embed="rId11" cstate="print"/>
+            <a:blip r:embed="rId12" cstate="print"/>
             <a:stretch>
               <a:fillRect/>
             </a:stretch>
@@ -10041,7 +10255,9 @@
         <p:txBody>
           <a:bodyPr wrap="square" lIns="0" tIns="0" rIns="0" bIns="0" rtlCol="0"/>
           <a:lstStyle/>
-          <a:p/>
+          <a:p>
+            <a:endParaRPr/>
+          </a:p>
         </p:txBody>
       </p:sp>
       <p:sp>
@@ -10112,7 +10328,9 @@
         <p:txBody>
           <a:bodyPr wrap="square" lIns="0" tIns="0" rIns="0" bIns="0" rtlCol="0"/>
           <a:lstStyle/>
-          <a:p/>
+          <a:p>
+            <a:endParaRPr/>
+          </a:p>
         </p:txBody>
       </p:sp>
       <p:sp>
@@ -10128,9 +10346,11 @@
         <p:spPr/>
         <p:txBody>
           <a:bodyPr/>
+          <a:lstStyle/>
           <a:p>
             <a:fld id="{B6F15528-21DE-4FAA-801E-634DDDAF4B2B}" type="slidenum">
               <a:rPr/>
+              <a:t>17</a:t>
             </a:fld>
             <a:endParaRPr/>
           </a:p>
@@ -10168,7 +10388,7 @@
           <p:nvPr/>
         </p:nvPicPr>
         <p:blipFill>
-          <a:blip r:embed="rId1" cstate="print"/>
+          <a:blip r:embed="rId2" cstate="print"/>
           <a:stretch>
             <a:fillRect/>
           </a:stretch>
@@ -10290,7 +10510,9 @@
           <p:txBody>
             <a:bodyPr wrap="square" lIns="0" tIns="0" rIns="0" bIns="0" rtlCol="0"/>
             <a:lstStyle/>
-            <a:p/>
+            <a:p>
+              <a:endParaRPr/>
+            </a:p>
           </p:txBody>
         </p:sp>
         <p:pic>
@@ -10300,7 +10522,7 @@
             <p:nvPr/>
           </p:nvPicPr>
           <p:blipFill>
-            <a:blip r:embed="rId2" cstate="print"/>
+            <a:blip r:embed="rId3" cstate="print"/>
             <a:stretch>
               <a:fillRect/>
             </a:stretch>
@@ -10423,7 +10645,9 @@
           <p:txBody>
             <a:bodyPr wrap="square" lIns="0" tIns="0" rIns="0" bIns="0" rtlCol="0"/>
             <a:lstStyle/>
-            <a:p/>
+            <a:p>
+              <a:endParaRPr/>
+            </a:p>
           </p:txBody>
         </p:sp>
         <p:pic>
@@ -10433,7 +10657,7 @@
             <p:nvPr/>
           </p:nvPicPr>
           <p:blipFill>
-            <a:blip r:embed="rId3" cstate="print"/>
+            <a:blip r:embed="rId4" cstate="print"/>
             <a:stretch>
               <a:fillRect/>
             </a:stretch>
@@ -10556,7 +10780,9 @@
           <p:txBody>
             <a:bodyPr wrap="square" lIns="0" tIns="0" rIns="0" bIns="0" rtlCol="0"/>
             <a:lstStyle/>
-            <a:p/>
+            <a:p>
+              <a:endParaRPr/>
+            </a:p>
           </p:txBody>
         </p:sp>
         <p:pic>
@@ -10566,7 +10792,7 @@
             <p:nvPr/>
           </p:nvPicPr>
           <p:blipFill>
-            <a:blip r:embed="rId4" cstate="print"/>
+            <a:blip r:embed="rId5" cstate="print"/>
             <a:stretch>
               <a:fillRect/>
             </a:stretch>
@@ -10689,7 +10915,9 @@
           <p:txBody>
             <a:bodyPr wrap="square" lIns="0" tIns="0" rIns="0" bIns="0" rtlCol="0"/>
             <a:lstStyle/>
-            <a:p/>
+            <a:p>
+              <a:endParaRPr/>
+            </a:p>
           </p:txBody>
         </p:sp>
         <p:pic>
@@ -10699,7 +10927,7 @@
             <p:nvPr/>
           </p:nvPicPr>
           <p:blipFill>
-            <a:blip r:embed="rId5" cstate="print"/>
+            <a:blip r:embed="rId6" cstate="print"/>
             <a:stretch>
               <a:fillRect/>
             </a:stretch>
@@ -10822,7 +11050,9 @@
           <p:txBody>
             <a:bodyPr wrap="square" lIns="0" tIns="0" rIns="0" bIns="0" rtlCol="0"/>
             <a:lstStyle/>
-            <a:p/>
+            <a:p>
+              <a:endParaRPr/>
+            </a:p>
           </p:txBody>
         </p:sp>
         <p:pic>
@@ -10832,7 +11062,7 @@
             <p:nvPr/>
           </p:nvPicPr>
           <p:blipFill>
-            <a:blip r:embed="rId6" cstate="print"/>
+            <a:blip r:embed="rId7" cstate="print"/>
             <a:stretch>
               <a:fillRect/>
             </a:stretch>
@@ -10955,7 +11185,9 @@
           <p:txBody>
             <a:bodyPr wrap="square" lIns="0" tIns="0" rIns="0" bIns="0" rtlCol="0"/>
             <a:lstStyle/>
-            <a:p/>
+            <a:p>
+              <a:endParaRPr/>
+            </a:p>
           </p:txBody>
         </p:sp>
         <p:pic>
@@ -10965,7 +11197,7 @@
             <p:nvPr/>
           </p:nvPicPr>
           <p:blipFill>
-            <a:blip r:embed="rId7" cstate="print"/>
+            <a:blip r:embed="rId8" cstate="print"/>
             <a:stretch>
               <a:fillRect/>
             </a:stretch>
@@ -11088,7 +11320,9 @@
           <p:txBody>
             <a:bodyPr wrap="square" lIns="0" tIns="0" rIns="0" bIns="0" rtlCol="0"/>
             <a:lstStyle/>
-            <a:p/>
+            <a:p>
+              <a:endParaRPr/>
+            </a:p>
           </p:txBody>
         </p:sp>
         <p:pic>
@@ -11098,7 +11332,7 @@
             <p:nvPr/>
           </p:nvPicPr>
           <p:blipFill>
-            <a:blip r:embed="rId8" cstate="print"/>
+            <a:blip r:embed="rId9" cstate="print"/>
             <a:stretch>
               <a:fillRect/>
             </a:stretch>
@@ -11221,7 +11455,9 @@
           <p:txBody>
             <a:bodyPr wrap="square" lIns="0" tIns="0" rIns="0" bIns="0" rtlCol="0"/>
             <a:lstStyle/>
-            <a:p/>
+            <a:p>
+              <a:endParaRPr/>
+            </a:p>
           </p:txBody>
         </p:sp>
         <p:pic>
@@ -11231,7 +11467,7 @@
             <p:nvPr/>
           </p:nvPicPr>
           <p:blipFill>
-            <a:blip r:embed="rId9" cstate="print"/>
+            <a:blip r:embed="rId10" cstate="print"/>
             <a:stretch>
               <a:fillRect/>
             </a:stretch>
@@ -11354,7 +11590,9 @@
           <p:txBody>
             <a:bodyPr wrap="square" lIns="0" tIns="0" rIns="0" bIns="0" rtlCol="0"/>
             <a:lstStyle/>
-            <a:p/>
+            <a:p>
+              <a:endParaRPr/>
+            </a:p>
           </p:txBody>
         </p:sp>
         <p:pic>
@@ -11364,7 +11602,7 @@
             <p:nvPr/>
           </p:nvPicPr>
           <p:blipFill>
-            <a:blip r:embed="rId10" cstate="print"/>
+            <a:blip r:embed="rId11" cstate="print"/>
             <a:stretch>
               <a:fillRect/>
             </a:stretch>
@@ -11487,7 +11725,9 @@
           <p:txBody>
             <a:bodyPr wrap="square" lIns="0" tIns="0" rIns="0" bIns="0" rtlCol="0"/>
             <a:lstStyle/>
-            <a:p/>
+            <a:p>
+              <a:endParaRPr/>
+            </a:p>
           </p:txBody>
         </p:sp>
         <p:pic>
@@ -11497,7 +11737,7 @@
             <p:nvPr/>
           </p:nvPicPr>
           <p:blipFill>
-            <a:blip r:embed="rId11" cstate="print"/>
+            <a:blip r:embed="rId12" cstate="print"/>
             <a:stretch>
               <a:fillRect/>
             </a:stretch>
@@ -11620,7 +11860,9 @@
           <p:txBody>
             <a:bodyPr wrap="square" lIns="0" tIns="0" rIns="0" bIns="0" rtlCol="0"/>
             <a:lstStyle/>
-            <a:p/>
+            <a:p>
+              <a:endParaRPr/>
+            </a:p>
           </p:txBody>
         </p:sp>
         <p:pic>
@@ -11630,7 +11872,7 @@
             <p:nvPr/>
           </p:nvPicPr>
           <p:blipFill>
-            <a:blip r:embed="rId12" cstate="print"/>
+            <a:blip r:embed="rId13" cstate="print"/>
             <a:stretch>
               <a:fillRect/>
             </a:stretch>
@@ -11753,7 +11995,9 @@
           <p:txBody>
             <a:bodyPr wrap="square" lIns="0" tIns="0" rIns="0" bIns="0" rtlCol="0"/>
             <a:lstStyle/>
-            <a:p/>
+            <a:p>
+              <a:endParaRPr/>
+            </a:p>
           </p:txBody>
         </p:sp>
         <p:pic>
@@ -11763,7 +12007,7 @@
             <p:nvPr/>
           </p:nvPicPr>
           <p:blipFill>
-            <a:blip r:embed="rId13" cstate="print"/>
+            <a:blip r:embed="rId14" cstate="print"/>
             <a:stretch>
               <a:fillRect/>
             </a:stretch>
@@ -11864,7 +12108,9 @@
         <p:txBody>
           <a:bodyPr wrap="square" lIns="0" tIns="0" rIns="0" bIns="0" rtlCol="0"/>
           <a:lstStyle/>
-          <a:p/>
+          <a:p>
+            <a:endParaRPr/>
+          </a:p>
         </p:txBody>
       </p:sp>
       <p:sp>
@@ -11952,7 +12198,9 @@
         <p:txBody>
           <a:bodyPr wrap="square" lIns="0" tIns="0" rIns="0" bIns="0" rtlCol="0"/>
           <a:lstStyle/>
-          <a:p/>
+          <a:p>
+            <a:endParaRPr/>
+          </a:p>
         </p:txBody>
       </p:sp>
       <p:sp>
@@ -11995,7 +12243,9 @@
         <p:txBody>
           <a:bodyPr wrap="square" lIns="0" tIns="0" rIns="0" bIns="0" rtlCol="0"/>
           <a:lstStyle/>
-          <a:p/>
+          <a:p>
+            <a:endParaRPr/>
+          </a:p>
         </p:txBody>
       </p:sp>
       <p:sp>
@@ -12038,7 +12288,9 @@
         <p:txBody>
           <a:bodyPr wrap="square" lIns="0" tIns="0" rIns="0" bIns="0" rtlCol="0"/>
           <a:lstStyle/>
-          <a:p/>
+          <a:p>
+            <a:endParaRPr/>
+          </a:p>
         </p:txBody>
       </p:sp>
       <p:sp>
@@ -12054,9 +12306,11 @@
         <p:spPr/>
         <p:txBody>
           <a:bodyPr/>
+          <a:lstStyle/>
           <a:p>
             <a:fld id="{B6F15528-21DE-4FAA-801E-634DDDAF4B2B}" type="slidenum">
               <a:rPr/>
+              <a:t>18</a:t>
             </a:fld>
             <a:endParaRPr/>
           </a:p>
@@ -12146,7 +12400,9 @@
           <p:txBody>
             <a:bodyPr wrap="square" lIns="0" tIns="0" rIns="0" bIns="0" rtlCol="0"/>
             <a:lstStyle/>
-            <a:p/>
+            <a:p>
+              <a:endParaRPr/>
+            </a:p>
           </p:txBody>
         </p:sp>
         <p:pic>
@@ -12156,7 +12412,7 @@
             <p:nvPr/>
           </p:nvPicPr>
           <p:blipFill>
-            <a:blip r:embed="rId1" cstate="print"/>
+            <a:blip r:embed="rId2" cstate="print"/>
             <a:stretch>
               <a:fillRect/>
             </a:stretch>
@@ -12178,7 +12434,7 @@
             <p:nvPr/>
           </p:nvPicPr>
           <p:blipFill>
-            <a:blip r:embed="rId2" cstate="print"/>
+            <a:blip r:embed="rId3" cstate="print"/>
             <a:stretch>
               <a:fillRect/>
             </a:stretch>
@@ -12200,7 +12456,7 @@
             <p:nvPr/>
           </p:nvPicPr>
           <p:blipFill>
-            <a:blip r:embed="rId3" cstate="print"/>
+            <a:blip r:embed="rId4" cstate="print"/>
             <a:stretch>
               <a:fillRect/>
             </a:stretch>
@@ -12275,7 +12531,9 @@
           <p:txBody>
             <a:bodyPr wrap="square" lIns="0" tIns="0" rIns="0" bIns="0" rtlCol="0"/>
             <a:lstStyle/>
-            <a:p/>
+            <a:p>
+              <a:endParaRPr/>
+            </a:p>
           </p:txBody>
         </p:sp>
         <p:pic>
@@ -12285,7 +12543,7 @@
             <p:nvPr/>
           </p:nvPicPr>
           <p:blipFill>
-            <a:blip r:embed="rId4" cstate="print"/>
+            <a:blip r:embed="rId5" cstate="print"/>
             <a:stretch>
               <a:fillRect/>
             </a:stretch>
@@ -12307,7 +12565,7 @@
             <p:nvPr/>
           </p:nvPicPr>
           <p:blipFill>
-            <a:blip r:embed="rId5" cstate="print"/>
+            <a:blip r:embed="rId6" cstate="print"/>
             <a:stretch>
               <a:fillRect/>
             </a:stretch>
@@ -12329,7 +12587,7 @@
             <p:nvPr/>
           </p:nvPicPr>
           <p:blipFill>
-            <a:blip r:embed="rId6" cstate="print"/>
+            <a:blip r:embed="rId7" cstate="print"/>
             <a:stretch>
               <a:fillRect/>
             </a:stretch>
@@ -12352,7 +12610,7 @@
           <p:nvPr/>
         </p:nvPicPr>
         <p:blipFill>
-          <a:blip r:embed="rId7" cstate="print"/>
+          <a:blip r:embed="rId8" cstate="print"/>
           <a:stretch>
             <a:fillRect/>
           </a:stretch>
@@ -12380,9 +12638,11 @@
         <p:spPr/>
         <p:txBody>
           <a:bodyPr/>
+          <a:lstStyle/>
           <a:p>
             <a:fld id="{B6F15528-21DE-4FAA-801E-634DDDAF4B2B}" type="slidenum">
               <a:rPr/>
+              <a:t>19</a:t>
             </a:fld>
             <a:endParaRPr/>
           </a:p>
@@ -12420,7 +12680,7 @@
           <p:nvPr/>
         </p:nvPicPr>
         <p:blipFill>
-          <a:blip r:embed="rId1" cstate="print"/>
+          <a:blip r:embed="rId2" cstate="print"/>
           <a:stretch>
             <a:fillRect/>
           </a:stretch>
@@ -12442,7 +12702,7 @@
           <p:nvPr/>
         </p:nvPicPr>
         <p:blipFill>
-          <a:blip r:embed="rId2" cstate="print"/>
+          <a:blip r:embed="rId3" cstate="print"/>
           <a:stretch>
             <a:fillRect/>
           </a:stretch>
@@ -12464,7 +12724,7 @@
           <p:nvPr/>
         </p:nvPicPr>
         <p:blipFill>
-          <a:blip r:embed="rId3" cstate="print"/>
+          <a:blip r:embed="rId4" cstate="print"/>
           <a:stretch>
             <a:fillRect/>
           </a:stretch>
@@ -12486,7 +12746,7 @@
           <p:nvPr/>
         </p:nvPicPr>
         <p:blipFill>
-          <a:blip r:embed="rId4" cstate="print"/>
+          <a:blip r:embed="rId5" cstate="print"/>
           <a:stretch>
             <a:fillRect/>
           </a:stretch>
@@ -12508,7 +12768,7 @@
           <p:nvPr/>
         </p:nvPicPr>
         <p:blipFill>
-          <a:blip r:embed="rId5" cstate="print"/>
+          <a:blip r:embed="rId6" cstate="print"/>
           <a:stretch>
             <a:fillRect/>
           </a:stretch>
@@ -12544,7 +12804,7 @@
             <p:nvPr/>
           </p:nvPicPr>
           <p:blipFill>
-            <a:blip r:embed="rId6" cstate="print"/>
+            <a:blip r:embed="rId7" cstate="print"/>
             <a:stretch>
               <a:fillRect/>
             </a:stretch>
@@ -12566,7 +12826,7 @@
             <p:nvPr/>
           </p:nvPicPr>
           <p:blipFill>
-            <a:blip r:embed="rId7" cstate="print"/>
+            <a:blip r:embed="rId8" cstate="print"/>
             <a:stretch>
               <a:fillRect/>
             </a:stretch>
@@ -12589,7 +12849,7 @@
           <p:nvPr/>
         </p:nvPicPr>
         <p:blipFill>
-          <a:blip r:embed="rId8" cstate="print"/>
+          <a:blip r:embed="rId9" cstate="print"/>
           <a:stretch>
             <a:fillRect/>
           </a:stretch>
@@ -12611,7 +12871,7 @@
           <p:nvPr/>
         </p:nvPicPr>
         <p:blipFill>
-          <a:blip r:embed="rId9" cstate="print"/>
+          <a:blip r:embed="rId10" cstate="print"/>
           <a:stretch>
             <a:fillRect/>
           </a:stretch>
@@ -12633,7 +12893,7 @@
           <p:nvPr/>
         </p:nvPicPr>
         <p:blipFill>
-          <a:blip r:embed="rId10" cstate="print"/>
+          <a:blip r:embed="rId11" cstate="print"/>
           <a:stretch>
             <a:fillRect/>
           </a:stretch>
@@ -12661,9 +12921,11 @@
         <p:spPr/>
         <p:txBody>
           <a:bodyPr/>
+          <a:lstStyle/>
           <a:p>
             <a:fld id="{B6F15528-21DE-4FAA-801E-634DDDAF4B2B}" type="slidenum">
               <a:rPr/>
+              <a:t>2</a:t>
             </a:fld>
             <a:endParaRPr/>
           </a:p>
@@ -12731,7 +12993,9 @@
         <p:txBody>
           <a:bodyPr wrap="square" lIns="0" tIns="0" rIns="0" bIns="0" rtlCol="0"/>
           <a:lstStyle/>
-          <a:p/>
+          <a:p>
+            <a:endParaRPr/>
+          </a:p>
         </p:txBody>
       </p:sp>
       <p:pic>
@@ -12741,7 +13005,7 @@
           <p:nvPr/>
         </p:nvPicPr>
         <p:blipFill>
-          <a:blip r:embed="rId1" cstate="print"/>
+          <a:blip r:embed="rId2" cstate="print"/>
           <a:stretch>
             <a:fillRect/>
           </a:stretch>
@@ -12763,7 +13027,7 @@
           <p:nvPr/>
         </p:nvPicPr>
         <p:blipFill>
-          <a:blip r:embed="rId2" cstate="print"/>
+          <a:blip r:embed="rId3" cstate="print"/>
           <a:stretch>
             <a:fillRect/>
           </a:stretch>
@@ -12855,7 +13119,7 @@
           <p:nvPr/>
         </p:nvPicPr>
         <p:blipFill>
-          <a:blip r:embed="rId3" cstate="print"/>
+          <a:blip r:embed="rId4" cstate="print"/>
           <a:stretch>
             <a:fillRect/>
           </a:stretch>
@@ -12877,7 +13141,7 @@
           <p:nvPr/>
         </p:nvPicPr>
         <p:blipFill>
-          <a:blip r:embed="rId4" cstate="print"/>
+          <a:blip r:embed="rId5" cstate="print"/>
           <a:stretch>
             <a:fillRect/>
           </a:stretch>
@@ -12899,7 +13163,7 @@
           <p:nvPr/>
         </p:nvPicPr>
         <p:blipFill>
-          <a:blip r:embed="rId5" cstate="print"/>
+          <a:blip r:embed="rId6" cstate="print"/>
           <a:stretch>
             <a:fillRect/>
           </a:stretch>
@@ -12921,7 +13185,7 @@
           <p:nvPr/>
         </p:nvPicPr>
         <p:blipFill>
-          <a:blip r:embed="rId6" cstate="print"/>
+          <a:blip r:embed="rId7" cstate="print"/>
           <a:stretch>
             <a:fillRect/>
           </a:stretch>
@@ -13013,7 +13277,7 @@
           <p:nvPr/>
         </p:nvPicPr>
         <p:blipFill>
-          <a:blip r:embed="rId7" cstate="print"/>
+          <a:blip r:embed="rId8" cstate="print"/>
           <a:stretch>
             <a:fillRect/>
           </a:stretch>
@@ -13035,7 +13299,7 @@
           <p:nvPr/>
         </p:nvPicPr>
         <p:blipFill>
-          <a:blip r:embed="rId8" cstate="print"/>
+          <a:blip r:embed="rId9" cstate="print"/>
           <a:stretch>
             <a:fillRect/>
           </a:stretch>
@@ -13063,9 +13327,11 @@
         <p:spPr/>
         <p:txBody>
           <a:bodyPr/>
+          <a:lstStyle/>
           <a:p>
             <a:fld id="{B6F15528-21DE-4FAA-801E-634DDDAF4B2B}" type="slidenum">
               <a:rPr/>
+              <a:t>20</a:t>
             </a:fld>
             <a:endParaRPr/>
           </a:p>
@@ -13141,31 +13407,11 @@
         <p:txBody>
           <a:bodyPr wrap="square" lIns="0" tIns="0" rIns="0" bIns="0" rtlCol="0"/>
           <a:lstStyle/>
-          <a:p/>
+          <a:p>
+            <a:endParaRPr/>
+          </a:p>
         </p:txBody>
       </p:sp>
-      <p:pic>
-        <p:nvPicPr>
-          <p:cNvPr id="3" name="object 3"/>
-          <p:cNvPicPr/>
-          <p:nvPr/>
-        </p:nvPicPr>
-        <p:blipFill>
-          <a:blip r:embed="rId1" cstate="print"/>
-          <a:stretch>
-            <a:fillRect/>
-          </a:stretch>
-        </p:blipFill>
-        <p:spPr>
-          <a:xfrm>
-            <a:off x="11496293" y="6184734"/>
-            <a:ext cx="449821" cy="449821"/>
-          </a:xfrm>
-          <a:prstGeom prst="rect">
-            <a:avLst/>
-          </a:prstGeom>
-        </p:spPr>
-      </p:pic>
       <p:grpSp>
         <p:nvGrpSpPr>
           <p:cNvPr id="4" name="object 4"/>
@@ -13234,7 +13480,9 @@
           <p:txBody>
             <a:bodyPr wrap="square" lIns="0" tIns="0" rIns="0" bIns="0" rtlCol="0"/>
             <a:lstStyle/>
-            <a:p/>
+            <a:p>
+              <a:endParaRPr/>
+            </a:p>
           </p:txBody>
         </p:sp>
         <p:sp>
@@ -13330,7 +13578,9 @@
           <p:txBody>
             <a:bodyPr wrap="square" lIns="0" tIns="0" rIns="0" bIns="0" rtlCol="0"/>
             <a:lstStyle/>
-            <a:p/>
+            <a:p>
+              <a:endParaRPr/>
+            </a:p>
           </p:txBody>
         </p:sp>
         <p:sp>
@@ -13428,7 +13678,9 @@
           <p:txBody>
             <a:bodyPr wrap="square" lIns="0" tIns="0" rIns="0" bIns="0" rtlCol="0"/>
             <a:lstStyle/>
-            <a:p/>
+            <a:p>
+              <a:endParaRPr/>
+            </a:p>
           </p:txBody>
         </p:sp>
       </p:grpSp>
@@ -14131,7 +14383,9 @@
           <p:txBody>
             <a:bodyPr wrap="square" lIns="0" tIns="0" rIns="0" bIns="0" rtlCol="0"/>
             <a:lstStyle/>
-            <a:p/>
+            <a:p>
+              <a:endParaRPr/>
+            </a:p>
           </p:txBody>
         </p:sp>
         <p:sp>
@@ -14181,7 +14435,9 @@
           <p:txBody>
             <a:bodyPr wrap="square" lIns="0" tIns="0" rIns="0" bIns="0" rtlCol="0"/>
             <a:lstStyle/>
-            <a:p/>
+            <a:p>
+              <a:endParaRPr/>
+            </a:p>
           </p:txBody>
         </p:sp>
       </p:grpSp>
@@ -14524,9 +14780,11 @@
         <p:spPr/>
         <p:txBody>
           <a:bodyPr/>
+          <a:lstStyle/>
           <a:p>
             <a:fld id="{B6F15528-21DE-4FAA-801E-634DDDAF4B2B}" type="slidenum">
               <a:rPr/>
+              <a:t>21</a:t>
             </a:fld>
             <a:endParaRPr/>
           </a:p>
@@ -14594,7 +14852,9 @@
         <p:txBody>
           <a:bodyPr wrap="square" lIns="0" tIns="0" rIns="0" bIns="0" rtlCol="0"/>
           <a:lstStyle/>
-          <a:p/>
+          <a:p>
+            <a:endParaRPr/>
+          </a:p>
         </p:txBody>
       </p:sp>
       <p:pic>
@@ -14604,7 +14864,7 @@
           <p:nvPr/>
         </p:nvPicPr>
         <p:blipFill>
-          <a:blip r:embed="rId1" cstate="print"/>
+          <a:blip r:embed="rId2" cstate="print"/>
           <a:stretch>
             <a:fillRect/>
           </a:stretch>
@@ -14640,7 +14900,7 @@
             <p:nvPr/>
           </p:nvPicPr>
           <p:blipFill>
-            <a:blip r:embed="rId2" cstate="print"/>
+            <a:blip r:embed="rId3" cstate="print"/>
             <a:stretch>
               <a:fillRect/>
             </a:stretch>
@@ -14662,7 +14922,7 @@
             <p:nvPr/>
           </p:nvPicPr>
           <p:blipFill>
-            <a:blip r:embed="rId3" cstate="print"/>
+            <a:blip r:embed="rId4" cstate="print"/>
             <a:stretch>
               <a:fillRect/>
             </a:stretch>
@@ -14779,7 +15039,7 @@
           <p:nvPr/>
         </p:nvPicPr>
         <p:blipFill>
-          <a:blip r:embed="rId4" cstate="print"/>
+          <a:blip r:embed="rId5" cstate="print"/>
           <a:stretch>
             <a:fillRect/>
           </a:stretch>
@@ -14801,7 +15061,7 @@
           <p:nvPr/>
         </p:nvPicPr>
         <p:blipFill>
-          <a:blip r:embed="rId5" cstate="print"/>
+          <a:blip r:embed="rId6" cstate="print"/>
           <a:stretch>
             <a:fillRect/>
           </a:stretch>
@@ -14837,7 +15097,7 @@
             <p:nvPr/>
           </p:nvPicPr>
           <p:blipFill>
-            <a:blip r:embed="rId6" cstate="print"/>
+            <a:blip r:embed="rId7" cstate="print"/>
             <a:stretch>
               <a:fillRect/>
             </a:stretch>
@@ -14859,7 +15119,7 @@
             <p:nvPr/>
           </p:nvPicPr>
           <p:blipFill>
-            <a:blip r:embed="rId7" cstate="print"/>
+            <a:blip r:embed="rId8" cstate="print"/>
             <a:stretch>
               <a:fillRect/>
             </a:stretch>
@@ -14881,7 +15141,7 @@
             <p:nvPr/>
           </p:nvPicPr>
           <p:blipFill>
-            <a:blip r:embed="rId8" cstate="print"/>
+            <a:blip r:embed="rId9" cstate="print"/>
             <a:stretch>
               <a:fillRect/>
             </a:stretch>
@@ -14903,7 +15163,7 @@
             <p:nvPr/>
           </p:nvPicPr>
           <p:blipFill>
-            <a:blip r:embed="rId9" cstate="print"/>
+            <a:blip r:embed="rId10" cstate="print"/>
             <a:stretch>
               <a:fillRect/>
             </a:stretch>
@@ -14925,7 +15185,7 @@
             <p:nvPr/>
           </p:nvPicPr>
           <p:blipFill>
-            <a:blip r:embed="rId10" cstate="print"/>
+            <a:blip r:embed="rId11" cstate="print"/>
             <a:stretch>
               <a:fillRect/>
             </a:stretch>
@@ -14962,7 +15222,7 @@
             <p:nvPr/>
           </p:nvPicPr>
           <p:blipFill>
-            <a:blip r:embed="rId11" cstate="print"/>
+            <a:blip r:embed="rId12" cstate="print"/>
             <a:stretch>
               <a:fillRect/>
             </a:stretch>
@@ -14984,7 +15244,7 @@
             <p:nvPr/>
           </p:nvPicPr>
           <p:blipFill>
-            <a:blip r:embed="rId12" cstate="print"/>
+            <a:blip r:embed="rId13" cstate="print"/>
             <a:stretch>
               <a:fillRect/>
             </a:stretch>
@@ -15354,9 +15614,11 @@
         <p:spPr/>
         <p:txBody>
           <a:bodyPr/>
+          <a:lstStyle/>
           <a:p>
             <a:fld id="{B6F15528-21DE-4FAA-801E-634DDDAF4B2B}" type="slidenum">
               <a:rPr/>
+              <a:t>22</a:t>
             </a:fld>
             <a:endParaRPr/>
           </a:p>
@@ -15424,7 +15686,9 @@
         <p:txBody>
           <a:bodyPr wrap="square" lIns="0" tIns="0" rIns="0" bIns="0" rtlCol="0"/>
           <a:lstStyle/>
-          <a:p/>
+          <a:p>
+            <a:endParaRPr/>
+          </a:p>
         </p:txBody>
       </p:sp>
       <p:pic>
@@ -15434,7 +15698,7 @@
           <p:nvPr/>
         </p:nvPicPr>
         <p:blipFill>
-          <a:blip r:embed="rId1" cstate="print"/>
+          <a:blip r:embed="rId2" cstate="print"/>
           <a:stretch>
             <a:fillRect/>
           </a:stretch>
@@ -15470,7 +15734,7 @@
             <p:nvPr/>
           </p:nvPicPr>
           <p:blipFill>
-            <a:blip r:embed="rId2" cstate="print"/>
+            <a:blip r:embed="rId3" cstate="print"/>
             <a:stretch>
               <a:fillRect/>
             </a:stretch>
@@ -15492,7 +15756,7 @@
             <p:nvPr/>
           </p:nvPicPr>
           <p:blipFill>
-            <a:blip r:embed="rId3" cstate="print"/>
+            <a:blip r:embed="rId4" cstate="print"/>
             <a:stretch>
               <a:fillRect/>
             </a:stretch>
@@ -15514,7 +15778,7 @@
             <p:nvPr/>
           </p:nvPicPr>
           <p:blipFill>
-            <a:blip r:embed="rId4" cstate="print"/>
+            <a:blip r:embed="rId5" cstate="print"/>
             <a:stretch>
               <a:fillRect/>
             </a:stretch>
@@ -15536,7 +15800,7 @@
             <p:nvPr/>
           </p:nvPicPr>
           <p:blipFill>
-            <a:blip r:embed="rId5" cstate="print"/>
+            <a:blip r:embed="rId6" cstate="print"/>
             <a:stretch>
               <a:fillRect/>
             </a:stretch>
@@ -15558,7 +15822,7 @@
             <p:nvPr/>
           </p:nvPicPr>
           <p:blipFill>
-            <a:blip r:embed="rId6" cstate="print"/>
+            <a:blip r:embed="rId7" cstate="print"/>
             <a:stretch>
               <a:fillRect/>
             </a:stretch>
@@ -15581,7 +15845,7 @@
           <p:nvPr/>
         </p:nvPicPr>
         <p:blipFill>
-          <a:blip r:embed="rId7" cstate="print"/>
+          <a:blip r:embed="rId8" cstate="print"/>
           <a:stretch>
             <a:fillRect/>
           </a:stretch>
@@ -15617,7 +15881,7 @@
             <p:nvPr/>
           </p:nvPicPr>
           <p:blipFill>
-            <a:blip r:embed="rId8" cstate="print"/>
+            <a:blip r:embed="rId9" cstate="print"/>
             <a:stretch>
               <a:fillRect/>
             </a:stretch>
@@ -15639,7 +15903,7 @@
             <p:nvPr/>
           </p:nvPicPr>
           <p:blipFill>
-            <a:blip r:embed="rId9" cstate="print"/>
+            <a:blip r:embed="rId10" cstate="print"/>
             <a:stretch>
               <a:fillRect/>
             </a:stretch>
@@ -15661,7 +15925,7 @@
             <p:nvPr/>
           </p:nvPicPr>
           <p:blipFill>
-            <a:blip r:embed="rId10" cstate="print"/>
+            <a:blip r:embed="rId11" cstate="print"/>
             <a:stretch>
               <a:fillRect/>
             </a:stretch>
@@ -15684,7 +15948,7 @@
           <p:nvPr/>
         </p:nvPicPr>
         <p:blipFill>
-          <a:blip r:embed="rId11" cstate="print"/>
+          <a:blip r:embed="rId12" cstate="print"/>
           <a:stretch>
             <a:fillRect/>
           </a:stretch>
@@ -15706,7 +15970,7 @@
           <p:nvPr/>
         </p:nvPicPr>
         <p:blipFill>
-          <a:blip r:embed="rId12" cstate="print"/>
+          <a:blip r:embed="rId13" cstate="print"/>
           <a:stretch>
             <a:fillRect/>
           </a:stretch>
@@ -15916,7 +16180,7 @@
           <p:nvPr/>
         </p:nvPicPr>
         <p:blipFill>
-          <a:blip r:embed="rId13" cstate="print"/>
+          <a:blip r:embed="rId14" cstate="print"/>
           <a:stretch>
             <a:fillRect/>
           </a:stretch>
@@ -15938,7 +16202,7 @@
           <p:nvPr/>
         </p:nvPicPr>
         <p:blipFill>
-          <a:blip r:embed="rId14" cstate="print"/>
+          <a:blip r:embed="rId15" cstate="print"/>
           <a:stretch>
             <a:fillRect/>
           </a:stretch>
@@ -15974,7 +16238,7 @@
             <p:nvPr/>
           </p:nvPicPr>
           <p:blipFill>
-            <a:blip r:embed="rId15" cstate="print"/>
+            <a:blip r:embed="rId16" cstate="print"/>
             <a:stretch>
               <a:fillRect/>
             </a:stretch>
@@ -15996,7 +16260,7 @@
             <p:nvPr/>
           </p:nvPicPr>
           <p:blipFill>
-            <a:blip r:embed="rId16" cstate="print"/>
+            <a:blip r:embed="rId17" cstate="print"/>
             <a:stretch>
               <a:fillRect/>
             </a:stretch>
@@ -16025,9 +16289,11 @@
         <p:spPr/>
         <p:txBody>
           <a:bodyPr/>
+          <a:lstStyle/>
           <a:p>
             <a:fld id="{B6F15528-21DE-4FAA-801E-634DDDAF4B2B}" type="slidenum">
               <a:rPr/>
+              <a:t>23</a:t>
             </a:fld>
             <a:endParaRPr/>
           </a:p>
@@ -16095,7 +16361,9 @@
         <p:txBody>
           <a:bodyPr wrap="square" lIns="0" tIns="0" rIns="0" bIns="0" rtlCol="0"/>
           <a:lstStyle/>
-          <a:p/>
+          <a:p>
+            <a:endParaRPr/>
+          </a:p>
         </p:txBody>
       </p:sp>
       <p:pic>
@@ -16105,7 +16373,7 @@
           <p:nvPr/>
         </p:nvPicPr>
         <p:blipFill>
-          <a:blip r:embed="rId1" cstate="print"/>
+          <a:blip r:embed="rId2" cstate="print"/>
           <a:stretch>
             <a:fillRect/>
           </a:stretch>
@@ -16127,7 +16395,7 @@
           <p:nvPr/>
         </p:nvPicPr>
         <p:blipFill>
-          <a:blip r:embed="rId2" cstate="print"/>
+          <a:blip r:embed="rId3" cstate="print"/>
           <a:stretch>
             <a:fillRect/>
           </a:stretch>
@@ -16267,7 +16535,7 @@
           <p:nvPr/>
         </p:nvPicPr>
         <p:blipFill>
-          <a:blip r:embed="rId3" cstate="print"/>
+          <a:blip r:embed="rId4" cstate="print"/>
           <a:stretch>
             <a:fillRect/>
           </a:stretch>
@@ -16303,7 +16571,7 @@
             <p:nvPr/>
           </p:nvPicPr>
           <p:blipFill>
-            <a:blip r:embed="rId4" cstate="print"/>
+            <a:blip r:embed="rId5" cstate="print"/>
             <a:stretch>
               <a:fillRect/>
             </a:stretch>
@@ -16325,7 +16593,7 @@
             <p:nvPr/>
           </p:nvPicPr>
           <p:blipFill>
-            <a:blip r:embed="rId5" cstate="print"/>
+            <a:blip r:embed="rId6" cstate="print"/>
             <a:stretch>
               <a:fillRect/>
             </a:stretch>
@@ -16347,7 +16615,7 @@
             <p:nvPr/>
           </p:nvPicPr>
           <p:blipFill>
-            <a:blip r:embed="rId6" cstate="print"/>
+            <a:blip r:embed="rId7" cstate="print"/>
             <a:stretch>
               <a:fillRect/>
             </a:stretch>
@@ -16370,7 +16638,7 @@
           <p:nvPr/>
         </p:nvPicPr>
         <p:blipFill>
-          <a:blip r:embed="rId7" cstate="print"/>
+          <a:blip r:embed="rId8" cstate="print"/>
           <a:stretch>
             <a:fillRect/>
           </a:stretch>
@@ -16392,7 +16660,7 @@
           <p:nvPr/>
         </p:nvPicPr>
         <p:blipFill>
-          <a:blip r:embed="rId8" cstate="print"/>
+          <a:blip r:embed="rId9" cstate="print"/>
           <a:stretch>
             <a:fillRect/>
           </a:stretch>
@@ -16428,7 +16696,7 @@
             <p:nvPr/>
           </p:nvPicPr>
           <p:blipFill>
-            <a:blip r:embed="rId9" cstate="print"/>
+            <a:blip r:embed="rId10" cstate="print"/>
             <a:stretch>
               <a:fillRect/>
             </a:stretch>
@@ -16450,7 +16718,7 @@
             <p:nvPr/>
           </p:nvPicPr>
           <p:blipFill>
-            <a:blip r:embed="rId10" cstate="print"/>
+            <a:blip r:embed="rId11" cstate="print"/>
             <a:stretch>
               <a:fillRect/>
             </a:stretch>
@@ -16557,7 +16825,7 @@
             <p:nvPr/>
           </p:nvPicPr>
           <p:blipFill>
-            <a:blip r:embed="rId11" cstate="print"/>
+            <a:blip r:embed="rId12" cstate="print"/>
             <a:stretch>
               <a:fillRect/>
             </a:stretch>
@@ -16579,7 +16847,7 @@
             <p:nvPr/>
           </p:nvPicPr>
           <p:blipFill>
-            <a:blip r:embed="rId12" cstate="print"/>
+            <a:blip r:embed="rId13" cstate="print"/>
             <a:stretch>
               <a:fillRect/>
             </a:stretch>
@@ -16602,7 +16870,7 @@
           <p:nvPr/>
         </p:nvPicPr>
         <p:blipFill>
-          <a:blip r:embed="rId13" cstate="print"/>
+          <a:blip r:embed="rId14" cstate="print"/>
           <a:stretch>
             <a:fillRect/>
           </a:stretch>
@@ -16638,7 +16906,7 @@
             <p:nvPr/>
           </p:nvPicPr>
           <p:blipFill>
-            <a:blip r:embed="rId14" cstate="print"/>
+            <a:blip r:embed="rId15" cstate="print"/>
             <a:stretch>
               <a:fillRect/>
             </a:stretch>
@@ -16660,7 +16928,7 @@
             <p:nvPr/>
           </p:nvPicPr>
           <p:blipFill>
-            <a:blip r:embed="rId15" cstate="print"/>
+            <a:blip r:embed="rId16" cstate="print"/>
             <a:stretch>
               <a:fillRect/>
             </a:stretch>
@@ -16689,9 +16957,11 @@
         <p:spPr/>
         <p:txBody>
           <a:bodyPr/>
+          <a:lstStyle/>
           <a:p>
             <a:fld id="{B6F15528-21DE-4FAA-801E-634DDDAF4B2B}" type="slidenum">
               <a:rPr/>
+              <a:t>24</a:t>
             </a:fld>
             <a:endParaRPr/>
           </a:p>
@@ -16735,6 +17005,7 @@
         <p:spPr/>
         <p:txBody>
           <a:bodyPr/>
+          <a:lstStyle/>
           <a:p>
             <a:endParaRPr lang="en-US"/>
           </a:p>
@@ -16785,31 +17056,11 @@
         <p:txBody>
           <a:bodyPr wrap="square" lIns="0" tIns="0" rIns="0" bIns="0" rtlCol="0"/>
           <a:lstStyle/>
-          <a:p/>
+          <a:p>
+            <a:endParaRPr/>
+          </a:p>
         </p:txBody>
       </p:sp>
-      <p:pic>
-        <p:nvPicPr>
-          <p:cNvPr id="3" name="object 3"/>
-          <p:cNvPicPr/>
-          <p:nvPr/>
-        </p:nvPicPr>
-        <p:blipFill>
-          <a:blip r:embed="rId1" cstate="print"/>
-          <a:stretch>
-            <a:fillRect/>
-          </a:stretch>
-        </p:blipFill>
-        <p:spPr>
-          <a:xfrm>
-            <a:off x="11496293" y="6184734"/>
-            <a:ext cx="449821" cy="449821"/>
-          </a:xfrm>
-          <a:prstGeom prst="rect">
-            <a:avLst/>
-          </a:prstGeom>
-        </p:spPr>
-      </p:pic>
       <p:sp>
         <p:nvSpPr>
           <p:cNvPr id="4" name="object 4"/>
@@ -17663,9 +17914,11 @@
         <p:spPr/>
         <p:txBody>
           <a:bodyPr/>
+          <a:lstStyle/>
           <a:p>
             <a:fld id="{B6F15528-21DE-4FAA-801E-634DDDAF4B2B}" type="slidenum">
               <a:rPr/>
+              <a:t>25</a:t>
             </a:fld>
             <a:endParaRPr/>
           </a:p>
@@ -17675,7 +17928,7 @@
         <p:nvPicPr>
           <p:cNvPr id="7" name="Content Placeholder 6"/>
           <p:cNvPicPr>
-            <a:picLocks noChangeAspect="1"/>
+            <a:picLocks noGrp="1" noChangeAspect="1"/>
           </p:cNvPicPr>
           <p:nvPr>
             <p:ph sz="half" idx="2"/>
@@ -17702,7 +17955,7 @@
         <p:nvPicPr>
           <p:cNvPr id="10" name="Content Placeholder 9"/>
           <p:cNvPicPr>
-            <a:picLocks noChangeAspect="1"/>
+            <a:picLocks noGrp="1" noChangeAspect="1"/>
           </p:cNvPicPr>
           <p:nvPr>
             <p:ph sz="half" idx="3"/>
@@ -17786,7 +18039,9 @@
         <p:txBody>
           <a:bodyPr wrap="square" lIns="0" tIns="0" rIns="0" bIns="0" rtlCol="0"/>
           <a:lstStyle/>
-          <a:p/>
+          <a:p>
+            <a:endParaRPr/>
+          </a:p>
         </p:txBody>
       </p:sp>
       <p:pic>
@@ -17796,7 +18051,7 @@
           <p:nvPr/>
         </p:nvPicPr>
         <p:blipFill>
-          <a:blip r:embed="rId1" cstate="print"/>
+          <a:blip r:embed="rId2" cstate="print"/>
           <a:stretch>
             <a:fillRect/>
           </a:stretch>
@@ -17832,7 +18087,7 @@
             <p:nvPr/>
           </p:nvPicPr>
           <p:blipFill>
-            <a:blip r:embed="rId2" cstate="print"/>
+            <a:blip r:embed="rId3" cstate="print"/>
             <a:stretch>
               <a:fillRect/>
             </a:stretch>
@@ -17854,7 +18109,7 @@
             <p:nvPr/>
           </p:nvPicPr>
           <p:blipFill>
-            <a:blip r:embed="rId3" cstate="print"/>
+            <a:blip r:embed="rId4" cstate="print"/>
             <a:stretch>
               <a:fillRect/>
             </a:stretch>
@@ -17876,7 +18131,7 @@
             <p:nvPr/>
           </p:nvPicPr>
           <p:blipFill>
-            <a:blip r:embed="rId4" cstate="print"/>
+            <a:blip r:embed="rId5" cstate="print"/>
             <a:stretch>
               <a:fillRect/>
             </a:stretch>
@@ -17899,7 +18154,7 @@
           <p:nvPr/>
         </p:nvPicPr>
         <p:blipFill>
-          <a:blip r:embed="rId5" cstate="print"/>
+          <a:blip r:embed="rId6" cstate="print"/>
           <a:stretch>
             <a:fillRect/>
           </a:stretch>
@@ -17991,7 +18246,7 @@
           <p:nvPr/>
         </p:nvPicPr>
         <p:blipFill>
-          <a:blip r:embed="rId6" cstate="print"/>
+          <a:blip r:embed="rId7" cstate="print"/>
           <a:stretch>
             <a:fillRect/>
           </a:stretch>
@@ -18013,7 +18268,7 @@
           <p:nvPr/>
         </p:nvPicPr>
         <p:blipFill>
-          <a:blip r:embed="rId7" cstate="print"/>
+          <a:blip r:embed="rId8" cstate="print"/>
           <a:stretch>
             <a:fillRect/>
           </a:stretch>
@@ -18186,7 +18441,7 @@
             <p:nvPr/>
           </p:nvPicPr>
           <p:blipFill>
-            <a:blip r:embed="rId8" cstate="print"/>
+            <a:blip r:embed="rId9" cstate="print"/>
             <a:stretch>
               <a:fillRect/>
             </a:stretch>
@@ -18208,7 +18463,7 @@
             <p:nvPr/>
           </p:nvPicPr>
           <p:blipFill>
-            <a:blip r:embed="rId9" cstate="print"/>
+            <a:blip r:embed="rId10" cstate="print"/>
             <a:stretch>
               <a:fillRect/>
             </a:stretch>
@@ -18230,7 +18485,7 @@
             <p:nvPr/>
           </p:nvPicPr>
           <p:blipFill>
-            <a:blip r:embed="rId10" cstate="print"/>
+            <a:blip r:embed="rId11" cstate="print"/>
             <a:stretch>
               <a:fillRect/>
             </a:stretch>
@@ -18252,7 +18507,7 @@
             <p:nvPr/>
           </p:nvPicPr>
           <p:blipFill>
-            <a:blip r:embed="rId11" cstate="print"/>
+            <a:blip r:embed="rId12" cstate="print"/>
             <a:stretch>
               <a:fillRect/>
             </a:stretch>
@@ -18274,7 +18529,7 @@
             <p:nvPr/>
           </p:nvPicPr>
           <p:blipFill>
-            <a:blip r:embed="rId12" cstate="print"/>
+            <a:blip r:embed="rId13" cstate="print"/>
             <a:stretch>
               <a:fillRect/>
             </a:stretch>
@@ -18296,7 +18551,7 @@
             <p:nvPr/>
           </p:nvPicPr>
           <p:blipFill>
-            <a:blip r:embed="rId9" cstate="print"/>
+            <a:blip r:embed="rId10" cstate="print"/>
             <a:stretch>
               <a:fillRect/>
             </a:stretch>
@@ -18318,7 +18573,7 @@
             <p:nvPr/>
           </p:nvPicPr>
           <p:blipFill>
-            <a:blip r:embed="rId13" cstate="print"/>
+            <a:blip r:embed="rId14" cstate="print"/>
             <a:stretch>
               <a:fillRect/>
             </a:stretch>
@@ -18341,7 +18596,7 @@
           <p:nvPr/>
         </p:nvPicPr>
         <p:blipFill>
-          <a:blip r:embed="rId14" cstate="print"/>
+          <a:blip r:embed="rId15" cstate="print"/>
           <a:stretch>
             <a:fillRect/>
           </a:stretch>
@@ -18363,7 +18618,7 @@
           <p:nvPr/>
         </p:nvPicPr>
         <p:blipFill>
-          <a:blip r:embed="rId15" cstate="print"/>
+          <a:blip r:embed="rId16" cstate="print"/>
           <a:stretch>
             <a:fillRect/>
           </a:stretch>
@@ -18385,7 +18640,7 @@
           <p:nvPr/>
         </p:nvPicPr>
         <p:blipFill>
-          <a:blip r:embed="rId16" cstate="print"/>
+          <a:blip r:embed="rId17" cstate="print"/>
           <a:stretch>
             <a:fillRect/>
           </a:stretch>
@@ -18421,7 +18676,7 @@
             <p:nvPr/>
           </p:nvPicPr>
           <p:blipFill>
-            <a:blip r:embed="rId17" cstate="print"/>
+            <a:blip r:embed="rId18" cstate="print"/>
             <a:stretch>
               <a:fillRect/>
             </a:stretch>
@@ -18443,7 +18698,7 @@
             <p:nvPr/>
           </p:nvPicPr>
           <p:blipFill>
-            <a:blip r:embed="rId18" cstate="print"/>
+            <a:blip r:embed="rId19" cstate="print"/>
             <a:stretch>
               <a:fillRect/>
             </a:stretch>
@@ -18472,9 +18727,11 @@
         <p:spPr/>
         <p:txBody>
           <a:bodyPr/>
+          <a:lstStyle/>
           <a:p>
             <a:fld id="{B6F15528-21DE-4FAA-801E-634DDDAF4B2B}" type="slidenum">
               <a:rPr/>
+              <a:t>26</a:t>
             </a:fld>
             <a:endParaRPr/>
           </a:p>
@@ -18542,7 +18799,9 @@
         <p:txBody>
           <a:bodyPr wrap="square" lIns="0" tIns="0" rIns="0" bIns="0" rtlCol="0"/>
           <a:lstStyle/>
-          <a:p/>
+          <a:p>
+            <a:endParaRPr/>
+          </a:p>
         </p:txBody>
       </p:sp>
       <p:pic>
@@ -18552,7 +18811,7 @@
           <p:nvPr/>
         </p:nvPicPr>
         <p:blipFill>
-          <a:blip r:embed="rId1" cstate="print"/>
+          <a:blip r:embed="rId2" cstate="print"/>
           <a:stretch>
             <a:fillRect/>
           </a:stretch>
@@ -18588,7 +18847,7 @@
             <p:nvPr/>
           </p:nvPicPr>
           <p:blipFill>
-            <a:blip r:embed="rId2" cstate="print"/>
+            <a:blip r:embed="rId3" cstate="print"/>
             <a:stretch>
               <a:fillRect/>
             </a:stretch>
@@ -18610,7 +18869,7 @@
             <p:nvPr/>
           </p:nvPicPr>
           <p:blipFill>
-            <a:blip r:embed="rId3" cstate="print"/>
+            <a:blip r:embed="rId4" cstate="print"/>
             <a:stretch>
               <a:fillRect/>
             </a:stretch>
@@ -18632,7 +18891,7 @@
             <p:nvPr/>
           </p:nvPicPr>
           <p:blipFill>
-            <a:blip r:embed="rId4" cstate="print"/>
+            <a:blip r:embed="rId5" cstate="print"/>
             <a:stretch>
               <a:fillRect/>
             </a:stretch>
@@ -18655,7 +18914,7 @@
           <p:nvPr/>
         </p:nvPicPr>
         <p:blipFill>
-          <a:blip r:embed="rId5" cstate="print"/>
+          <a:blip r:embed="rId6" cstate="print"/>
           <a:stretch>
             <a:fillRect/>
           </a:stretch>
@@ -18795,7 +19054,7 @@
           <p:nvPr/>
         </p:nvPicPr>
         <p:blipFill>
-          <a:blip r:embed="rId6" cstate="print"/>
+          <a:blip r:embed="rId7" cstate="print"/>
           <a:stretch>
             <a:fillRect/>
           </a:stretch>
@@ -18817,7 +19076,7 @@
           <p:nvPr/>
         </p:nvPicPr>
         <p:blipFill>
-          <a:blip r:embed="rId7" cstate="print"/>
+          <a:blip r:embed="rId8" cstate="print"/>
           <a:stretch>
             <a:fillRect/>
           </a:stretch>
@@ -18839,7 +19098,7 @@
           <p:nvPr/>
         </p:nvPicPr>
         <p:blipFill>
-          <a:blip r:embed="rId8" cstate="print"/>
+          <a:blip r:embed="rId9" cstate="print"/>
           <a:stretch>
             <a:fillRect/>
           </a:stretch>
@@ -18861,7 +19120,7 @@
           <p:nvPr/>
         </p:nvPicPr>
         <p:blipFill>
-          <a:blip r:embed="rId9" cstate="print"/>
+          <a:blip r:embed="rId10" cstate="print"/>
           <a:stretch>
             <a:fillRect/>
           </a:stretch>
@@ -18883,7 +19142,7 @@
           <p:nvPr/>
         </p:nvPicPr>
         <p:blipFill>
-          <a:blip r:embed="rId10" cstate="print"/>
+          <a:blip r:embed="rId11" cstate="print"/>
           <a:stretch>
             <a:fillRect/>
           </a:stretch>
@@ -18951,7 +19210,7 @@
           <p:nvPr/>
         </p:nvPicPr>
         <p:blipFill>
-          <a:blip r:embed="rId11" cstate="print"/>
+          <a:blip r:embed="rId12" cstate="print"/>
           <a:stretch>
             <a:fillRect/>
           </a:stretch>
@@ -18973,7 +19232,7 @@
           <p:nvPr/>
         </p:nvPicPr>
         <p:blipFill>
-          <a:blip r:embed="rId12" cstate="print"/>
+          <a:blip r:embed="rId13" cstate="print"/>
           <a:stretch>
             <a:fillRect/>
           </a:stretch>
@@ -19001,9 +19260,11 @@
         <p:spPr/>
         <p:txBody>
           <a:bodyPr/>
+          <a:lstStyle/>
           <a:p>
             <a:fld id="{B6F15528-21DE-4FAA-801E-634DDDAF4B2B}" type="slidenum">
               <a:rPr/>
+              <a:t>27</a:t>
             </a:fld>
             <a:endParaRPr/>
           </a:p>
@@ -19071,7 +19332,9 @@
         <p:txBody>
           <a:bodyPr wrap="square" lIns="0" tIns="0" rIns="0" bIns="0" rtlCol="0"/>
           <a:lstStyle/>
-          <a:p/>
+          <a:p>
+            <a:endParaRPr/>
+          </a:p>
         </p:txBody>
       </p:sp>
       <p:pic>
@@ -19081,7 +19344,7 @@
           <p:nvPr/>
         </p:nvPicPr>
         <p:blipFill>
-          <a:blip r:embed="rId1" cstate="print"/>
+          <a:blip r:embed="rId2" cstate="print"/>
           <a:stretch>
             <a:fillRect/>
           </a:stretch>
@@ -19103,7 +19366,7 @@
           <p:nvPr/>
         </p:nvPicPr>
         <p:blipFill>
-          <a:blip r:embed="rId2" cstate="print"/>
+          <a:blip r:embed="rId3" cstate="print"/>
           <a:stretch>
             <a:fillRect/>
           </a:stretch>
@@ -19125,7 +19388,7 @@
           <p:nvPr/>
         </p:nvPicPr>
         <p:blipFill>
-          <a:blip r:embed="rId3" cstate="print"/>
+          <a:blip r:embed="rId4" cstate="print"/>
           <a:stretch>
             <a:fillRect/>
           </a:stretch>
@@ -19255,7 +19518,7 @@
             <p:nvPr/>
           </p:nvPicPr>
           <p:blipFill>
-            <a:blip r:embed="rId4" cstate="print"/>
+            <a:blip r:embed="rId5" cstate="print"/>
             <a:stretch>
               <a:fillRect/>
             </a:stretch>
@@ -19277,7 +19540,7 @@
             <p:nvPr/>
           </p:nvPicPr>
           <p:blipFill>
-            <a:blip r:embed="rId5" cstate="print"/>
+            <a:blip r:embed="rId6" cstate="print"/>
             <a:stretch>
               <a:fillRect/>
             </a:stretch>
@@ -19299,7 +19562,7 @@
             <p:nvPr/>
           </p:nvPicPr>
           <p:blipFill>
-            <a:blip r:embed="rId6" cstate="print"/>
+            <a:blip r:embed="rId7" cstate="print"/>
             <a:stretch>
               <a:fillRect/>
             </a:stretch>
@@ -19322,7 +19585,7 @@
           <p:nvPr/>
         </p:nvPicPr>
         <p:blipFill>
-          <a:blip r:embed="rId7" cstate="print"/>
+          <a:blip r:embed="rId8" cstate="print"/>
           <a:stretch>
             <a:fillRect/>
           </a:stretch>
@@ -19358,7 +19621,7 @@
             <p:nvPr/>
           </p:nvPicPr>
           <p:blipFill>
-            <a:blip r:embed="rId8" cstate="print"/>
+            <a:blip r:embed="rId9" cstate="print"/>
             <a:stretch>
               <a:fillRect/>
             </a:stretch>
@@ -19380,7 +19643,7 @@
             <p:nvPr/>
           </p:nvPicPr>
           <p:blipFill>
-            <a:blip r:embed="rId9" cstate="print"/>
+            <a:blip r:embed="rId10" cstate="print"/>
             <a:stretch>
               <a:fillRect/>
             </a:stretch>
@@ -19403,7 +19666,7 @@
           <p:nvPr/>
         </p:nvPicPr>
         <p:blipFill>
-          <a:blip r:embed="rId10" cstate="print"/>
+          <a:blip r:embed="rId11" cstate="print"/>
           <a:stretch>
             <a:fillRect/>
           </a:stretch>
@@ -19543,7 +19806,7 @@
           <p:nvPr/>
         </p:nvPicPr>
         <p:blipFill>
-          <a:blip r:embed="rId11" cstate="print"/>
+          <a:blip r:embed="rId12" cstate="print"/>
           <a:stretch>
             <a:fillRect/>
           </a:stretch>
@@ -19565,7 +19828,7 @@
           <p:nvPr/>
         </p:nvPicPr>
         <p:blipFill>
-          <a:blip r:embed="rId12" cstate="print"/>
+          <a:blip r:embed="rId13" cstate="print"/>
           <a:stretch>
             <a:fillRect/>
           </a:stretch>
@@ -19587,7 +19850,7 @@
           <p:nvPr/>
         </p:nvPicPr>
         <p:blipFill>
-          <a:blip r:embed="rId13" cstate="print"/>
+          <a:blip r:embed="rId14" cstate="print"/>
           <a:stretch>
             <a:fillRect/>
           </a:stretch>
@@ -19609,7 +19872,7 @@
           <p:nvPr/>
         </p:nvPicPr>
         <p:blipFill>
-          <a:blip r:embed="rId14" cstate="print"/>
+          <a:blip r:embed="rId15" cstate="print"/>
           <a:stretch>
             <a:fillRect/>
           </a:stretch>
@@ -19645,7 +19908,7 @@
             <p:nvPr/>
           </p:nvPicPr>
           <p:blipFill>
-            <a:blip r:embed="rId15" cstate="print"/>
+            <a:blip r:embed="rId16" cstate="print"/>
             <a:stretch>
               <a:fillRect/>
             </a:stretch>
@@ -19667,7 +19930,7 @@
             <p:nvPr/>
           </p:nvPicPr>
           <p:blipFill>
-            <a:blip r:embed="rId16" cstate="print"/>
+            <a:blip r:embed="rId17" cstate="print"/>
             <a:stretch>
               <a:fillRect/>
             </a:stretch>
@@ -19696,9 +19959,11 @@
         <p:spPr/>
         <p:txBody>
           <a:bodyPr/>
+          <a:lstStyle/>
           <a:p>
             <a:fld id="{B6F15528-21DE-4FAA-801E-634DDDAF4B2B}" type="slidenum">
               <a:rPr/>
+              <a:t>28</a:t>
             </a:fld>
             <a:endParaRPr/>
           </a:p>
@@ -19774,31 +20039,11 @@
         <p:txBody>
           <a:bodyPr wrap="square" lIns="0" tIns="0" rIns="0" bIns="0" rtlCol="0"/>
           <a:lstStyle/>
-          <a:p/>
+          <a:p>
+            <a:endParaRPr/>
+          </a:p>
         </p:txBody>
       </p:sp>
-      <p:pic>
-        <p:nvPicPr>
-          <p:cNvPr id="3" name="object 3"/>
-          <p:cNvPicPr/>
-          <p:nvPr/>
-        </p:nvPicPr>
-        <p:blipFill>
-          <a:blip r:embed="rId1" cstate="print"/>
-          <a:stretch>
-            <a:fillRect/>
-          </a:stretch>
-        </p:blipFill>
-        <p:spPr>
-          <a:xfrm>
-            <a:off x="11496293" y="6184734"/>
-            <a:ext cx="449821" cy="449821"/>
-          </a:xfrm>
-          <a:prstGeom prst="rect">
-            <a:avLst/>
-          </a:prstGeom>
-        </p:spPr>
-      </p:pic>
       <p:sp>
         <p:nvSpPr>
           <p:cNvPr id="4" name="object 4"/>
@@ -20464,9 +20709,11 @@
         <p:spPr/>
         <p:txBody>
           <a:bodyPr/>
+          <a:lstStyle/>
           <a:p>
             <a:fld id="{B6F15528-21DE-4FAA-801E-634DDDAF4B2B}" type="slidenum">
               <a:rPr/>
+              <a:t>29</a:t>
             </a:fld>
             <a:endParaRPr/>
           </a:p>
@@ -20534,7 +20781,9 @@
         <p:txBody>
           <a:bodyPr wrap="square" lIns="0" tIns="0" rIns="0" bIns="0" rtlCol="0"/>
           <a:lstStyle/>
-          <a:p/>
+          <a:p>
+            <a:endParaRPr/>
+          </a:p>
         </p:txBody>
       </p:sp>
       <p:pic>
@@ -20544,7 +20793,7 @@
           <p:nvPr/>
         </p:nvPicPr>
         <p:blipFill>
-          <a:blip r:embed="rId1" cstate="print"/>
+          <a:blip r:embed="rId2" cstate="print"/>
           <a:stretch>
             <a:fillRect/>
           </a:stretch>
@@ -20580,7 +20829,7 @@
             <p:nvPr/>
           </p:nvPicPr>
           <p:blipFill>
-            <a:blip r:embed="rId2" cstate="print"/>
+            <a:blip r:embed="rId3" cstate="print"/>
             <a:stretch>
               <a:fillRect/>
             </a:stretch>
@@ -20602,7 +20851,7 @@
             <p:nvPr/>
           </p:nvPicPr>
           <p:blipFill>
-            <a:blip r:embed="rId3" cstate="print"/>
+            <a:blip r:embed="rId4" cstate="print"/>
             <a:stretch>
               <a:fillRect/>
             </a:stretch>
@@ -20624,7 +20873,7 @@
             <p:nvPr/>
           </p:nvPicPr>
           <p:blipFill>
-            <a:blip r:embed="rId4" cstate="print"/>
+            <a:blip r:embed="rId5" cstate="print"/>
             <a:stretch>
               <a:fillRect/>
             </a:stretch>
@@ -20647,7 +20896,7 @@
           <p:nvPr/>
         </p:nvPicPr>
         <p:blipFill>
-          <a:blip r:embed="rId5" cstate="print"/>
+          <a:blip r:embed="rId6" cstate="print"/>
           <a:stretch>
             <a:fillRect/>
           </a:stretch>
@@ -20669,7 +20918,7 @@
           <p:nvPr/>
         </p:nvPicPr>
         <p:blipFill>
-          <a:blip r:embed="rId6" cstate="print"/>
+          <a:blip r:embed="rId7" cstate="print"/>
           <a:stretch>
             <a:fillRect/>
           </a:stretch>
@@ -20691,7 +20940,7 @@
           <p:nvPr/>
         </p:nvPicPr>
         <p:blipFill>
-          <a:blip r:embed="rId7" cstate="print"/>
+          <a:blip r:embed="rId8" cstate="print"/>
           <a:stretch>
             <a:fillRect/>
           </a:stretch>
@@ -20713,7 +20962,7 @@
           <p:nvPr/>
         </p:nvPicPr>
         <p:blipFill>
-          <a:blip r:embed="rId8" cstate="print"/>
+          <a:blip r:embed="rId9" cstate="print"/>
           <a:stretch>
             <a:fillRect/>
           </a:stretch>
@@ -20741,9 +20990,11 @@
         <p:spPr/>
         <p:txBody>
           <a:bodyPr/>
+          <a:lstStyle/>
           <a:p>
             <a:fld id="{B6F15528-21DE-4FAA-801E-634DDDAF4B2B}" type="slidenum">
               <a:rPr/>
+              <a:t>3</a:t>
             </a:fld>
             <a:endParaRPr/>
           </a:p>
@@ -20811,7 +21062,9 @@
         <p:txBody>
           <a:bodyPr wrap="square" lIns="0" tIns="0" rIns="0" bIns="0" rtlCol="0"/>
           <a:lstStyle/>
-          <a:p/>
+          <a:p>
+            <a:endParaRPr/>
+          </a:p>
         </p:txBody>
       </p:sp>
       <p:pic>
@@ -20821,7 +21074,7 @@
           <p:nvPr/>
         </p:nvPicPr>
         <p:blipFill>
-          <a:blip r:embed="rId1" cstate="print"/>
+          <a:blip r:embed="rId2" cstate="print"/>
           <a:stretch>
             <a:fillRect/>
           </a:stretch>
@@ -20843,7 +21096,7 @@
           <p:nvPr/>
         </p:nvPicPr>
         <p:blipFill>
-          <a:blip r:embed="rId2" cstate="print"/>
+          <a:blip r:embed="rId3" cstate="print"/>
           <a:stretch>
             <a:fillRect/>
           </a:stretch>
@@ -20865,7 +21118,7 @@
           <p:nvPr/>
         </p:nvPicPr>
         <p:blipFill>
-          <a:blip r:embed="rId3" cstate="print"/>
+          <a:blip r:embed="rId4" cstate="print"/>
           <a:stretch>
             <a:fillRect/>
           </a:stretch>
@@ -20901,7 +21154,7 @@
             <p:nvPr/>
           </p:nvPicPr>
           <p:blipFill>
-            <a:blip r:embed="rId4" cstate="print"/>
+            <a:blip r:embed="rId5" cstate="print"/>
             <a:stretch>
               <a:fillRect/>
             </a:stretch>
@@ -20923,7 +21176,7 @@
             <p:nvPr/>
           </p:nvPicPr>
           <p:blipFill>
-            <a:blip r:embed="rId5" cstate="print"/>
+            <a:blip r:embed="rId6" cstate="print"/>
             <a:stretch>
               <a:fillRect/>
             </a:stretch>
@@ -20946,7 +21199,7 @@
           <p:nvPr/>
         </p:nvPicPr>
         <p:blipFill>
-          <a:blip r:embed="rId6" cstate="print"/>
+          <a:blip r:embed="rId7" cstate="print"/>
           <a:stretch>
             <a:fillRect/>
           </a:stretch>
@@ -21100,7 +21353,7 @@
             <p:nvPr/>
           </p:nvPicPr>
           <p:blipFill>
-            <a:blip r:embed="rId4" cstate="print"/>
+            <a:blip r:embed="rId5" cstate="print"/>
             <a:stretch>
               <a:fillRect/>
             </a:stretch>
@@ -21122,7 +21375,7 @@
             <p:nvPr/>
           </p:nvPicPr>
           <p:blipFill>
-            <a:blip r:embed="rId7" cstate="print"/>
+            <a:blip r:embed="rId8" cstate="print"/>
             <a:stretch>
               <a:fillRect/>
             </a:stretch>
@@ -21144,7 +21397,7 @@
             <p:nvPr/>
           </p:nvPicPr>
           <p:blipFill>
-            <a:blip r:embed="rId4" cstate="print"/>
+            <a:blip r:embed="rId5" cstate="print"/>
             <a:stretch>
               <a:fillRect/>
             </a:stretch>
@@ -21166,7 +21419,7 @@
             <p:nvPr/>
           </p:nvPicPr>
           <p:blipFill>
-            <a:blip r:embed="rId8" cstate="print"/>
+            <a:blip r:embed="rId9" cstate="print"/>
             <a:stretch>
               <a:fillRect/>
             </a:stretch>
@@ -21189,7 +21442,7 @@
           <p:nvPr/>
         </p:nvPicPr>
         <p:blipFill>
-          <a:blip r:embed="rId9" cstate="print"/>
+          <a:blip r:embed="rId10" cstate="print"/>
           <a:stretch>
             <a:fillRect/>
           </a:stretch>
@@ -21211,7 +21464,7 @@
           <p:nvPr/>
         </p:nvPicPr>
         <p:blipFill>
-          <a:blip r:embed="rId10" cstate="print"/>
+          <a:blip r:embed="rId11" cstate="print"/>
           <a:stretch>
             <a:fillRect/>
           </a:stretch>
@@ -21233,7 +21486,7 @@
           <p:nvPr/>
         </p:nvPicPr>
         <p:blipFill>
-          <a:blip r:embed="rId11" cstate="print"/>
+          <a:blip r:embed="rId12" cstate="print"/>
           <a:stretch>
             <a:fillRect/>
           </a:stretch>
@@ -21269,7 +21522,7 @@
             <p:nvPr/>
           </p:nvPicPr>
           <p:blipFill>
-            <a:blip r:embed="rId12" cstate="print"/>
+            <a:blip r:embed="rId13" cstate="print"/>
             <a:stretch>
               <a:fillRect/>
             </a:stretch>
@@ -21291,7 +21544,7 @@
             <p:nvPr/>
           </p:nvPicPr>
           <p:blipFill>
-            <a:blip r:embed="rId13" cstate="print"/>
+            <a:blip r:embed="rId14" cstate="print"/>
             <a:stretch>
               <a:fillRect/>
             </a:stretch>
@@ -21313,7 +21566,7 @@
             <p:nvPr/>
           </p:nvPicPr>
           <p:blipFill>
-            <a:blip r:embed="rId14" cstate="print"/>
+            <a:blip r:embed="rId15" cstate="print"/>
             <a:stretch>
               <a:fillRect/>
             </a:stretch>
@@ -21336,7 +21589,7 @@
           <p:nvPr/>
         </p:nvPicPr>
         <p:blipFill>
-          <a:blip r:embed="rId15" cstate="print"/>
+          <a:blip r:embed="rId16" cstate="print"/>
           <a:stretch>
             <a:fillRect/>
           </a:stretch>
@@ -21514,7 +21767,7 @@
             <p:nvPr/>
           </p:nvPicPr>
           <p:blipFill>
-            <a:blip r:embed="rId16" cstate="print"/>
+            <a:blip r:embed="rId17" cstate="print"/>
             <a:stretch>
               <a:fillRect/>
             </a:stretch>
@@ -21536,7 +21789,7 @@
             <p:nvPr/>
           </p:nvPicPr>
           <p:blipFill>
-            <a:blip r:embed="rId17" cstate="print"/>
+            <a:blip r:embed="rId18" cstate="print"/>
             <a:stretch>
               <a:fillRect/>
             </a:stretch>
@@ -21558,7 +21811,7 @@
             <p:nvPr/>
           </p:nvPicPr>
           <p:blipFill>
-            <a:blip r:embed="rId14" cstate="print"/>
+            <a:blip r:embed="rId15" cstate="print"/>
             <a:stretch>
               <a:fillRect/>
             </a:stretch>
@@ -21595,7 +21848,7 @@
             <p:nvPr/>
           </p:nvPicPr>
           <p:blipFill>
-            <a:blip r:embed="rId18" cstate="print"/>
+            <a:blip r:embed="rId19" cstate="print"/>
             <a:stretch>
               <a:fillRect/>
             </a:stretch>
@@ -21617,7 +21870,7 @@
             <p:nvPr/>
           </p:nvPicPr>
           <p:blipFill>
-            <a:blip r:embed="rId19" cstate="print"/>
+            <a:blip r:embed="rId20" cstate="print"/>
             <a:stretch>
               <a:fillRect/>
             </a:stretch>
@@ -21639,7 +21892,7 @@
             <p:nvPr/>
           </p:nvPicPr>
           <p:blipFill>
-            <a:blip r:embed="rId20" cstate="print"/>
+            <a:blip r:embed="rId21" cstate="print"/>
             <a:stretch>
               <a:fillRect/>
             </a:stretch>
@@ -21668,9 +21921,11 @@
         <p:spPr/>
         <p:txBody>
           <a:bodyPr/>
+          <a:lstStyle/>
           <a:p>
             <a:fld id="{B6F15528-21DE-4FAA-801E-634DDDAF4B2B}" type="slidenum">
               <a:rPr/>
+              <a:t>30</a:t>
             </a:fld>
             <a:endParaRPr/>
           </a:p>
@@ -21746,31 +22001,11 @@
         <p:txBody>
           <a:bodyPr wrap="square" lIns="0" tIns="0" rIns="0" bIns="0" rtlCol="0"/>
           <a:lstStyle/>
-          <a:p/>
+          <a:p>
+            <a:endParaRPr/>
+          </a:p>
         </p:txBody>
       </p:sp>
-      <p:pic>
-        <p:nvPicPr>
-          <p:cNvPr id="3" name="object 3"/>
-          <p:cNvPicPr/>
-          <p:nvPr/>
-        </p:nvPicPr>
-        <p:blipFill>
-          <a:blip r:embed="rId1" cstate="print"/>
-          <a:stretch>
-            <a:fillRect/>
-          </a:stretch>
-        </p:blipFill>
-        <p:spPr>
-          <a:xfrm>
-            <a:off x="11496293" y="6184734"/>
-            <a:ext cx="449821" cy="449821"/>
-          </a:xfrm>
-          <a:prstGeom prst="rect">
-            <a:avLst/>
-          </a:prstGeom>
-        </p:spPr>
-      </p:pic>
       <p:sp>
         <p:nvSpPr>
           <p:cNvPr id="4" name="object 4"/>
@@ -21933,7 +22168,9 @@
           <p:txBody>
             <a:bodyPr wrap="square" lIns="0" tIns="0" rIns="0" bIns="0" rtlCol="0"/>
             <a:lstStyle/>
-            <a:p/>
+            <a:p>
+              <a:endParaRPr/>
+            </a:p>
           </p:txBody>
         </p:sp>
         <p:sp>
@@ -21983,7 +22220,9 @@
           <p:txBody>
             <a:bodyPr wrap="square" lIns="0" tIns="0" rIns="0" bIns="0" rtlCol="0"/>
             <a:lstStyle/>
-            <a:p/>
+            <a:p>
+              <a:endParaRPr/>
+            </a:p>
           </p:txBody>
         </p:sp>
       </p:grpSp>
@@ -22337,7 +22576,7 @@
         </p:nvGraphicFramePr>
         <p:xfrm>
           <a:off x="1621536" y="5078876"/>
-          <a:ext cx="3409315" cy="1510665"/>
+          <a:ext cx="3406773" cy="1510072"/>
         </p:xfrm>
         <a:graphic>
           <a:graphicData uri="http://schemas.openxmlformats.org/drawingml/2006/table">
@@ -22346,12 +22585,48 @@
                 <a:tableStyleId>{2D5ABB26-0587-4C30-8999-92F81FD0307C}</a:tableStyleId>
               </a:tblPr>
               <a:tblGrid>
-                <a:gridCol w="365125"/>
-                <a:gridCol w="1094740"/>
-                <a:gridCol w="363854"/>
-                <a:gridCol w="365125"/>
-                <a:gridCol w="364489"/>
-                <a:gridCol w="853440"/>
+                <a:gridCol w="365125">
+                  <a:extLst>
+                    <a:ext uri="{9D8B030D-6E8A-4147-A177-3AD203B41FA5}">
+                      <a16:colId xmlns:a16="http://schemas.microsoft.com/office/drawing/2014/main" val="20000"/>
+                    </a:ext>
+                  </a:extLst>
+                </a:gridCol>
+                <a:gridCol w="1094740">
+                  <a:extLst>
+                    <a:ext uri="{9D8B030D-6E8A-4147-A177-3AD203B41FA5}">
+                      <a16:colId xmlns:a16="http://schemas.microsoft.com/office/drawing/2014/main" val="20001"/>
+                    </a:ext>
+                  </a:extLst>
+                </a:gridCol>
+                <a:gridCol w="363854">
+                  <a:extLst>
+                    <a:ext uri="{9D8B030D-6E8A-4147-A177-3AD203B41FA5}">
+                      <a16:colId xmlns:a16="http://schemas.microsoft.com/office/drawing/2014/main" val="20002"/>
+                    </a:ext>
+                  </a:extLst>
+                </a:gridCol>
+                <a:gridCol w="365125">
+                  <a:extLst>
+                    <a:ext uri="{9D8B030D-6E8A-4147-A177-3AD203B41FA5}">
+                      <a16:colId xmlns:a16="http://schemas.microsoft.com/office/drawing/2014/main" val="20003"/>
+                    </a:ext>
+                  </a:extLst>
+                </a:gridCol>
+                <a:gridCol w="364489">
+                  <a:extLst>
+                    <a:ext uri="{9D8B030D-6E8A-4147-A177-3AD203B41FA5}">
+                      <a16:colId xmlns:a16="http://schemas.microsoft.com/office/drawing/2014/main" val="20004"/>
+                    </a:ext>
+                  </a:extLst>
+                </a:gridCol>
+                <a:gridCol w="853440">
+                  <a:extLst>
+                    <a:ext uri="{9D8B030D-6E8A-4147-A177-3AD203B41FA5}">
+                      <a16:colId xmlns:a16="http://schemas.microsoft.com/office/drawing/2014/main" val="20005"/>
+                    </a:ext>
+                  </a:extLst>
+                </a:gridCol>
               </a:tblGrid>
               <a:tr h="460250">
                 <a:tc rowSpan="2">
@@ -22551,9 +22826,21 @@
                     </a:solidFill>
                   </a:tcPr>
                 </a:tc>
+                <a:extLst>
+                  <a:ext uri="{0D108BD9-81ED-4DB2-BD59-A6C34878D82A}">
+                    <a16:rowId xmlns:a16="http://schemas.microsoft.com/office/drawing/2014/main" val="10000"/>
+                  </a:ext>
+                </a:extLst>
               </a:tr>
               <a:tr h="518337">
                 <a:tc vMerge="1">
+                  <a:txBody>
+                    <a:bodyPr/>
+                    <a:lstStyle/>
+                    <a:p>
+                      <a:endParaRPr lang="en-US"/>
+                    </a:p>
+                  </a:txBody>
                   <a:tcPr marL="0" marR="0" marT="0" marB="0">
                     <a:solidFill>
                       <a:srgbClr val="F8BCA9"/>
@@ -22755,6 +23042,11 @@
                     </a:solidFill>
                   </a:tcPr>
                 </a:tc>
+                <a:extLst>
+                  <a:ext uri="{0D108BD9-81ED-4DB2-BD59-A6C34878D82A}">
+                    <a16:rowId xmlns:a16="http://schemas.microsoft.com/office/drawing/2014/main" val="10001"/>
+                  </a:ext>
+                </a:extLst>
               </a:tr>
               <a:tr h="531485">
                 <a:tc>
@@ -22902,6 +23194,11 @@
                     </a:solidFill>
                   </a:tcPr>
                 </a:tc>
+                <a:extLst>
+                  <a:ext uri="{0D108BD9-81ED-4DB2-BD59-A6C34878D82A}">
+                    <a16:rowId xmlns:a16="http://schemas.microsoft.com/office/drawing/2014/main" val="10002"/>
+                  </a:ext>
+                </a:extLst>
               </a:tr>
             </a:tbl>
           </a:graphicData>
@@ -23012,7 +23309,9 @@
         <p:txBody>
           <a:bodyPr wrap="square" lIns="0" tIns="0" rIns="0" bIns="0" rtlCol="0"/>
           <a:lstStyle/>
-          <a:p/>
+          <a:p>
+            <a:endParaRPr/>
+          </a:p>
         </p:txBody>
       </p:sp>
       <p:sp>
@@ -23028,9 +23327,11 @@
         <p:spPr/>
         <p:txBody>
           <a:bodyPr/>
+          <a:lstStyle/>
           <a:p>
             <a:fld id="{B6F15528-21DE-4FAA-801E-634DDDAF4B2B}" type="slidenum">
               <a:rPr/>
+              <a:t>31</a:t>
             </a:fld>
             <a:endParaRPr/>
           </a:p>
@@ -23106,31 +23407,11 @@
         <p:txBody>
           <a:bodyPr wrap="square" lIns="0" tIns="0" rIns="0" bIns="0" rtlCol="0"/>
           <a:lstStyle/>
-          <a:p/>
+          <a:p>
+            <a:endParaRPr/>
+          </a:p>
         </p:txBody>
       </p:sp>
-      <p:pic>
-        <p:nvPicPr>
-          <p:cNvPr id="3" name="object 3"/>
-          <p:cNvPicPr/>
-          <p:nvPr/>
-        </p:nvPicPr>
-        <p:blipFill>
-          <a:blip r:embed="rId1" cstate="print"/>
-          <a:stretch>
-            <a:fillRect/>
-          </a:stretch>
-        </p:blipFill>
-        <p:spPr>
-          <a:xfrm>
-            <a:off x="11496293" y="6184734"/>
-            <a:ext cx="449821" cy="449821"/>
-          </a:xfrm>
-          <a:prstGeom prst="rect">
-            <a:avLst/>
-          </a:prstGeom>
-        </p:spPr>
-      </p:pic>
       <p:sp>
         <p:nvSpPr>
           <p:cNvPr id="4" name="object 4"/>
@@ -23897,9 +24178,11 @@
         <p:spPr/>
         <p:txBody>
           <a:bodyPr/>
+          <a:lstStyle/>
           <a:p>
             <a:fld id="{B6F15528-21DE-4FAA-801E-634DDDAF4B2B}" type="slidenum">
               <a:rPr/>
+              <a:t>32</a:t>
             </a:fld>
             <a:endParaRPr/>
           </a:p>
@@ -23975,31 +24258,11 @@
         <p:txBody>
           <a:bodyPr wrap="square" lIns="0" tIns="0" rIns="0" bIns="0" rtlCol="0"/>
           <a:lstStyle/>
-          <a:p/>
+          <a:p>
+            <a:endParaRPr/>
+          </a:p>
         </p:txBody>
       </p:sp>
-      <p:pic>
-        <p:nvPicPr>
-          <p:cNvPr id="3" name="object 3"/>
-          <p:cNvPicPr/>
-          <p:nvPr/>
-        </p:nvPicPr>
-        <p:blipFill>
-          <a:blip r:embed="rId1" cstate="print"/>
-          <a:stretch>
-            <a:fillRect/>
-          </a:stretch>
-        </p:blipFill>
-        <p:spPr>
-          <a:xfrm>
-            <a:off x="11496293" y="6184734"/>
-            <a:ext cx="449821" cy="449821"/>
-          </a:xfrm>
-          <a:prstGeom prst="rect">
-            <a:avLst/>
-          </a:prstGeom>
-        </p:spPr>
-      </p:pic>
       <p:sp>
         <p:nvSpPr>
           <p:cNvPr id="4" name="object 4"/>
@@ -24419,7 +24682,7 @@
         </p:nvGraphicFramePr>
         <p:xfrm>
           <a:off x="6076505" y="4034345"/>
-          <a:ext cx="2961005" cy="2583180"/>
+          <a:ext cx="2932428" cy="2554602"/>
         </p:xfrm>
         <a:graphic>
           <a:graphicData uri="http://schemas.openxmlformats.org/drawingml/2006/table">
@@ -24428,12 +24691,48 @@
                 <a:tableStyleId>{2D5ABB26-0587-4C30-8999-92F81FD0307C}</a:tableStyleId>
               </a:tblPr>
               <a:tblGrid>
-                <a:gridCol w="913765"/>
-                <a:gridCol w="363854"/>
-                <a:gridCol w="365125"/>
-                <a:gridCol w="365125"/>
-                <a:gridCol w="365125"/>
-                <a:gridCol w="559434"/>
+                <a:gridCol w="913765">
+                  <a:extLst>
+                    <a:ext uri="{9D8B030D-6E8A-4147-A177-3AD203B41FA5}">
+                      <a16:colId xmlns:a16="http://schemas.microsoft.com/office/drawing/2014/main" val="20000"/>
+                    </a:ext>
+                  </a:extLst>
+                </a:gridCol>
+                <a:gridCol w="363854">
+                  <a:extLst>
+                    <a:ext uri="{9D8B030D-6E8A-4147-A177-3AD203B41FA5}">
+                      <a16:colId xmlns:a16="http://schemas.microsoft.com/office/drawing/2014/main" val="20001"/>
+                    </a:ext>
+                  </a:extLst>
+                </a:gridCol>
+                <a:gridCol w="365125">
+                  <a:extLst>
+                    <a:ext uri="{9D8B030D-6E8A-4147-A177-3AD203B41FA5}">
+                      <a16:colId xmlns:a16="http://schemas.microsoft.com/office/drawing/2014/main" val="20002"/>
+                    </a:ext>
+                  </a:extLst>
+                </a:gridCol>
+                <a:gridCol w="365125">
+                  <a:extLst>
+                    <a:ext uri="{9D8B030D-6E8A-4147-A177-3AD203B41FA5}">
+                      <a16:colId xmlns:a16="http://schemas.microsoft.com/office/drawing/2014/main" val="20003"/>
+                    </a:ext>
+                  </a:extLst>
+                </a:gridCol>
+                <a:gridCol w="365125">
+                  <a:extLst>
+                    <a:ext uri="{9D8B030D-6E8A-4147-A177-3AD203B41FA5}">
+                      <a16:colId xmlns:a16="http://schemas.microsoft.com/office/drawing/2014/main" val="20004"/>
+                    </a:ext>
+                  </a:extLst>
+                </a:gridCol>
+                <a:gridCol w="559434">
+                  <a:extLst>
+                    <a:ext uri="{9D8B030D-6E8A-4147-A177-3AD203B41FA5}">
+                      <a16:colId xmlns:a16="http://schemas.microsoft.com/office/drawing/2014/main" val="20005"/>
+                    </a:ext>
+                  </a:extLst>
+                </a:gridCol>
               </a:tblGrid>
               <a:tr h="478443">
                 <a:tc>
@@ -24615,8 +24914,20 @@
                   </a:tcPr>
                 </a:tc>
                 <a:tc rowSpan="3" hMerge="1">
+                  <a:txBody>
+                    <a:bodyPr/>
+                    <a:lstStyle/>
+                    <a:p>
+                      <a:endParaRPr lang="en-US"/>
+                    </a:p>
+                  </a:txBody>
                   <a:tcPr marL="0" marR="0" marT="0" marB="0"/>
                 </a:tc>
+                <a:extLst>
+                  <a:ext uri="{0D108BD9-81ED-4DB2-BD59-A6C34878D82A}">
+                    <a16:rowId xmlns:a16="http://schemas.microsoft.com/office/drawing/2014/main" val="10000"/>
+                  </a:ext>
+                </a:extLst>
               </a:tr>
               <a:tr h="518127">
                 <a:tc>
@@ -24752,7 +25063,14 @@
                     </a:solidFill>
                   </a:tcPr>
                 </a:tc>
-                <a:tc vMerge="1" gridSpan="2">
+                <a:tc gridSpan="2" vMerge="1">
+                  <a:txBody>
+                    <a:bodyPr/>
+                    <a:lstStyle/>
+                    <a:p>
+                      <a:endParaRPr lang="en-US"/>
+                    </a:p>
+                  </a:txBody>
                   <a:tcPr marL="0" marR="0" marT="0" marB="0">
                     <a:lnR w="28575">
                       <a:solidFill>
@@ -24771,9 +25089,21 @@
                     </a:solidFill>
                   </a:tcPr>
                 </a:tc>
-                <a:tc vMerge="1" hMerge="1">
+                <a:tc hMerge="1" vMerge="1">
+                  <a:txBody>
+                    <a:bodyPr/>
+                    <a:lstStyle/>
+                    <a:p>
+                      <a:endParaRPr lang="en-US"/>
+                    </a:p>
+                  </a:txBody>
                   <a:tcPr marL="0" marR="0" marT="0" marB="0"/>
                 </a:tc>
+                <a:extLst>
+                  <a:ext uri="{0D108BD9-81ED-4DB2-BD59-A6C34878D82A}">
+                    <a16:rowId xmlns:a16="http://schemas.microsoft.com/office/drawing/2014/main" val="10001"/>
+                  </a:ext>
+                </a:extLst>
               </a:tr>
               <a:tr h="518487">
                 <a:tc>
@@ -24922,7 +25252,14 @@
                     </a:solidFill>
                   </a:tcPr>
                 </a:tc>
-                <a:tc vMerge="1" gridSpan="2">
+                <a:tc gridSpan="2" vMerge="1">
+                  <a:txBody>
+                    <a:bodyPr/>
+                    <a:lstStyle/>
+                    <a:p>
+                      <a:endParaRPr lang="en-US"/>
+                    </a:p>
+                  </a:txBody>
                   <a:tcPr marL="0" marR="0" marT="0" marB="0">
                     <a:lnR w="28575">
                       <a:solidFill>
@@ -24941,9 +25278,21 @@
                     </a:solidFill>
                   </a:tcPr>
                 </a:tc>
-                <a:tc vMerge="1" hMerge="1">
+                <a:tc hMerge="1" vMerge="1">
+                  <a:txBody>
+                    <a:bodyPr/>
+                    <a:lstStyle/>
+                    <a:p>
+                      <a:endParaRPr lang="en-US"/>
+                    </a:p>
+                  </a:txBody>
                   <a:tcPr marL="0" marR="0" marT="0" marB="0"/>
                 </a:tc>
+                <a:extLst>
+                  <a:ext uri="{0D108BD9-81ED-4DB2-BD59-A6C34878D82A}">
+                    <a16:rowId xmlns:a16="http://schemas.microsoft.com/office/drawing/2014/main" val="10002"/>
+                  </a:ext>
+                </a:extLst>
               </a:tr>
               <a:tr h="518118">
                 <a:tc>
@@ -25155,6 +25504,11 @@
                     </a:solidFill>
                   </a:tcPr>
                 </a:tc>
+                <a:extLst>
+                  <a:ext uri="{0D108BD9-81ED-4DB2-BD59-A6C34878D82A}">
+                    <a16:rowId xmlns:a16="http://schemas.microsoft.com/office/drawing/2014/main" val="10003"/>
+                  </a:ext>
+                </a:extLst>
               </a:tr>
               <a:tr h="521427">
                 <a:tc>
@@ -25415,6 +25769,11 @@
                     </a:solidFill>
                   </a:tcPr>
                 </a:tc>
+                <a:extLst>
+                  <a:ext uri="{0D108BD9-81ED-4DB2-BD59-A6C34878D82A}">
+                    <a16:rowId xmlns:a16="http://schemas.microsoft.com/office/drawing/2014/main" val="10004"/>
+                  </a:ext>
+                </a:extLst>
               </a:tr>
             </a:tbl>
           </a:graphicData>
@@ -25433,9 +25792,11 @@
         <p:spPr/>
         <p:txBody>
           <a:bodyPr/>
+          <a:lstStyle/>
           <a:p>
             <a:fld id="{B6F15528-21DE-4FAA-801E-634DDDAF4B2B}" type="slidenum">
               <a:rPr/>
+              <a:t>33</a:t>
             </a:fld>
             <a:endParaRPr/>
           </a:p>
@@ -25511,31 +25872,11 @@
         <p:txBody>
           <a:bodyPr wrap="square" lIns="0" tIns="0" rIns="0" bIns="0" rtlCol="0"/>
           <a:lstStyle/>
-          <a:p/>
+          <a:p>
+            <a:endParaRPr/>
+          </a:p>
         </p:txBody>
       </p:sp>
-      <p:pic>
-        <p:nvPicPr>
-          <p:cNvPr id="3" name="object 3"/>
-          <p:cNvPicPr/>
-          <p:nvPr/>
-        </p:nvPicPr>
-        <p:blipFill>
-          <a:blip r:embed="rId1" cstate="print"/>
-          <a:stretch>
-            <a:fillRect/>
-          </a:stretch>
-        </p:blipFill>
-        <p:spPr>
-          <a:xfrm>
-            <a:off x="11496293" y="6184734"/>
-            <a:ext cx="449821" cy="449821"/>
-          </a:xfrm>
-          <a:prstGeom prst="rect">
-            <a:avLst/>
-          </a:prstGeom>
-        </p:spPr>
-      </p:pic>
       <p:sp>
         <p:nvSpPr>
           <p:cNvPr id="4" name="object 4"/>
@@ -25987,7 +26328,7 @@
         </p:nvGraphicFramePr>
         <p:xfrm>
           <a:off x="669594" y="4200827"/>
-          <a:ext cx="9526270" cy="2580005"/>
+          <a:ext cx="9512932" cy="2554602"/>
         </p:xfrm>
         <a:graphic>
           <a:graphicData uri="http://schemas.openxmlformats.org/drawingml/2006/table">
@@ -25996,16 +26337,76 @@
                 <a:tableStyleId>{2D5ABB26-0587-4C30-8999-92F81FD0307C}</a:tableStyleId>
               </a:tblPr>
               <a:tblGrid>
-                <a:gridCol w="305435"/>
-                <a:gridCol w="364490"/>
-                <a:gridCol w="365125"/>
-                <a:gridCol w="5603240"/>
-                <a:gridCol w="914400"/>
-                <a:gridCol w="364490"/>
-                <a:gridCol w="365759"/>
-                <a:gridCol w="365125"/>
-                <a:gridCol w="365759"/>
-                <a:gridCol w="499109"/>
+                <a:gridCol w="305435">
+                  <a:extLst>
+                    <a:ext uri="{9D8B030D-6E8A-4147-A177-3AD203B41FA5}">
+                      <a16:colId xmlns:a16="http://schemas.microsoft.com/office/drawing/2014/main" val="20000"/>
+                    </a:ext>
+                  </a:extLst>
+                </a:gridCol>
+                <a:gridCol w="364490">
+                  <a:extLst>
+                    <a:ext uri="{9D8B030D-6E8A-4147-A177-3AD203B41FA5}">
+                      <a16:colId xmlns:a16="http://schemas.microsoft.com/office/drawing/2014/main" val="20001"/>
+                    </a:ext>
+                  </a:extLst>
+                </a:gridCol>
+                <a:gridCol w="365125">
+                  <a:extLst>
+                    <a:ext uri="{9D8B030D-6E8A-4147-A177-3AD203B41FA5}">
+                      <a16:colId xmlns:a16="http://schemas.microsoft.com/office/drawing/2014/main" val="20002"/>
+                    </a:ext>
+                  </a:extLst>
+                </a:gridCol>
+                <a:gridCol w="5603240">
+                  <a:extLst>
+                    <a:ext uri="{9D8B030D-6E8A-4147-A177-3AD203B41FA5}">
+                      <a16:colId xmlns:a16="http://schemas.microsoft.com/office/drawing/2014/main" val="20003"/>
+                    </a:ext>
+                  </a:extLst>
+                </a:gridCol>
+                <a:gridCol w="914400">
+                  <a:extLst>
+                    <a:ext uri="{9D8B030D-6E8A-4147-A177-3AD203B41FA5}">
+                      <a16:colId xmlns:a16="http://schemas.microsoft.com/office/drawing/2014/main" val="20004"/>
+                    </a:ext>
+                  </a:extLst>
+                </a:gridCol>
+                <a:gridCol w="364490">
+                  <a:extLst>
+                    <a:ext uri="{9D8B030D-6E8A-4147-A177-3AD203B41FA5}">
+                      <a16:colId xmlns:a16="http://schemas.microsoft.com/office/drawing/2014/main" val="20005"/>
+                    </a:ext>
+                  </a:extLst>
+                </a:gridCol>
+                <a:gridCol w="365759">
+                  <a:extLst>
+                    <a:ext uri="{9D8B030D-6E8A-4147-A177-3AD203B41FA5}">
+                      <a16:colId xmlns:a16="http://schemas.microsoft.com/office/drawing/2014/main" val="20006"/>
+                    </a:ext>
+                  </a:extLst>
+                </a:gridCol>
+                <a:gridCol w="365125">
+                  <a:extLst>
+                    <a:ext uri="{9D8B030D-6E8A-4147-A177-3AD203B41FA5}">
+                      <a16:colId xmlns:a16="http://schemas.microsoft.com/office/drawing/2014/main" val="20007"/>
+                    </a:ext>
+                  </a:extLst>
+                </a:gridCol>
+                <a:gridCol w="365759">
+                  <a:extLst>
+                    <a:ext uri="{9D8B030D-6E8A-4147-A177-3AD203B41FA5}">
+                      <a16:colId xmlns:a16="http://schemas.microsoft.com/office/drawing/2014/main" val="20008"/>
+                    </a:ext>
+                  </a:extLst>
+                </a:gridCol>
+                <a:gridCol w="499109">
+                  <a:extLst>
+                    <a:ext uri="{9D8B030D-6E8A-4147-A177-3AD203B41FA5}">
+                      <a16:colId xmlns:a16="http://schemas.microsoft.com/office/drawing/2014/main" val="20009"/>
+                    </a:ext>
+                  </a:extLst>
+                </a:gridCol>
               </a:tblGrid>
               <a:tr h="467059">
                 <a:tc rowSpan="2" gridSpan="2">
@@ -26031,6 +26432,13 @@
                   </a:tcPr>
                 </a:tc>
                 <a:tc rowSpan="2" hMerge="1">
+                  <a:txBody>
+                    <a:bodyPr/>
+                    <a:lstStyle/>
+                    <a:p>
+                      <a:endParaRPr lang="en-US"/>
+                    </a:p>
+                  </a:txBody>
                   <a:tcPr marL="0" marR="0" marT="0" marB="0"/>
                 </a:tc>
                 <a:tc>
@@ -26275,18 +26683,44 @@
                   </a:tcPr>
                 </a:tc>
                 <a:tc rowSpan="3" hMerge="1">
+                  <a:txBody>
+                    <a:bodyPr/>
+                    <a:lstStyle/>
+                    <a:p>
+                      <a:endParaRPr lang="en-US"/>
+                    </a:p>
+                  </a:txBody>
                   <a:tcPr marL="0" marR="0" marT="0" marB="0"/>
                 </a:tc>
+                <a:extLst>
+                  <a:ext uri="{0D108BD9-81ED-4DB2-BD59-A6C34878D82A}">
+                    <a16:rowId xmlns:a16="http://schemas.microsoft.com/office/drawing/2014/main" val="10000"/>
+                  </a:ext>
+                </a:extLst>
               </a:tr>
               <a:tr h="518487">
-                <a:tc vMerge="1" gridSpan="2">
+                <a:tc gridSpan="2" vMerge="1">
+                  <a:txBody>
+                    <a:bodyPr/>
+                    <a:lstStyle/>
+                    <a:p>
+                      <a:endParaRPr lang="en-US"/>
+                    </a:p>
+                  </a:txBody>
                   <a:tcPr marL="0" marR="0" marT="0" marB="0">
                     <a:solidFill>
                       <a:srgbClr val="E4E4E4"/>
                     </a:solidFill>
                   </a:tcPr>
                 </a:tc>
-                <a:tc vMerge="1" hMerge="1">
+                <a:tc hMerge="1" vMerge="1">
+                  <a:txBody>
+                    <a:bodyPr/>
+                    <a:lstStyle/>
+                    <a:p>
+                      <a:endParaRPr lang="en-US"/>
+                    </a:p>
+                  </a:txBody>
                   <a:tcPr marL="0" marR="0" marT="0" marB="0"/>
                 </a:tc>
                 <a:tc>
@@ -26485,7 +26919,14 @@
                     </a:solidFill>
                   </a:tcPr>
                 </a:tc>
-                <a:tc vMerge="1" gridSpan="2">
+                <a:tc gridSpan="2" vMerge="1">
+                  <a:txBody>
+                    <a:bodyPr/>
+                    <a:lstStyle/>
+                    <a:p>
+                      <a:endParaRPr lang="en-US"/>
+                    </a:p>
+                  </a:txBody>
                   <a:tcPr marL="0" marR="0" marT="0" marB="0">
                     <a:lnR w="28575">
                       <a:solidFill>
@@ -26504,9 +26945,21 @@
                     </a:solidFill>
                   </a:tcPr>
                 </a:tc>
-                <a:tc vMerge="1" hMerge="1">
+                <a:tc hMerge="1" vMerge="1">
+                  <a:txBody>
+                    <a:bodyPr/>
+                    <a:lstStyle/>
+                    <a:p>
+                      <a:endParaRPr lang="en-US"/>
+                    </a:p>
+                  </a:txBody>
                   <a:tcPr marL="0" marR="0" marT="0" marB="0"/>
                 </a:tc>
+                <a:extLst>
+                  <a:ext uri="{0D108BD9-81ED-4DB2-BD59-A6C34878D82A}">
+                    <a16:rowId xmlns:a16="http://schemas.microsoft.com/office/drawing/2014/main" val="10001"/>
+                  </a:ext>
+                </a:extLst>
               </a:tr>
               <a:tr h="518106">
                 <a:tc>
@@ -26762,7 +27215,14 @@
                     </a:solidFill>
                   </a:tcPr>
                 </a:tc>
-                <a:tc vMerge="1" gridSpan="2">
+                <a:tc gridSpan="2" vMerge="1">
+                  <a:txBody>
+                    <a:bodyPr/>
+                    <a:lstStyle/>
+                    <a:p>
+                      <a:endParaRPr lang="en-US"/>
+                    </a:p>
+                  </a:txBody>
                   <a:tcPr marL="0" marR="0" marT="0" marB="0">
                     <a:lnR w="28575">
                       <a:solidFill>
@@ -26781,9 +27241,21 @@
                     </a:solidFill>
                   </a:tcPr>
                 </a:tc>
-                <a:tc vMerge="1" hMerge="1">
+                <a:tc hMerge="1" vMerge="1">
+                  <a:txBody>
+                    <a:bodyPr/>
+                    <a:lstStyle/>
+                    <a:p>
+                      <a:endParaRPr lang="en-US"/>
+                    </a:p>
+                  </a:txBody>
                   <a:tcPr marL="0" marR="0" marT="0" marB="0"/>
                 </a:tc>
+                <a:extLst>
+                  <a:ext uri="{0D108BD9-81ED-4DB2-BD59-A6C34878D82A}">
+                    <a16:rowId xmlns:a16="http://schemas.microsoft.com/office/drawing/2014/main" val="10002"/>
+                  </a:ext>
+                </a:extLst>
               </a:tr>
               <a:tr h="529455">
                 <a:tc>
@@ -27102,6 +27574,11 @@
                     </a:solidFill>
                   </a:tcPr>
                 </a:tc>
+                <a:extLst>
+                  <a:ext uri="{0D108BD9-81ED-4DB2-BD59-A6C34878D82A}">
+                    <a16:rowId xmlns:a16="http://schemas.microsoft.com/office/drawing/2014/main" val="10003"/>
+                  </a:ext>
+                </a:extLst>
               </a:tr>
               <a:tr h="521495">
                 <a:tc>
@@ -27456,6 +27933,11 @@
                     </a:solidFill>
                   </a:tcPr>
                 </a:tc>
+                <a:extLst>
+                  <a:ext uri="{0D108BD9-81ED-4DB2-BD59-A6C34878D82A}">
+                    <a16:rowId xmlns:a16="http://schemas.microsoft.com/office/drawing/2014/main" val="10004"/>
+                  </a:ext>
+                </a:extLst>
               </a:tr>
             </a:tbl>
           </a:graphicData>
@@ -27496,9 +27978,11 @@
         <p:spPr/>
         <p:txBody>
           <a:bodyPr/>
+          <a:lstStyle/>
           <a:p>
             <a:fld id="{B6F15528-21DE-4FAA-801E-634DDDAF4B2B}" type="slidenum">
               <a:rPr/>
+              <a:t>34</a:t>
             </a:fld>
             <a:endParaRPr/>
           </a:p>
@@ -27566,7 +28050,9 @@
         <p:txBody>
           <a:bodyPr wrap="square" lIns="0" tIns="0" rIns="0" bIns="0" rtlCol="0"/>
           <a:lstStyle/>
-          <a:p/>
+          <a:p>
+            <a:endParaRPr/>
+          </a:p>
         </p:txBody>
       </p:sp>
       <p:pic>
@@ -27576,7 +28062,7 @@
           <p:nvPr/>
         </p:nvPicPr>
         <p:blipFill>
-          <a:blip r:embed="rId1" cstate="print"/>
+          <a:blip r:embed="rId2" cstate="print"/>
           <a:stretch>
             <a:fillRect/>
           </a:stretch>
@@ -27598,7 +28084,7 @@
           <p:nvPr/>
         </p:nvPicPr>
         <p:blipFill>
-          <a:blip r:embed="rId2" cstate="print"/>
+          <a:blip r:embed="rId3" cstate="print"/>
           <a:stretch>
             <a:fillRect/>
           </a:stretch>
@@ -27680,7 +28166,7 @@
             <p:nvPr/>
           </p:nvPicPr>
           <p:blipFill>
-            <a:blip r:embed="rId3" cstate="print"/>
+            <a:blip r:embed="rId4" cstate="print"/>
             <a:stretch>
               <a:fillRect/>
             </a:stretch>
@@ -27702,7 +28188,7 @@
             <p:nvPr/>
           </p:nvPicPr>
           <p:blipFill>
-            <a:blip r:embed="rId4" cstate="print"/>
+            <a:blip r:embed="rId5" cstate="print"/>
             <a:stretch>
               <a:fillRect/>
             </a:stretch>
@@ -27724,7 +28210,7 @@
             <p:nvPr/>
           </p:nvPicPr>
           <p:blipFill>
-            <a:blip r:embed="rId5" cstate="print"/>
+            <a:blip r:embed="rId6" cstate="print"/>
             <a:stretch>
               <a:fillRect/>
             </a:stretch>
@@ -27747,7 +28233,7 @@
           <p:nvPr/>
         </p:nvPicPr>
         <p:blipFill>
-          <a:blip r:embed="rId6" cstate="print"/>
+          <a:blip r:embed="rId7" cstate="print"/>
           <a:stretch>
             <a:fillRect/>
           </a:stretch>
@@ -27901,7 +28387,7 @@
             <p:nvPr/>
           </p:nvPicPr>
           <p:blipFill>
-            <a:blip r:embed="rId7" cstate="print"/>
+            <a:blip r:embed="rId8" cstate="print"/>
             <a:stretch>
               <a:fillRect/>
             </a:stretch>
@@ -27923,7 +28409,7 @@
             <p:nvPr/>
           </p:nvPicPr>
           <p:blipFill>
-            <a:blip r:embed="rId8" cstate="print"/>
+            <a:blip r:embed="rId9" cstate="print"/>
             <a:stretch>
               <a:fillRect/>
             </a:stretch>
@@ -27960,7 +28446,7 @@
             <p:nvPr/>
           </p:nvPicPr>
           <p:blipFill>
-            <a:blip r:embed="rId9" cstate="print"/>
+            <a:blip r:embed="rId10" cstate="print"/>
             <a:stretch>
               <a:fillRect/>
             </a:stretch>
@@ -27982,7 +28468,7 @@
             <p:nvPr/>
           </p:nvPicPr>
           <p:blipFill>
-            <a:blip r:embed="rId10" cstate="print"/>
+            <a:blip r:embed="rId11" cstate="print"/>
             <a:stretch>
               <a:fillRect/>
             </a:stretch>
@@ -28019,7 +28505,7 @@
             <p:nvPr/>
           </p:nvPicPr>
           <p:blipFill>
-            <a:blip r:embed="rId11" cstate="print"/>
+            <a:blip r:embed="rId12" cstate="print"/>
             <a:stretch>
               <a:fillRect/>
             </a:stretch>
@@ -28041,7 +28527,7 @@
             <p:nvPr/>
           </p:nvPicPr>
           <p:blipFill>
-            <a:blip r:embed="rId12" cstate="print"/>
+            <a:blip r:embed="rId13" cstate="print"/>
             <a:stretch>
               <a:fillRect/>
             </a:stretch>
@@ -28063,7 +28549,7 @@
             <p:nvPr/>
           </p:nvPicPr>
           <p:blipFill>
-            <a:blip r:embed="rId13" cstate="print"/>
+            <a:blip r:embed="rId14" cstate="print"/>
             <a:stretch>
               <a:fillRect/>
             </a:stretch>
@@ -28085,7 +28571,7 @@
             <p:nvPr/>
           </p:nvPicPr>
           <p:blipFill>
-            <a:blip r:embed="rId14" cstate="print"/>
+            <a:blip r:embed="rId15" cstate="print"/>
             <a:stretch>
               <a:fillRect/>
             </a:stretch>
@@ -28108,7 +28594,7 @@
           <p:nvPr/>
         </p:nvPicPr>
         <p:blipFill>
-          <a:blip r:embed="rId15" cstate="print"/>
+          <a:blip r:embed="rId16" cstate="print"/>
           <a:stretch>
             <a:fillRect/>
           </a:stretch>
@@ -28144,7 +28630,7 @@
             <p:nvPr/>
           </p:nvPicPr>
           <p:blipFill>
-            <a:blip r:embed="rId16" cstate="print"/>
+            <a:blip r:embed="rId17" cstate="print"/>
             <a:stretch>
               <a:fillRect/>
             </a:stretch>
@@ -28166,7 +28652,7 @@
             <p:nvPr/>
           </p:nvPicPr>
           <p:blipFill>
-            <a:blip r:embed="rId17" cstate="print"/>
+            <a:blip r:embed="rId18" cstate="print"/>
             <a:stretch>
               <a:fillRect/>
             </a:stretch>
@@ -28188,7 +28674,7 @@
             <p:nvPr/>
           </p:nvPicPr>
           <p:blipFill>
-            <a:blip r:embed="rId18" cstate="print"/>
+            <a:blip r:embed="rId19" cstate="print"/>
             <a:stretch>
               <a:fillRect/>
             </a:stretch>
@@ -28210,7 +28696,7 @@
             <p:nvPr/>
           </p:nvPicPr>
           <p:blipFill>
-            <a:blip r:embed="rId19" cstate="print"/>
+            <a:blip r:embed="rId20" cstate="print"/>
             <a:stretch>
               <a:fillRect/>
             </a:stretch>
@@ -28239,9 +28725,11 @@
         <p:spPr/>
         <p:txBody>
           <a:bodyPr/>
+          <a:lstStyle/>
           <a:p>
             <a:fld id="{B6F15528-21DE-4FAA-801E-634DDDAF4B2B}" type="slidenum">
               <a:rPr/>
+              <a:t>35</a:t>
             </a:fld>
             <a:endParaRPr/>
           </a:p>
@@ -28309,7 +28797,9 @@
         <p:txBody>
           <a:bodyPr wrap="square" lIns="0" tIns="0" rIns="0" bIns="0" rtlCol="0"/>
           <a:lstStyle/>
-          <a:p/>
+          <a:p>
+            <a:endParaRPr/>
+          </a:p>
         </p:txBody>
       </p:sp>
       <p:sp>
@@ -28349,7 +28839,9 @@
         <p:txBody>
           <a:bodyPr wrap="square" lIns="0" tIns="0" rIns="0" bIns="0" rtlCol="0"/>
           <a:lstStyle/>
-          <a:p/>
+          <a:p>
+            <a:endParaRPr/>
+          </a:p>
         </p:txBody>
       </p:sp>
       <p:sp>
@@ -28389,7 +28881,9 @@
         <p:txBody>
           <a:bodyPr wrap="square" lIns="0" tIns="0" rIns="0" bIns="0" rtlCol="0"/>
           <a:lstStyle/>
-          <a:p/>
+          <a:p>
+            <a:endParaRPr/>
+          </a:p>
         </p:txBody>
       </p:sp>
       <p:pic>
@@ -28399,7 +28893,7 @@
           <p:nvPr/>
         </p:nvPicPr>
         <p:blipFill>
-          <a:blip r:embed="rId1" cstate="print"/>
+          <a:blip r:embed="rId2" cstate="print"/>
           <a:stretch>
             <a:fillRect/>
           </a:stretch>
@@ -28421,7 +28915,7 @@
           <p:nvPr/>
         </p:nvPicPr>
         <p:blipFill>
-          <a:blip r:embed="rId2" cstate="print"/>
+          <a:blip r:embed="rId3" cstate="print"/>
           <a:stretch>
             <a:fillRect/>
           </a:stretch>
@@ -28513,7 +29007,7 @@
           <p:nvPr/>
         </p:nvPicPr>
         <p:blipFill>
-          <a:blip r:embed="rId3" cstate="print"/>
+          <a:blip r:embed="rId4" cstate="print"/>
           <a:stretch>
             <a:fillRect/>
           </a:stretch>
@@ -28535,7 +29029,7 @@
           <p:nvPr/>
         </p:nvPicPr>
         <p:blipFill>
-          <a:blip r:embed="rId4" cstate="print"/>
+          <a:blip r:embed="rId5" cstate="print"/>
           <a:stretch>
             <a:fillRect/>
           </a:stretch>
@@ -28557,7 +29051,7 @@
           <p:nvPr/>
         </p:nvPicPr>
         <p:blipFill>
-          <a:blip r:embed="rId5" cstate="print"/>
+          <a:blip r:embed="rId6" cstate="print"/>
           <a:stretch>
             <a:fillRect/>
           </a:stretch>
@@ -28579,7 +29073,7 @@
           <p:nvPr/>
         </p:nvPicPr>
         <p:blipFill>
-          <a:blip r:embed="rId6" cstate="print"/>
+          <a:blip r:embed="rId7" cstate="print"/>
           <a:stretch>
             <a:fillRect/>
           </a:stretch>
@@ -28615,7 +29109,7 @@
             <p:nvPr/>
           </p:nvPicPr>
           <p:blipFill>
-            <a:blip r:embed="rId7" cstate="print"/>
+            <a:blip r:embed="rId8" cstate="print"/>
             <a:stretch>
               <a:fillRect/>
             </a:stretch>
@@ -28637,7 +29131,7 @@
             <p:nvPr/>
           </p:nvPicPr>
           <p:blipFill>
-            <a:blip r:embed="rId8" cstate="print"/>
+            <a:blip r:embed="rId9" cstate="print"/>
             <a:stretch>
               <a:fillRect/>
             </a:stretch>
@@ -28659,7 +29153,7 @@
             <p:nvPr/>
           </p:nvPicPr>
           <p:blipFill>
-            <a:blip r:embed="rId9" cstate="print"/>
+            <a:blip r:embed="rId10" cstate="print"/>
             <a:stretch>
               <a:fillRect/>
             </a:stretch>
@@ -28696,7 +29190,7 @@
             <p:nvPr/>
           </p:nvPicPr>
           <p:blipFill>
-            <a:blip r:embed="rId10" cstate="print"/>
+            <a:blip r:embed="rId11" cstate="print"/>
             <a:stretch>
               <a:fillRect/>
             </a:stretch>
@@ -28756,7 +29250,9 @@
           <p:txBody>
             <a:bodyPr wrap="square" lIns="0" tIns="0" rIns="0" bIns="0" rtlCol="0"/>
             <a:lstStyle/>
-            <a:p/>
+            <a:p>
+              <a:endParaRPr/>
+            </a:p>
           </p:txBody>
         </p:sp>
         <p:sp>
@@ -28806,7 +29302,9 @@
           <p:txBody>
             <a:bodyPr wrap="square" lIns="0" tIns="0" rIns="0" bIns="0" rtlCol="0"/>
             <a:lstStyle/>
-            <a:p/>
+            <a:p>
+              <a:endParaRPr/>
+            </a:p>
           </p:txBody>
         </p:sp>
         <p:sp>
@@ -28854,7 +29352,9 @@
           <p:txBody>
             <a:bodyPr wrap="square" lIns="0" tIns="0" rIns="0" bIns="0" rtlCol="0"/>
             <a:lstStyle/>
-            <a:p/>
+            <a:p>
+              <a:endParaRPr/>
+            </a:p>
           </p:txBody>
         </p:sp>
         <p:sp>
@@ -28904,7 +29404,9 @@
           <p:txBody>
             <a:bodyPr wrap="square" lIns="0" tIns="0" rIns="0" bIns="0" rtlCol="0"/>
             <a:lstStyle/>
-            <a:p/>
+            <a:p>
+              <a:endParaRPr/>
+            </a:p>
           </p:txBody>
         </p:sp>
       </p:grpSp>
@@ -28929,7 +29431,7 @@
             <p:nvPr/>
           </p:nvPicPr>
           <p:blipFill>
-            <a:blip r:embed="rId11" cstate="print"/>
+            <a:blip r:embed="rId12" cstate="print"/>
             <a:stretch>
               <a:fillRect/>
             </a:stretch>
@@ -28951,7 +29453,7 @@
             <p:nvPr/>
           </p:nvPicPr>
           <p:blipFill>
-            <a:blip r:embed="rId12" cstate="print"/>
+            <a:blip r:embed="rId13" cstate="print"/>
             <a:stretch>
               <a:fillRect/>
             </a:stretch>
@@ -29342,9 +29844,11 @@
         <p:spPr/>
         <p:txBody>
           <a:bodyPr/>
+          <a:lstStyle/>
           <a:p>
             <a:fld id="{B6F15528-21DE-4FAA-801E-634DDDAF4B2B}" type="slidenum">
               <a:rPr/>
+              <a:t>36</a:t>
             </a:fld>
             <a:endParaRPr/>
           </a:p>
@@ -29412,7 +29916,9 @@
         <p:txBody>
           <a:bodyPr wrap="square" lIns="0" tIns="0" rIns="0" bIns="0" rtlCol="0"/>
           <a:lstStyle/>
-          <a:p/>
+          <a:p>
+            <a:endParaRPr/>
+          </a:p>
         </p:txBody>
       </p:sp>
       <p:pic>
@@ -29422,7 +29928,7 @@
           <p:nvPr/>
         </p:nvPicPr>
         <p:blipFill>
-          <a:blip r:embed="rId1" cstate="print"/>
+          <a:blip r:embed="rId2" cstate="print"/>
           <a:stretch>
             <a:fillRect/>
           </a:stretch>
@@ -29444,7 +29950,7 @@
           <p:nvPr/>
         </p:nvPicPr>
         <p:blipFill>
-          <a:blip r:embed="rId2" cstate="print"/>
+          <a:blip r:embed="rId3" cstate="print"/>
           <a:stretch>
             <a:fillRect/>
           </a:stretch>
@@ -29466,7 +29972,7 @@
           <p:nvPr/>
         </p:nvPicPr>
         <p:blipFill>
-          <a:blip r:embed="rId3" cstate="print"/>
+          <a:blip r:embed="rId4" cstate="print"/>
           <a:stretch>
             <a:fillRect/>
           </a:stretch>
@@ -29488,7 +29994,7 @@
           <p:nvPr/>
         </p:nvPicPr>
         <p:blipFill>
-          <a:blip r:embed="rId4" cstate="print"/>
+          <a:blip r:embed="rId5" cstate="print"/>
           <a:stretch>
             <a:fillRect/>
           </a:stretch>
@@ -29510,7 +30016,7 @@
           <p:nvPr/>
         </p:nvPicPr>
         <p:blipFill>
-          <a:blip r:embed="rId5" cstate="print"/>
+          <a:blip r:embed="rId6" cstate="print"/>
           <a:stretch>
             <a:fillRect/>
           </a:stretch>
@@ -29532,7 +30038,7 @@
           <p:nvPr/>
         </p:nvPicPr>
         <p:blipFill>
-          <a:blip r:embed="rId6" cstate="print"/>
+          <a:blip r:embed="rId7" cstate="print"/>
           <a:stretch>
             <a:fillRect/>
           </a:stretch>
@@ -29554,7 +30060,7 @@
           <p:nvPr/>
         </p:nvPicPr>
         <p:blipFill>
-          <a:blip r:embed="rId7" cstate="print"/>
+          <a:blip r:embed="rId8" cstate="print"/>
           <a:stretch>
             <a:fillRect/>
           </a:stretch>
@@ -29576,7 +30082,7 @@
           <p:nvPr/>
         </p:nvPicPr>
         <p:blipFill>
-          <a:blip r:embed="rId8" cstate="print"/>
+          <a:blip r:embed="rId9" cstate="print"/>
           <a:stretch>
             <a:fillRect/>
           </a:stretch>
@@ -29598,7 +30104,7 @@
           <p:nvPr/>
         </p:nvPicPr>
         <p:blipFill>
-          <a:blip r:embed="rId9" cstate="print"/>
+          <a:blip r:embed="rId10" cstate="print"/>
           <a:stretch>
             <a:fillRect/>
           </a:stretch>
@@ -29620,7 +30126,7 @@
           <p:nvPr/>
         </p:nvPicPr>
         <p:blipFill>
-          <a:blip r:embed="rId10" cstate="print"/>
+          <a:blip r:embed="rId11" cstate="print"/>
           <a:stretch>
             <a:fillRect/>
           </a:stretch>
@@ -29904,7 +30410,7 @@
           <p:nvPr/>
         </p:nvPicPr>
         <p:blipFill>
-          <a:blip r:embed="rId11" cstate="print"/>
+          <a:blip r:embed="rId12" cstate="print"/>
           <a:stretch>
             <a:fillRect/>
           </a:stretch>
@@ -29926,7 +30432,7 @@
           <p:nvPr/>
         </p:nvPicPr>
         <p:blipFill>
-          <a:blip r:embed="rId12" cstate="print"/>
+          <a:blip r:embed="rId13" cstate="print"/>
           <a:stretch>
             <a:fillRect/>
           </a:stretch>
@@ -29948,7 +30454,7 @@
           <p:nvPr/>
         </p:nvPicPr>
         <p:blipFill>
-          <a:blip r:embed="rId13" cstate="print"/>
+          <a:blip r:embed="rId14" cstate="print"/>
           <a:stretch>
             <a:fillRect/>
           </a:stretch>
@@ -29976,9 +30482,11 @@
         <p:spPr/>
         <p:txBody>
           <a:bodyPr/>
+          <a:lstStyle/>
           <a:p>
             <a:fld id="{B6F15528-21DE-4FAA-801E-634DDDAF4B2B}" type="slidenum">
               <a:rPr/>
+              <a:t>37</a:t>
             </a:fld>
             <a:endParaRPr/>
           </a:p>
@@ -30054,31 +30562,11 @@
         <p:txBody>
           <a:bodyPr wrap="square" lIns="0" tIns="0" rIns="0" bIns="0" rtlCol="0"/>
           <a:lstStyle/>
-          <a:p/>
+          <a:p>
+            <a:endParaRPr/>
+          </a:p>
         </p:txBody>
       </p:sp>
-      <p:pic>
-        <p:nvPicPr>
-          <p:cNvPr id="3" name="object 3"/>
-          <p:cNvPicPr/>
-          <p:nvPr/>
-        </p:nvPicPr>
-        <p:blipFill>
-          <a:blip r:embed="rId1" cstate="print"/>
-          <a:stretch>
-            <a:fillRect/>
-          </a:stretch>
-        </p:blipFill>
-        <p:spPr>
-          <a:xfrm>
-            <a:off x="11496293" y="6184734"/>
-            <a:ext cx="449821" cy="449821"/>
-          </a:xfrm>
-          <a:prstGeom prst="rect">
-            <a:avLst/>
-          </a:prstGeom>
-        </p:spPr>
-      </p:pic>
       <p:sp>
         <p:nvSpPr>
           <p:cNvPr id="4" name="object 4"/>
@@ -30641,9 +31129,11 @@
         <p:spPr/>
         <p:txBody>
           <a:bodyPr/>
+          <a:lstStyle/>
           <a:p>
             <a:fld id="{B6F15528-21DE-4FAA-801E-634DDDAF4B2B}" type="slidenum">
               <a:rPr/>
+              <a:t>38</a:t>
             </a:fld>
             <a:endParaRPr/>
           </a:p>
@@ -30719,31 +31209,11 @@
         <p:txBody>
           <a:bodyPr wrap="square" lIns="0" tIns="0" rIns="0" bIns="0" rtlCol="0"/>
           <a:lstStyle/>
-          <a:p/>
+          <a:p>
+            <a:endParaRPr/>
+          </a:p>
         </p:txBody>
       </p:sp>
-      <p:pic>
-        <p:nvPicPr>
-          <p:cNvPr id="3" name="object 3"/>
-          <p:cNvPicPr/>
-          <p:nvPr/>
-        </p:nvPicPr>
-        <p:blipFill>
-          <a:blip r:embed="rId1" cstate="print"/>
-          <a:stretch>
-            <a:fillRect/>
-          </a:stretch>
-        </p:blipFill>
-        <p:spPr>
-          <a:xfrm>
-            <a:off x="11496293" y="6184734"/>
-            <a:ext cx="449821" cy="449821"/>
-          </a:xfrm>
-          <a:prstGeom prst="rect">
-            <a:avLst/>
-          </a:prstGeom>
-        </p:spPr>
-      </p:pic>
       <p:sp>
         <p:nvSpPr>
           <p:cNvPr id="4" name="object 4"/>
@@ -31168,9 +31638,11 @@
         <p:spPr/>
         <p:txBody>
           <a:bodyPr/>
+          <a:lstStyle/>
           <a:p>
             <a:fld id="{B6F15528-21DE-4FAA-801E-634DDDAF4B2B}" type="slidenum">
               <a:rPr/>
+              <a:t>39</a:t>
             </a:fld>
             <a:endParaRPr/>
           </a:p>
@@ -31238,7 +31710,9 @@
         <p:txBody>
           <a:bodyPr wrap="square" lIns="0" tIns="0" rIns="0" bIns="0" rtlCol="0"/>
           <a:lstStyle/>
-          <a:p/>
+          <a:p>
+            <a:endParaRPr/>
+          </a:p>
         </p:txBody>
       </p:sp>
       <p:pic>
@@ -31248,7 +31722,7 @@
           <p:nvPr/>
         </p:nvPicPr>
         <p:blipFill>
-          <a:blip r:embed="rId1" cstate="print"/>
+          <a:blip r:embed="rId2" cstate="print"/>
           <a:stretch>
             <a:fillRect/>
           </a:stretch>
@@ -31270,7 +31744,7 @@
           <p:nvPr/>
         </p:nvPicPr>
         <p:blipFill>
-          <a:blip r:embed="rId2" cstate="print"/>
+          <a:blip r:embed="rId3" cstate="print"/>
           <a:stretch>
             <a:fillRect/>
           </a:stretch>
@@ -31408,7 +31882,7 @@
           <p:nvPr/>
         </p:nvPicPr>
         <p:blipFill>
-          <a:blip r:embed="rId3" cstate="print"/>
+          <a:blip r:embed="rId4" cstate="print"/>
           <a:stretch>
             <a:fillRect/>
           </a:stretch>
@@ -31444,7 +31918,7 @@
             <p:nvPr/>
           </p:nvPicPr>
           <p:blipFill>
-            <a:blip r:embed="rId4" cstate="print"/>
+            <a:blip r:embed="rId5" cstate="print"/>
             <a:stretch>
               <a:fillRect/>
             </a:stretch>
@@ -31466,7 +31940,7 @@
             <p:nvPr/>
           </p:nvPicPr>
           <p:blipFill>
-            <a:blip r:embed="rId5" cstate="print"/>
+            <a:blip r:embed="rId6" cstate="print"/>
             <a:stretch>
               <a:fillRect/>
             </a:stretch>
@@ -31503,7 +31977,7 @@
             <p:nvPr/>
           </p:nvPicPr>
           <p:blipFill>
-            <a:blip r:embed="rId6" cstate="print"/>
+            <a:blip r:embed="rId7" cstate="print"/>
             <a:stretch>
               <a:fillRect/>
             </a:stretch>
@@ -31525,7 +31999,7 @@
             <p:nvPr/>
           </p:nvPicPr>
           <p:blipFill>
-            <a:blip r:embed="rId7" cstate="print"/>
+            <a:blip r:embed="rId8" cstate="print"/>
             <a:stretch>
               <a:fillRect/>
             </a:stretch>
@@ -31547,7 +32021,7 @@
             <p:nvPr/>
           </p:nvPicPr>
           <p:blipFill>
-            <a:blip r:embed="rId8" cstate="print"/>
+            <a:blip r:embed="rId9" cstate="print"/>
             <a:stretch>
               <a:fillRect/>
             </a:stretch>
@@ -31569,7 +32043,7 @@
             <p:nvPr/>
           </p:nvPicPr>
           <p:blipFill>
-            <a:blip r:embed="rId9" cstate="print"/>
+            <a:blip r:embed="rId10" cstate="print"/>
             <a:stretch>
               <a:fillRect/>
             </a:stretch>
@@ -31592,7 +32066,7 @@
           <p:nvPr/>
         </p:nvPicPr>
         <p:blipFill>
-          <a:blip r:embed="rId10" cstate="print"/>
+          <a:blip r:embed="rId11" cstate="print"/>
           <a:stretch>
             <a:fillRect/>
           </a:stretch>
@@ -31620,9 +32094,11 @@
         <p:spPr/>
         <p:txBody>
           <a:bodyPr/>
+          <a:lstStyle/>
           <a:p>
             <a:fld id="{B6F15528-21DE-4FAA-801E-634DDDAF4B2B}" type="slidenum">
               <a:rPr/>
+              <a:t>4</a:t>
             </a:fld>
             <a:endParaRPr/>
           </a:p>
@@ -31690,7 +32166,9 @@
         <p:txBody>
           <a:bodyPr wrap="square" lIns="0" tIns="0" rIns="0" bIns="0" rtlCol="0"/>
           <a:lstStyle/>
-          <a:p/>
+          <a:p>
+            <a:endParaRPr/>
+          </a:p>
         </p:txBody>
       </p:sp>
       <p:pic>
@@ -31700,7 +32178,7 @@
           <p:nvPr/>
         </p:nvPicPr>
         <p:blipFill>
-          <a:blip r:embed="rId1" cstate="print"/>
+          <a:blip r:embed="rId2" cstate="print"/>
           <a:stretch>
             <a:fillRect/>
           </a:stretch>
@@ -31722,7 +32200,7 @@
           <p:nvPr/>
         </p:nvPicPr>
         <p:blipFill>
-          <a:blip r:embed="rId2" cstate="print"/>
+          <a:blip r:embed="rId3" cstate="print"/>
           <a:stretch>
             <a:fillRect/>
           </a:stretch>
@@ -31744,7 +32222,7 @@
           <p:nvPr/>
         </p:nvPicPr>
         <p:blipFill>
-          <a:blip r:embed="rId3" cstate="print"/>
+          <a:blip r:embed="rId4" cstate="print"/>
           <a:stretch>
             <a:fillRect/>
           </a:stretch>
@@ -31766,7 +32244,7 @@
           <p:nvPr/>
         </p:nvPicPr>
         <p:blipFill>
-          <a:blip r:embed="rId4" cstate="print"/>
+          <a:blip r:embed="rId5" cstate="print"/>
           <a:stretch>
             <a:fillRect/>
           </a:stretch>
@@ -31788,7 +32266,7 @@
           <p:nvPr/>
         </p:nvPicPr>
         <p:blipFill>
-          <a:blip r:embed="rId5" cstate="print"/>
+          <a:blip r:embed="rId6" cstate="print"/>
           <a:stretch>
             <a:fillRect/>
           </a:stretch>
@@ -31810,7 +32288,7 @@
           <p:nvPr/>
         </p:nvPicPr>
         <p:blipFill>
-          <a:blip r:embed="rId6" cstate="print"/>
+          <a:blip r:embed="rId7" cstate="print"/>
           <a:stretch>
             <a:fillRect/>
           </a:stretch>
@@ -31974,7 +32452,7 @@
           <p:nvPr/>
         </p:nvPicPr>
         <p:blipFill>
-          <a:blip r:embed="rId7" cstate="print"/>
+          <a:blip r:embed="rId8" cstate="print"/>
           <a:stretch>
             <a:fillRect/>
           </a:stretch>
@@ -31996,7 +32474,7 @@
           <p:nvPr/>
         </p:nvPicPr>
         <p:blipFill>
-          <a:blip r:embed="rId8" cstate="print"/>
+          <a:blip r:embed="rId9" cstate="print"/>
           <a:stretch>
             <a:fillRect/>
           </a:stretch>
@@ -32024,9 +32502,11 @@
         <p:spPr/>
         <p:txBody>
           <a:bodyPr/>
+          <a:lstStyle/>
           <a:p>
             <a:fld id="{B6F15528-21DE-4FAA-801E-634DDDAF4B2B}" type="slidenum">
               <a:rPr/>
+              <a:t>40</a:t>
             </a:fld>
             <a:endParaRPr/>
           </a:p>
@@ -32094,7 +32574,9 @@
         <p:txBody>
           <a:bodyPr wrap="square" lIns="0" tIns="0" rIns="0" bIns="0" rtlCol="0"/>
           <a:lstStyle/>
-          <a:p/>
+          <a:p>
+            <a:endParaRPr/>
+          </a:p>
         </p:txBody>
       </p:sp>
       <p:pic>
@@ -32104,7 +32586,7 @@
           <p:nvPr/>
         </p:nvPicPr>
         <p:blipFill>
-          <a:blip r:embed="rId1" cstate="print"/>
+          <a:blip r:embed="rId2" cstate="print"/>
           <a:stretch>
             <a:fillRect/>
           </a:stretch>
@@ -32126,7 +32608,7 @@
           <p:nvPr/>
         </p:nvPicPr>
         <p:blipFill>
-          <a:blip r:embed="rId2" cstate="print"/>
+          <a:blip r:embed="rId3" cstate="print"/>
           <a:stretch>
             <a:fillRect/>
           </a:stretch>
@@ -32218,7 +32700,7 @@
           <p:nvPr/>
         </p:nvPicPr>
         <p:blipFill>
-          <a:blip r:embed="rId3" cstate="print"/>
+          <a:blip r:embed="rId4" cstate="print"/>
           <a:stretch>
             <a:fillRect/>
           </a:stretch>
@@ -32240,7 +32722,7 @@
           <p:nvPr/>
         </p:nvPicPr>
         <p:blipFill>
-          <a:blip r:embed="rId4" cstate="print"/>
+          <a:blip r:embed="rId5" cstate="print"/>
           <a:stretch>
             <a:fillRect/>
           </a:stretch>
@@ -32262,7 +32744,7 @@
           <p:nvPr/>
         </p:nvPicPr>
         <p:blipFill>
-          <a:blip r:embed="rId5" cstate="print"/>
+          <a:blip r:embed="rId6" cstate="print"/>
           <a:stretch>
             <a:fillRect/>
           </a:stretch>
@@ -32298,7 +32780,7 @@
             <p:nvPr/>
           </p:nvPicPr>
           <p:blipFill>
-            <a:blip r:embed="rId6" cstate="print"/>
+            <a:blip r:embed="rId7" cstate="print"/>
             <a:stretch>
               <a:fillRect/>
             </a:stretch>
@@ -32320,7 +32802,7 @@
             <p:nvPr/>
           </p:nvPicPr>
           <p:blipFill>
-            <a:blip r:embed="rId7" cstate="print"/>
+            <a:blip r:embed="rId8" cstate="print"/>
             <a:stretch>
               <a:fillRect/>
             </a:stretch>
@@ -32342,7 +32824,7 @@
             <p:nvPr/>
           </p:nvPicPr>
           <p:blipFill>
-            <a:blip r:embed="rId8" cstate="print"/>
+            <a:blip r:embed="rId9" cstate="print"/>
             <a:stretch>
               <a:fillRect/>
             </a:stretch>
@@ -32365,7 +32847,7 @@
           <p:nvPr/>
         </p:nvPicPr>
         <p:blipFill>
-          <a:blip r:embed="rId9" cstate="print"/>
+          <a:blip r:embed="rId10" cstate="print"/>
           <a:stretch>
             <a:fillRect/>
           </a:stretch>
@@ -32481,7 +32963,7 @@
           <p:nvPr/>
         </p:nvPicPr>
         <p:blipFill>
-          <a:blip r:embed="rId10" cstate="print"/>
+          <a:blip r:embed="rId11" cstate="print"/>
           <a:stretch>
             <a:fillRect/>
           </a:stretch>
@@ -32517,7 +32999,7 @@
             <p:nvPr/>
           </p:nvPicPr>
           <p:blipFill>
-            <a:blip r:embed="rId11" cstate="print"/>
+            <a:blip r:embed="rId12" cstate="print"/>
             <a:stretch>
               <a:fillRect/>
             </a:stretch>
@@ -32539,7 +33021,7 @@
             <p:nvPr/>
           </p:nvPicPr>
           <p:blipFill>
-            <a:blip r:embed="rId12" cstate="print"/>
+            <a:blip r:embed="rId13" cstate="print"/>
             <a:stretch>
               <a:fillRect/>
             </a:stretch>
@@ -32568,9 +33050,11 @@
         <p:spPr/>
         <p:txBody>
           <a:bodyPr/>
+          <a:lstStyle/>
           <a:p>
             <a:fld id="{B6F15528-21DE-4FAA-801E-634DDDAF4B2B}" type="slidenum">
               <a:rPr/>
+              <a:t>41</a:t>
             </a:fld>
             <a:endParaRPr/>
           </a:p>
@@ -32638,7 +33122,9 @@
         <p:txBody>
           <a:bodyPr wrap="square" lIns="0" tIns="0" rIns="0" bIns="0" rtlCol="0"/>
           <a:lstStyle/>
-          <a:p/>
+          <a:p>
+            <a:endParaRPr/>
+          </a:p>
         </p:txBody>
       </p:sp>
       <p:pic>
@@ -32648,7 +33134,7 @@
           <p:nvPr/>
         </p:nvPicPr>
         <p:blipFill>
-          <a:blip r:embed="rId1" cstate="print"/>
+          <a:blip r:embed="rId3" cstate="print"/>
           <a:stretch>
             <a:fillRect/>
           </a:stretch>
@@ -32670,7 +33156,7 @@
           <p:nvPr/>
         </p:nvPicPr>
         <p:blipFill>
-          <a:blip r:embed="rId2" cstate="print"/>
+          <a:blip r:embed="rId4" cstate="print"/>
           <a:stretch>
             <a:fillRect/>
           </a:stretch>
@@ -32692,7 +33178,7 @@
           <p:nvPr/>
         </p:nvPicPr>
         <p:blipFill>
-          <a:blip r:embed="rId3" cstate="print"/>
+          <a:blip r:embed="rId5" cstate="print"/>
           <a:stretch>
             <a:fillRect/>
           </a:stretch>
@@ -32728,7 +33214,7 @@
             <p:nvPr/>
           </p:nvPicPr>
           <p:blipFill>
-            <a:blip r:embed="rId4" cstate="print"/>
+            <a:blip r:embed="rId6" cstate="print"/>
             <a:stretch>
               <a:fillRect/>
             </a:stretch>
@@ -32750,7 +33236,7 @@
             <p:nvPr/>
           </p:nvPicPr>
           <p:blipFill>
-            <a:blip r:embed="rId5" cstate="print"/>
+            <a:blip r:embed="rId7" cstate="print"/>
             <a:stretch>
               <a:fillRect/>
             </a:stretch>
@@ -32772,7 +33258,7 @@
             <p:nvPr/>
           </p:nvPicPr>
           <p:blipFill>
-            <a:blip r:embed="rId6" cstate="print"/>
+            <a:blip r:embed="rId8" cstate="print"/>
             <a:stretch>
               <a:fillRect/>
             </a:stretch>
@@ -32889,7 +33375,7 @@
           <p:nvPr/>
         </p:nvPicPr>
         <p:blipFill>
-          <a:blip r:embed="rId7" cstate="print"/>
+          <a:blip r:embed="rId9" cstate="print"/>
           <a:stretch>
             <a:fillRect/>
           </a:stretch>
@@ -32911,7 +33397,7 @@
           <p:nvPr/>
         </p:nvPicPr>
         <p:blipFill>
-          <a:blip r:embed="rId8" cstate="print"/>
+          <a:blip r:embed="rId10" cstate="print"/>
           <a:stretch>
             <a:fillRect/>
           </a:stretch>
@@ -32933,7 +33419,7 @@
           <p:nvPr/>
         </p:nvPicPr>
         <p:blipFill>
-          <a:blip r:embed="rId9" cstate="print"/>
+          <a:blip r:embed="rId11" cstate="print"/>
           <a:stretch>
             <a:fillRect/>
           </a:stretch>
@@ -33073,7 +33559,7 @@
           <p:nvPr/>
         </p:nvPicPr>
         <p:blipFill>
-          <a:blip r:embed="rId10" cstate="print"/>
+          <a:blip r:embed="rId12" cstate="print"/>
           <a:stretch>
             <a:fillRect/>
           </a:stretch>
@@ -33095,7 +33581,7 @@
           <p:nvPr/>
         </p:nvPicPr>
         <p:blipFill>
-          <a:blip r:embed="rId11" cstate="print"/>
+          <a:blip r:embed="rId13" cstate="print"/>
           <a:stretch>
             <a:fillRect/>
           </a:stretch>
@@ -33131,7 +33617,7 @@
             <p:nvPr/>
           </p:nvPicPr>
           <p:blipFill>
-            <a:blip r:embed="rId12" cstate="print"/>
+            <a:blip r:embed="rId14" cstate="print"/>
             <a:stretch>
               <a:fillRect/>
             </a:stretch>
@@ -33153,7 +33639,7 @@
             <p:nvPr/>
           </p:nvPicPr>
           <p:blipFill>
-            <a:blip r:embed="rId13" cstate="print"/>
+            <a:blip r:embed="rId15" cstate="print"/>
             <a:stretch>
               <a:fillRect/>
             </a:stretch>
@@ -33182,9 +33668,11 @@
         <p:spPr/>
         <p:txBody>
           <a:bodyPr/>
+          <a:lstStyle/>
           <a:p>
             <a:fld id="{B6F15528-21DE-4FAA-801E-634DDDAF4B2B}" type="slidenum">
               <a:rPr/>
+              <a:t>42</a:t>
             </a:fld>
             <a:endParaRPr/>
           </a:p>
@@ -33193,7 +33681,9 @@
       <p:graphicFrame>
         <p:nvGraphicFramePr>
           <p:cNvPr id="36" name="Content Placeholder 35"/>
-          <p:cNvGraphicFramePr/>
+          <p:cNvGraphicFramePr>
+            <a:graphicFrameLocks noGrp="1"/>
+          </p:cNvGraphicFramePr>
           <p:nvPr>
             <p:ph sz="half" idx="2"/>
           </p:nvPr>
@@ -33206,12 +33696,12 @@
           <a:graphicData uri="http://schemas.openxmlformats.org/presentationml/2006/ole">
             <mc:AlternateContent xmlns:mc="http://schemas.openxmlformats.org/markup-compatibility/2006">
               <mc:Choice xmlns:v="urn:schemas-microsoft-com:vml" Requires="v">
-                <p:oleObj spid="_x0000_s37" name="" r:id="rId14" imgW="3209925" imgH="419100" progId="Paint.Picture">
+                <p:oleObj spid="_x0000_s1026" r:id="rId16" imgW="3209925" imgH="419100" progId="Paint.Picture">
                   <p:embed/>
                 </p:oleObj>
               </mc:Choice>
               <mc:Fallback>
-                <p:oleObj name="" r:id="rId14" imgW="3209925" imgH="419100" progId="Paint.Picture">
+                <p:oleObj r:id="rId16" imgW="3209925" imgH="419100" progId="Paint.Picture">
                   <p:embed/>
                   <p:pic>
                     <p:nvPicPr>
@@ -33220,7 +33710,7 @@
                       <p:nvPr/>
                     </p:nvPicPr>
                     <p:blipFill>
-                      <a:blip r:embed="rId15"/>
+                      <a:blip r:embed="rId17"/>
                       <a:stretch>
                         <a:fillRect/>
                       </a:stretch>
@@ -33273,7 +33763,7 @@
           <p:nvPr/>
         </p:nvPicPr>
         <p:blipFill>
-          <a:blip r:embed="rId1" cstate="print"/>
+          <a:blip r:embed="rId2" cstate="print"/>
           <a:stretch>
             <a:fillRect/>
           </a:stretch>
@@ -33295,7 +33785,7 @@
           <p:nvPr/>
         </p:nvPicPr>
         <p:blipFill>
-          <a:blip r:embed="rId2" cstate="print"/>
+          <a:blip r:embed="rId3" cstate="print"/>
           <a:stretch>
             <a:fillRect/>
           </a:stretch>
@@ -33401,7 +33891,7 @@
             <p:nvPr/>
           </p:nvPicPr>
           <p:blipFill>
-            <a:blip r:embed="rId3" cstate="print"/>
+            <a:blip r:embed="rId4" cstate="print"/>
             <a:stretch>
               <a:fillRect/>
             </a:stretch>
@@ -33423,7 +33913,7 @@
             <p:nvPr/>
           </p:nvPicPr>
           <p:blipFill>
-            <a:blip r:embed="rId4" cstate="print"/>
+            <a:blip r:embed="rId5" cstate="print"/>
             <a:stretch>
               <a:fillRect/>
             </a:stretch>
@@ -33445,7 +33935,7 @@
             <p:nvPr/>
           </p:nvPicPr>
           <p:blipFill>
-            <a:blip r:embed="rId5" cstate="print"/>
+            <a:blip r:embed="rId6" cstate="print"/>
             <a:stretch>
               <a:fillRect/>
             </a:stretch>
@@ -33468,7 +33958,7 @@
           <p:nvPr/>
         </p:nvPicPr>
         <p:blipFill>
-          <a:blip r:embed="rId6" cstate="print"/>
+          <a:blip r:embed="rId7" cstate="print"/>
           <a:stretch>
             <a:fillRect/>
           </a:stretch>
@@ -33490,7 +33980,7 @@
           <p:nvPr/>
         </p:nvPicPr>
         <p:blipFill>
-          <a:blip r:embed="rId7" cstate="print"/>
+          <a:blip r:embed="rId8" cstate="print"/>
           <a:stretch>
             <a:fillRect/>
           </a:stretch>
@@ -33558,7 +34048,7 @@
           <p:nvPr/>
         </p:nvPicPr>
         <p:blipFill>
-          <a:blip r:embed="rId8" cstate="print"/>
+          <a:blip r:embed="rId9" cstate="print"/>
           <a:stretch>
             <a:fillRect/>
           </a:stretch>
@@ -33580,7 +34070,7 @@
           <p:nvPr/>
         </p:nvPicPr>
         <p:blipFill>
-          <a:blip r:embed="rId9" cstate="print"/>
+          <a:blip r:embed="rId10" cstate="print"/>
           <a:stretch>
             <a:fillRect/>
           </a:stretch>
@@ -33608,9 +34098,11 @@
         <p:spPr/>
         <p:txBody>
           <a:bodyPr/>
+          <a:lstStyle/>
           <a:p>
             <a:fld id="{B6F15528-21DE-4FAA-801E-634DDDAF4B2B}" type="slidenum">
               <a:rPr/>
+              <a:t>43</a:t>
             </a:fld>
             <a:endParaRPr/>
           </a:p>
@@ -33648,7 +34140,7 @@
           <p:nvPr/>
         </p:nvPicPr>
         <p:blipFill>
-          <a:blip r:embed="rId1" cstate="print"/>
+          <a:blip r:embed="rId2" cstate="print"/>
           <a:stretch>
             <a:fillRect/>
           </a:stretch>
@@ -33670,7 +34162,7 @@
           <p:nvPr/>
         </p:nvPicPr>
         <p:blipFill>
-          <a:blip r:embed="rId2" cstate="print"/>
+          <a:blip r:embed="rId3" cstate="print"/>
           <a:stretch>
             <a:fillRect/>
           </a:stretch>
@@ -33810,7 +34302,7 @@
           <p:nvPr/>
         </p:nvPicPr>
         <p:blipFill>
-          <a:blip r:embed="rId3" cstate="print"/>
+          <a:blip r:embed="rId4" cstate="print"/>
           <a:stretch>
             <a:fillRect/>
           </a:stretch>
@@ -33832,7 +34324,7 @@
           <p:nvPr/>
         </p:nvPicPr>
         <p:blipFill>
-          <a:blip r:embed="rId4" cstate="print"/>
+          <a:blip r:embed="rId5" cstate="print"/>
           <a:stretch>
             <a:fillRect/>
           </a:stretch>
@@ -33854,7 +34346,7 @@
           <p:nvPr/>
         </p:nvPicPr>
         <p:blipFill>
-          <a:blip r:embed="rId5" cstate="print"/>
+          <a:blip r:embed="rId6" cstate="print"/>
           <a:stretch>
             <a:fillRect/>
           </a:stretch>
@@ -33876,7 +34368,7 @@
           <p:nvPr/>
         </p:nvPicPr>
         <p:blipFill>
-          <a:blip r:embed="rId6" cstate="print"/>
+          <a:blip r:embed="rId7" cstate="print"/>
           <a:stretch>
             <a:fillRect/>
           </a:stretch>
@@ -33912,7 +34404,7 @@
             <p:nvPr/>
           </p:nvPicPr>
           <p:blipFill>
-            <a:blip r:embed="rId7" cstate="print"/>
+            <a:blip r:embed="rId8" cstate="print"/>
             <a:stretch>
               <a:fillRect/>
             </a:stretch>
@@ -33934,7 +34426,7 @@
             <p:nvPr/>
           </p:nvPicPr>
           <p:blipFill>
-            <a:blip r:embed="rId8" cstate="print"/>
+            <a:blip r:embed="rId9" cstate="print"/>
             <a:stretch>
               <a:fillRect/>
             </a:stretch>
@@ -33956,7 +34448,7 @@
             <p:nvPr/>
           </p:nvPicPr>
           <p:blipFill>
-            <a:blip r:embed="rId9" cstate="print"/>
+            <a:blip r:embed="rId10" cstate="print"/>
             <a:stretch>
               <a:fillRect/>
             </a:stretch>
@@ -33978,7 +34470,7 @@
             <p:nvPr/>
           </p:nvPicPr>
           <p:blipFill>
-            <a:blip r:embed="rId10" cstate="print"/>
+            <a:blip r:embed="rId11" cstate="print"/>
             <a:stretch>
               <a:fillRect/>
             </a:stretch>
@@ -34000,7 +34492,7 @@
             <p:nvPr/>
           </p:nvPicPr>
           <p:blipFill>
-            <a:blip r:embed="rId11" cstate="print"/>
+            <a:blip r:embed="rId12" cstate="print"/>
             <a:stretch>
               <a:fillRect/>
             </a:stretch>
@@ -34093,7 +34585,7 @@
           <p:nvPr/>
         </p:nvPicPr>
         <p:blipFill>
-          <a:blip r:embed="rId12" cstate="print"/>
+          <a:blip r:embed="rId13" cstate="print"/>
           <a:stretch>
             <a:fillRect/>
           </a:stretch>
@@ -34129,7 +34621,7 @@
             <p:nvPr/>
           </p:nvPicPr>
           <p:blipFill>
-            <a:blip r:embed="rId13" cstate="print"/>
+            <a:blip r:embed="rId14" cstate="print"/>
             <a:stretch>
               <a:fillRect/>
             </a:stretch>
@@ -34151,7 +34643,7 @@
             <p:nvPr/>
           </p:nvPicPr>
           <p:blipFill>
-            <a:blip r:embed="rId14" cstate="print"/>
+            <a:blip r:embed="rId15" cstate="print"/>
             <a:stretch>
               <a:fillRect/>
             </a:stretch>
@@ -34174,7 +34666,7 @@
           <p:nvPr/>
         </p:nvPicPr>
         <p:blipFill>
-          <a:blip r:embed="rId15" cstate="print"/>
+          <a:blip r:embed="rId16" cstate="print"/>
           <a:stretch>
             <a:fillRect/>
           </a:stretch>
@@ -34202,9 +34694,11 @@
         <p:spPr/>
         <p:txBody>
           <a:bodyPr/>
+          <a:lstStyle/>
           <a:p>
             <a:fld id="{B6F15528-21DE-4FAA-801E-634DDDAF4B2B}" type="slidenum">
               <a:rPr/>
+              <a:t>44</a:t>
             </a:fld>
             <a:endParaRPr/>
           </a:p>
@@ -34242,7 +34736,7 @@
           <p:nvPr/>
         </p:nvPicPr>
         <p:blipFill>
-          <a:blip r:embed="rId1" cstate="print"/>
+          <a:blip r:embed="rId2" cstate="print"/>
           <a:stretch>
             <a:fillRect/>
           </a:stretch>
@@ -34264,7 +34758,7 @@
           <p:nvPr/>
         </p:nvPicPr>
         <p:blipFill>
-          <a:blip r:embed="rId2" cstate="print"/>
+          <a:blip r:embed="rId3" cstate="print"/>
           <a:stretch>
             <a:fillRect/>
           </a:stretch>
@@ -34356,7 +34850,7 @@
           <p:nvPr/>
         </p:nvPicPr>
         <p:blipFill>
-          <a:blip r:embed="rId3" cstate="print"/>
+          <a:blip r:embed="rId4" cstate="print"/>
           <a:stretch>
             <a:fillRect/>
           </a:stretch>
@@ -34378,7 +34872,7 @@
           <p:nvPr/>
         </p:nvPicPr>
         <p:blipFill>
-          <a:blip r:embed="rId4" cstate="print"/>
+          <a:blip r:embed="rId5" cstate="print"/>
           <a:stretch>
             <a:fillRect/>
           </a:stretch>
@@ -34400,7 +34894,7 @@
           <p:nvPr/>
         </p:nvPicPr>
         <p:blipFill>
-          <a:blip r:embed="rId5" cstate="print"/>
+          <a:blip r:embed="rId6" cstate="print"/>
           <a:stretch>
             <a:fillRect/>
           </a:stretch>
@@ -34482,7 +34976,7 @@
             <p:nvPr/>
           </p:nvPicPr>
           <p:blipFill>
-            <a:blip r:embed="rId6" cstate="print"/>
+            <a:blip r:embed="rId7" cstate="print"/>
             <a:stretch>
               <a:fillRect/>
             </a:stretch>
@@ -34504,7 +34998,7 @@
             <p:nvPr/>
           </p:nvPicPr>
           <p:blipFill>
-            <a:blip r:embed="rId7" cstate="print"/>
+            <a:blip r:embed="rId8" cstate="print"/>
             <a:stretch>
               <a:fillRect/>
             </a:stretch>
@@ -34527,7 +35021,7 @@
           <p:nvPr/>
         </p:nvPicPr>
         <p:blipFill>
-          <a:blip r:embed="rId8" cstate="print"/>
+          <a:blip r:embed="rId9" cstate="print"/>
           <a:stretch>
             <a:fillRect/>
           </a:stretch>
@@ -34595,7 +35089,7 @@
           <p:nvPr/>
         </p:nvPicPr>
         <p:blipFill>
-          <a:blip r:embed="rId9" cstate="print"/>
+          <a:blip r:embed="rId10" cstate="print"/>
           <a:stretch>
             <a:fillRect/>
           </a:stretch>
@@ -34617,7 +35111,7 @@
           <p:nvPr/>
         </p:nvPicPr>
         <p:blipFill>
-          <a:blip r:embed="rId10" cstate="print"/>
+          <a:blip r:embed="rId11" cstate="print"/>
           <a:stretch>
             <a:fillRect/>
           </a:stretch>
@@ -34645,9 +35139,11 @@
         <p:spPr/>
         <p:txBody>
           <a:bodyPr/>
+          <a:lstStyle/>
           <a:p>
             <a:fld id="{B6F15528-21DE-4FAA-801E-634DDDAF4B2B}" type="slidenum">
               <a:rPr/>
+              <a:t>45</a:t>
             </a:fld>
             <a:endParaRPr/>
           </a:p>
@@ -34685,7 +35181,7 @@
           <p:nvPr/>
         </p:nvPicPr>
         <p:blipFill>
-          <a:blip r:embed="rId1" cstate="print"/>
+          <a:blip r:embed="rId2" cstate="print"/>
           <a:stretch>
             <a:fillRect/>
           </a:stretch>
@@ -34707,7 +35203,7 @@
           <p:nvPr/>
         </p:nvPicPr>
         <p:blipFill>
-          <a:blip r:embed="rId2" cstate="print"/>
+          <a:blip r:embed="rId3" cstate="print"/>
           <a:stretch>
             <a:fillRect/>
           </a:stretch>
@@ -34823,7 +35319,7 @@
           <p:nvPr/>
         </p:nvPicPr>
         <p:blipFill>
-          <a:blip r:embed="rId3" cstate="print"/>
+          <a:blip r:embed="rId4" cstate="print"/>
           <a:stretch>
             <a:fillRect/>
           </a:stretch>
@@ -34845,7 +35341,7 @@
           <p:nvPr/>
         </p:nvPicPr>
         <p:blipFill>
-          <a:blip r:embed="rId4" cstate="print"/>
+          <a:blip r:embed="rId5" cstate="print"/>
           <a:stretch>
             <a:fillRect/>
           </a:stretch>
@@ -34867,7 +35363,7 @@
           <p:nvPr/>
         </p:nvPicPr>
         <p:blipFill>
-          <a:blip r:embed="rId5" cstate="print"/>
+          <a:blip r:embed="rId6" cstate="print"/>
           <a:stretch>
             <a:fillRect/>
           </a:stretch>
@@ -34889,7 +35385,7 @@
           <p:nvPr/>
         </p:nvPicPr>
         <p:blipFill>
-          <a:blip r:embed="rId6" cstate="print"/>
+          <a:blip r:embed="rId7" cstate="print"/>
           <a:stretch>
             <a:fillRect/>
           </a:stretch>
@@ -34957,7 +35453,7 @@
           <p:nvPr/>
         </p:nvPicPr>
         <p:blipFill>
-          <a:blip r:embed="rId7" cstate="print"/>
+          <a:blip r:embed="rId8" cstate="print"/>
           <a:stretch>
             <a:fillRect/>
           </a:stretch>
@@ -34979,7 +35475,7 @@
           <p:nvPr/>
         </p:nvPicPr>
         <p:blipFill>
-          <a:blip r:embed="rId8" cstate="print"/>
+          <a:blip r:embed="rId9" cstate="print"/>
           <a:stretch>
             <a:fillRect/>
           </a:stretch>
@@ -35007,9 +35503,11 @@
         <p:spPr/>
         <p:txBody>
           <a:bodyPr/>
+          <a:lstStyle/>
           <a:p>
             <a:fld id="{B6F15528-21DE-4FAA-801E-634DDDAF4B2B}" type="slidenum">
               <a:rPr/>
+              <a:t>46</a:t>
             </a:fld>
             <a:endParaRPr/>
           </a:p>
@@ -35077,7 +35575,9 @@
         <p:txBody>
           <a:bodyPr wrap="square" lIns="0" tIns="0" rIns="0" bIns="0" rtlCol="0"/>
           <a:lstStyle/>
-          <a:p/>
+          <a:p>
+            <a:endParaRPr/>
+          </a:p>
         </p:txBody>
       </p:sp>
       <p:pic>
@@ -35087,7 +35587,7 @@
           <p:nvPr/>
         </p:nvPicPr>
         <p:blipFill>
-          <a:blip r:embed="rId1" cstate="print"/>
+          <a:blip r:embed="rId2" cstate="print"/>
           <a:stretch>
             <a:fillRect/>
           </a:stretch>
@@ -35109,7 +35609,7 @@
           <p:nvPr/>
         </p:nvPicPr>
         <p:blipFill>
-          <a:blip r:embed="rId2" cstate="print"/>
+          <a:blip r:embed="rId3" cstate="print"/>
           <a:stretch>
             <a:fillRect/>
           </a:stretch>
@@ -35247,7 +35747,7 @@
           <p:nvPr/>
         </p:nvPicPr>
         <p:blipFill>
-          <a:blip r:embed="rId3" cstate="print"/>
+          <a:blip r:embed="rId4" cstate="print"/>
           <a:stretch>
             <a:fillRect/>
           </a:stretch>
@@ -35283,7 +35783,7 @@
             <p:nvPr/>
           </p:nvPicPr>
           <p:blipFill>
-            <a:blip r:embed="rId4" cstate="print"/>
+            <a:blip r:embed="rId5" cstate="print"/>
             <a:stretch>
               <a:fillRect/>
             </a:stretch>
@@ -35305,7 +35805,7 @@
             <p:nvPr/>
           </p:nvPicPr>
           <p:blipFill>
-            <a:blip r:embed="rId5" cstate="print"/>
+            <a:blip r:embed="rId6" cstate="print"/>
             <a:stretch>
               <a:fillRect/>
             </a:stretch>
@@ -35342,7 +35842,7 @@
             <p:nvPr/>
           </p:nvPicPr>
           <p:blipFill>
-            <a:blip r:embed="rId6" cstate="print"/>
+            <a:blip r:embed="rId7" cstate="print"/>
             <a:stretch>
               <a:fillRect/>
             </a:stretch>
@@ -35364,7 +35864,7 @@
             <p:nvPr/>
           </p:nvPicPr>
           <p:blipFill>
-            <a:blip r:embed="rId7" cstate="print"/>
+            <a:blip r:embed="rId8" cstate="print"/>
             <a:stretch>
               <a:fillRect/>
             </a:stretch>
@@ -35433,7 +35933,9 @@
           <p:txBody>
             <a:bodyPr wrap="square" lIns="0" tIns="0" rIns="0" bIns="0" rtlCol="0"/>
             <a:lstStyle/>
-            <a:p/>
+            <a:p>
+              <a:endParaRPr/>
+            </a:p>
           </p:txBody>
         </p:sp>
         <p:pic>
@@ -35443,7 +35945,7 @@
             <p:nvPr/>
           </p:nvPicPr>
           <p:blipFill>
-            <a:blip r:embed="rId8" cstate="print"/>
+            <a:blip r:embed="rId9" cstate="print"/>
             <a:stretch>
               <a:fillRect/>
             </a:stretch>
@@ -35512,7 +36014,9 @@
           <p:txBody>
             <a:bodyPr wrap="square" lIns="0" tIns="0" rIns="0" bIns="0" rtlCol="0"/>
             <a:lstStyle/>
-            <a:p/>
+            <a:p>
+              <a:endParaRPr/>
+            </a:p>
           </p:txBody>
         </p:sp>
         <p:pic>
@@ -35522,7 +36026,7 @@
             <p:nvPr/>
           </p:nvPicPr>
           <p:blipFill>
-            <a:blip r:embed="rId9" cstate="print"/>
+            <a:blip r:embed="rId10" cstate="print"/>
             <a:stretch>
               <a:fillRect/>
             </a:stretch>
@@ -35544,7 +36048,7 @@
             <p:nvPr/>
           </p:nvPicPr>
           <p:blipFill>
-            <a:blip r:embed="rId10" cstate="print"/>
+            <a:blip r:embed="rId11" cstate="print"/>
             <a:stretch>
               <a:fillRect/>
             </a:stretch>
@@ -35566,7 +36070,7 @@
             <p:nvPr/>
           </p:nvPicPr>
           <p:blipFill>
-            <a:blip r:embed="rId11" cstate="print"/>
+            <a:blip r:embed="rId12" cstate="print"/>
             <a:stretch>
               <a:fillRect/>
             </a:stretch>
@@ -35589,7 +36093,7 @@
           <p:nvPr/>
         </p:nvPicPr>
         <p:blipFill>
-          <a:blip r:embed="rId12" cstate="print"/>
+          <a:blip r:embed="rId13" cstate="print"/>
           <a:stretch>
             <a:fillRect/>
           </a:stretch>
@@ -35617,9 +36121,11 @@
         <p:spPr/>
         <p:txBody>
           <a:bodyPr/>
+          <a:lstStyle/>
           <a:p>
             <a:fld id="{B6F15528-21DE-4FAA-801E-634DDDAF4B2B}" type="slidenum">
               <a:rPr/>
+              <a:t>5</a:t>
             </a:fld>
             <a:endParaRPr/>
           </a:p>
@@ -35650,28 +36156,6 @@
           <a:chExt cx="0" cy="0"/>
         </a:xfrm>
       </p:grpSpPr>
-      <p:pic>
-        <p:nvPicPr>
-          <p:cNvPr id="2" name="object 2"/>
-          <p:cNvPicPr/>
-          <p:nvPr/>
-        </p:nvPicPr>
-        <p:blipFill>
-          <a:blip r:embed="rId1" cstate="print"/>
-          <a:stretch>
-            <a:fillRect/>
-          </a:stretch>
-        </p:blipFill>
-        <p:spPr>
-          <a:xfrm>
-            <a:off x="11496293" y="6184734"/>
-            <a:ext cx="449821" cy="449821"/>
-          </a:xfrm>
-          <a:prstGeom prst="rect">
-            <a:avLst/>
-          </a:prstGeom>
-        </p:spPr>
-      </p:pic>
       <p:sp>
         <p:nvSpPr>
           <p:cNvPr id="3" name="object 3"/>
@@ -35709,7 +36193,9 @@
         <p:txBody>
           <a:bodyPr wrap="square" lIns="0" tIns="0" rIns="0" bIns="0" rtlCol="0"/>
           <a:lstStyle/>
-          <a:p/>
+          <a:p>
+            <a:endParaRPr/>
+          </a:p>
         </p:txBody>
       </p:sp>
       <p:pic>
@@ -36349,7 +36835,9 @@
           <p:txBody>
             <a:bodyPr wrap="square" lIns="0" tIns="0" rIns="0" bIns="0" rtlCol="0"/>
             <a:lstStyle/>
-            <a:p/>
+            <a:p>
+              <a:endParaRPr/>
+            </a:p>
           </p:txBody>
         </p:sp>
         <p:sp>
@@ -36447,7 +36935,9 @@
           <p:txBody>
             <a:bodyPr wrap="square" lIns="0" tIns="0" rIns="0" bIns="0" rtlCol="0"/>
             <a:lstStyle/>
-            <a:p/>
+            <a:p>
+              <a:endParaRPr/>
+            </a:p>
           </p:txBody>
         </p:sp>
       </p:grpSp>
@@ -36484,7 +36974,6 @@
               <a:rPr spc="-5" dirty="0"/>
               <a:t>01101110</a:t>
             </a:r>
-            <a:endParaRPr spc="-5" dirty="0"/>
           </a:p>
         </p:txBody>
       </p:sp>
@@ -36501,9 +36990,11 @@
         <p:spPr/>
         <p:txBody>
           <a:bodyPr/>
+          <a:lstStyle/>
           <a:p>
             <a:fld id="{B6F15528-21DE-4FAA-801E-634DDDAF4B2B}" type="slidenum">
               <a:rPr/>
+              <a:t>6</a:t>
             </a:fld>
             <a:endParaRPr/>
           </a:p>
@@ -36571,7 +37062,6 @@
               <a:rPr spc="-5" dirty="0"/>
               <a:t>01101110</a:t>
             </a:r>
-            <a:endParaRPr spc="-5" dirty="0"/>
           </a:p>
         </p:txBody>
       </p:sp>
@@ -36596,7 +37086,7 @@
             <p:nvPr/>
           </p:nvPicPr>
           <p:blipFill>
-            <a:blip r:embed="rId1" cstate="print"/>
+            <a:blip r:embed="rId2" cstate="print"/>
             <a:stretch>
               <a:fillRect/>
             </a:stretch>
@@ -36665,7 +37155,9 @@
           <p:txBody>
             <a:bodyPr wrap="square" lIns="0" tIns="0" rIns="0" bIns="0" rtlCol="0"/>
             <a:lstStyle/>
-            <a:p/>
+            <a:p>
+              <a:endParaRPr/>
+            </a:p>
           </p:txBody>
         </p:sp>
         <p:pic>
@@ -36675,7 +37167,7 @@
             <p:nvPr/>
           </p:nvPicPr>
           <p:blipFill>
-            <a:blip r:embed="rId2" cstate="print"/>
+            <a:blip r:embed="rId3" cstate="print"/>
             <a:stretch>
               <a:fillRect/>
             </a:stretch>
@@ -36701,7 +37193,7 @@
         </p:nvGraphicFramePr>
         <p:xfrm>
           <a:off x="7531607" y="2762757"/>
-          <a:ext cx="3413125" cy="1125220"/>
+          <a:ext cx="3394075" cy="1112517"/>
         </p:xfrm>
         <a:graphic>
           <a:graphicData uri="http://schemas.openxmlformats.org/drawingml/2006/table">
@@ -36710,7 +37202,13 @@
                 <a:tableStyleId>{2D5ABB26-0587-4C30-8999-92F81FD0307C}</a:tableStyleId>
               </a:tblPr>
               <a:tblGrid>
-                <a:gridCol w="3394075"/>
+                <a:gridCol w="3394075">
+                  <a:extLst>
+                    <a:ext uri="{9D8B030D-6E8A-4147-A177-3AD203B41FA5}">
+                      <a16:colId xmlns:a16="http://schemas.microsoft.com/office/drawing/2014/main" val="20000"/>
+                    </a:ext>
+                  </a:extLst>
+                </a:gridCol>
               </a:tblGrid>
               <a:tr h="370839">
                 <a:tc>
@@ -36772,6 +37270,11 @@
                     </a:solidFill>
                   </a:tcPr>
                 </a:tc>
+                <a:extLst>
+                  <a:ext uri="{0D108BD9-81ED-4DB2-BD59-A6C34878D82A}">
+                    <a16:rowId xmlns:a16="http://schemas.microsoft.com/office/drawing/2014/main" val="10000"/>
+                  </a:ext>
+                </a:extLst>
               </a:tr>
               <a:tr h="370839">
                 <a:tc>
@@ -36853,6 +37356,11 @@
                     </a:solidFill>
                   </a:tcPr>
                 </a:tc>
+                <a:extLst>
+                  <a:ext uri="{0D108BD9-81ED-4DB2-BD59-A6C34878D82A}">
+                    <a16:rowId xmlns:a16="http://schemas.microsoft.com/office/drawing/2014/main" val="10001"/>
+                  </a:ext>
+                </a:extLst>
               </a:tr>
               <a:tr h="370839">
                 <a:tc>
@@ -36901,6 +37409,11 @@
                     </a:solidFill>
                   </a:tcPr>
                 </a:tc>
+                <a:extLst>
+                  <a:ext uri="{0D108BD9-81ED-4DB2-BD59-A6C34878D82A}">
+                    <a16:rowId xmlns:a16="http://schemas.microsoft.com/office/drawing/2014/main" val="10002"/>
+                  </a:ext>
+                </a:extLst>
               </a:tr>
             </a:tbl>
           </a:graphicData>
@@ -36916,7 +37429,7 @@
         </p:nvGraphicFramePr>
         <p:xfrm>
           <a:off x="3468878" y="2756789"/>
-          <a:ext cx="3416300" cy="1125220"/>
+          <a:ext cx="3397250" cy="1112518"/>
         </p:xfrm>
         <a:graphic>
           <a:graphicData uri="http://schemas.openxmlformats.org/drawingml/2006/table">
@@ -36925,7 +37438,13 @@
                 <a:tableStyleId>{2D5ABB26-0587-4C30-8999-92F81FD0307C}</a:tableStyleId>
               </a:tblPr>
               <a:tblGrid>
-                <a:gridCol w="3397250"/>
+                <a:gridCol w="3397250">
+                  <a:extLst>
+                    <a:ext uri="{9D8B030D-6E8A-4147-A177-3AD203B41FA5}">
+                      <a16:colId xmlns:a16="http://schemas.microsoft.com/office/drawing/2014/main" val="20000"/>
+                    </a:ext>
+                  </a:extLst>
+                </a:gridCol>
               </a:tblGrid>
               <a:tr h="370839">
                 <a:tc>
@@ -36987,6 +37506,11 @@
                     </a:solidFill>
                   </a:tcPr>
                 </a:tc>
+                <a:extLst>
+                  <a:ext uri="{0D108BD9-81ED-4DB2-BD59-A6C34878D82A}">
+                    <a16:rowId xmlns:a16="http://schemas.microsoft.com/office/drawing/2014/main" val="10000"/>
+                  </a:ext>
+                </a:extLst>
               </a:tr>
               <a:tr h="370840">
                 <a:tc>
@@ -37068,6 +37592,11 @@
                     </a:solidFill>
                   </a:tcPr>
                 </a:tc>
+                <a:extLst>
+                  <a:ext uri="{0D108BD9-81ED-4DB2-BD59-A6C34878D82A}">
+                    <a16:rowId xmlns:a16="http://schemas.microsoft.com/office/drawing/2014/main" val="10001"/>
+                  </a:ext>
+                </a:extLst>
               </a:tr>
               <a:tr h="370839">
                 <a:tc>
@@ -37116,6 +37645,11 @@
                     </a:solidFill>
                   </a:tcPr>
                 </a:tc>
+                <a:extLst>
+                  <a:ext uri="{0D108BD9-81ED-4DB2-BD59-A6C34878D82A}">
+                    <a16:rowId xmlns:a16="http://schemas.microsoft.com/office/drawing/2014/main" val="10002"/>
+                  </a:ext>
+                </a:extLst>
               </a:tr>
             </a:tbl>
           </a:graphicData>
@@ -37134,9 +37668,11 @@
         <p:spPr/>
         <p:txBody>
           <a:bodyPr/>
+          <a:lstStyle/>
           <a:p>
             <a:fld id="{B6F15528-21DE-4FAA-801E-634DDDAF4B2B}" type="slidenum">
               <a:rPr/>
+              <a:t>7</a:t>
             </a:fld>
             <a:endParaRPr/>
           </a:p>
@@ -37212,31 +37748,11 @@
         <p:txBody>
           <a:bodyPr wrap="square" lIns="0" tIns="0" rIns="0" bIns="0" rtlCol="0"/>
           <a:lstStyle/>
-          <a:p/>
+          <a:p>
+            <a:endParaRPr/>
+          </a:p>
         </p:txBody>
       </p:sp>
-      <p:pic>
-        <p:nvPicPr>
-          <p:cNvPr id="3" name="object 3"/>
-          <p:cNvPicPr/>
-          <p:nvPr/>
-        </p:nvPicPr>
-        <p:blipFill>
-          <a:blip r:embed="rId1" cstate="print"/>
-          <a:stretch>
-            <a:fillRect/>
-          </a:stretch>
-        </p:blipFill>
-        <p:spPr>
-          <a:xfrm>
-            <a:off x="11496293" y="6184734"/>
-            <a:ext cx="449821" cy="449821"/>
-          </a:xfrm>
-          <a:prstGeom prst="rect">
-            <a:avLst/>
-          </a:prstGeom>
-        </p:spPr>
-      </p:pic>
       <p:sp>
         <p:nvSpPr>
           <p:cNvPr id="4" name="object 4"/>
@@ -37894,9 +38410,11 @@
         <p:spPr/>
         <p:txBody>
           <a:bodyPr/>
+          <a:lstStyle/>
           <a:p>
             <a:fld id="{B6F15528-21DE-4FAA-801E-634DDDAF4B2B}" type="slidenum">
               <a:rPr/>
+              <a:t>8</a:t>
             </a:fld>
             <a:endParaRPr/>
           </a:p>
@@ -37972,31 +38490,11 @@
         <p:txBody>
           <a:bodyPr wrap="square" lIns="0" tIns="0" rIns="0" bIns="0" rtlCol="0"/>
           <a:lstStyle/>
-          <a:p/>
+          <a:p>
+            <a:endParaRPr/>
+          </a:p>
         </p:txBody>
       </p:sp>
-      <p:pic>
-        <p:nvPicPr>
-          <p:cNvPr id="3" name="object 3"/>
-          <p:cNvPicPr/>
-          <p:nvPr/>
-        </p:nvPicPr>
-        <p:blipFill>
-          <a:blip r:embed="rId1" cstate="print"/>
-          <a:stretch>
-            <a:fillRect/>
-          </a:stretch>
-        </p:blipFill>
-        <p:spPr>
-          <a:xfrm>
-            <a:off x="11496293" y="6184734"/>
-            <a:ext cx="449821" cy="449821"/>
-          </a:xfrm>
-          <a:prstGeom prst="rect">
-            <a:avLst/>
-          </a:prstGeom>
-        </p:spPr>
-      </p:pic>
       <p:sp>
         <p:nvSpPr>
           <p:cNvPr id="4" name="object 4"/>
@@ -38634,9 +39132,11 @@
         <p:spPr/>
         <p:txBody>
           <a:bodyPr/>
+          <a:lstStyle/>
           <a:p>
             <a:fld id="{B6F15528-21DE-4FAA-801E-634DDDAF4B2B}" type="slidenum">
               <a:rPr/>
+              <a:t>9</a:t>
             </a:fld>
             <a:endParaRPr/>
           </a:p>
@@ -38928,6 +39428,8 @@
       </a:bgFillStyleLst>
     </a:fmtScheme>
   </a:themeElements>
+  <a:objectDefaults/>
+  <a:extraClrSchemeLst/>
   <a:extLst>
     <a:ext uri="{05A4C25C-085E-4340-85A3-A5531E510DB2}">
       <thm15:themeFamily xmlns:thm15="http://schemas.microsoft.com/office/thememl/2012/main" name="Office Theme" id="{62F939B6-93AF-4DB8-9C6B-D6C7DFDC589F}" vid="{4A3C46E8-61CC-4603-A589-7422A47A8E4A}"/>
@@ -39187,6 +39689,8 @@
       </a:bgFillStyleLst>
     </a:fmtScheme>
   </a:themeElements>
+  <a:objectDefaults/>
+  <a:extraClrSchemeLst/>
   <a:extLst>
     <a:ext uri="{05A4C25C-085E-4340-85A3-A5531E510DB2}">
       <thm15:themeFamily xmlns:thm15="http://schemas.microsoft.com/office/thememl/2012/main" name="Office Theme" id="{62F939B6-93AF-4DB8-9C6B-D6C7DFDC589F}" vid="{4A3C46E8-61CC-4603-A589-7422A47A8E4A}"/>
